--- a/manuales/Manual de presentacion de proyecto.pptx
+++ b/manuales/Manual de presentacion de proyecto.pptx
@@ -297,7 +297,7 @@
       <p15:sldGuideLst xmlns:p15="http://schemas.microsoft.com/office/powerpoint/2012/main"/>
     </p:ext>
     <p:ext uri="GoogleSlidesCustomDataVersion2">
-      <go:slidesCustomData xmlns:go="http://customooxmlschemas.google.com/" xmlns:ahyp="http://schemas.microsoft.com/office/drawing/2018/hyperlinkcolor" xmlns:p15="http://schemas.microsoft.com/office/powerpoint/2012/main" xmlns:p14="http://schemas.microsoft.com/office/powerpoint/2010/main" xmlns:com="http://schemas.openxmlformats.org/drawingml/2006/compatibility" xmlns:pvml="urn:schemas-microsoft-com:office:powerpoint" xmlns:v="urn:schemas-microsoft-com:vml" xmlns:o="urn:schemas-microsoft-com:office:office" xmlns:dgm="http://schemas.openxmlformats.org/drawingml/2006/diagram" xmlns:c="http://schemas.openxmlformats.org/drawingml/2006/chart" xmlns:mv="urn:schemas-microsoft-com:mac:vml" xmlns:mc="http://schemas.openxmlformats.org/markup-compatibility/2006" xmlns="" r:id="rId158" roundtripDataSignature="AMtx7mh9cBwuomw2KhP3+gywVhm2hcJ6IQ=="/>
+      <go:slidesCustomData xmlns="" xmlns:mc="http://schemas.openxmlformats.org/markup-compatibility/2006" xmlns:mv="urn:schemas-microsoft-com:mac:vml" xmlns:c="http://schemas.openxmlformats.org/drawingml/2006/chart" xmlns:dgm="http://schemas.openxmlformats.org/drawingml/2006/diagram" xmlns:o="urn:schemas-microsoft-com:office:office" xmlns:v="urn:schemas-microsoft-com:vml" xmlns:pvml="urn:schemas-microsoft-com:office:powerpoint" xmlns:com="http://schemas.openxmlformats.org/drawingml/2006/compatibility" xmlns:p14="http://schemas.microsoft.com/office/powerpoint/2010/main" xmlns:p15="http://schemas.microsoft.com/office/powerpoint/2012/main" xmlns:ahyp="http://schemas.microsoft.com/office/drawing/2018/hyperlinkcolor" xmlns:go="http://customooxmlschemas.google.com/" r:id="rId158" roundtripDataSignature="AMtx7mh9cBwuomw2KhP3+gywVhm2hcJ6IQ=="/>
     </p:ext>
   </p:extLst>
 </p:presentation>
@@ -32146,8 +32146,27 @@
                 <a:ea typeface="+mn-ea"/>
                 <a:cs typeface="+mn-cs"/>
               </a:rPr>
-              <a:t>Gestor de base de datos relacional:</a:t>
+              <a:t>Gestor de base de datos relacional: </a:t>
             </a:r>
+            <a:r>
+              <a:rPr lang="es-ES" sz="2000" kern="1200" dirty="0" err="1">
+                <a:solidFill>
+                  <a:prstClr val="black"/>
+                </a:solidFill>
+                <a:latin typeface="Work Sans Light" pitchFamily="2" charset="77"/>
+                <a:ea typeface="+mn-ea"/>
+                <a:cs typeface="+mn-cs"/>
+              </a:rPr>
+              <a:t>Mysql</a:t>
+            </a:r>
+            <a:endParaRPr lang="es-ES" sz="2000" kern="1200" dirty="0">
+              <a:solidFill>
+                <a:prstClr val="black"/>
+              </a:solidFill>
+              <a:latin typeface="Work Sans Light" pitchFamily="2" charset="77"/>
+              <a:ea typeface="+mn-ea"/>
+              <a:cs typeface="+mn-cs"/>
+            </a:endParaRPr>
           </a:p>
           <a:p>
             <a:pPr marL="342900" lvl="0" indent="-342900">
@@ -32176,17 +32195,6 @@
               <a:defRPr/>
             </a:pPr>
             <a:r>
-              <a:rPr lang="es-ES" sz="2000" kern="1200" dirty="0" err="1">
-                <a:solidFill>
-                  <a:prstClr val="black"/>
-                </a:solidFill>
-                <a:latin typeface="Work Sans Light" pitchFamily="2" charset="77"/>
-                <a:ea typeface="+mn-ea"/>
-                <a:cs typeface="+mn-cs"/>
-              </a:rPr>
-              <a:t>Frameworks</a:t>
-            </a:r>
-            <a:r>
               <a:rPr lang="es-ES" sz="2000" kern="1200" dirty="0">
                 <a:solidFill>
                   <a:prstClr val="black"/>
@@ -32195,7 +32203,7 @@
                 <a:ea typeface="+mn-ea"/>
                 <a:cs typeface="+mn-cs"/>
               </a:rPr>
-              <a:t> (si se usaron, definir para que se utiliza ese </a:t>
+              <a:t>Laravel (si se usaron, definir para que se utiliza ese </a:t>
             </a:r>
             <a:r>
               <a:rPr lang="es-ES" sz="2000" kern="1200" dirty="0" err="1">
@@ -32234,7 +32242,7 @@
                 </a:solidFill>
                 <a:latin typeface="Work Sans Light" pitchFamily="2" charset="77"/>
               </a:rPr>
-              <a:t>Lenguajes de programación:</a:t>
+              <a:t>Lenguajes de programación: PHP</a:t>
             </a:r>
             <a:endParaRPr lang="es-ES" sz="2000" kern="1200" dirty="0">
               <a:solidFill>
@@ -32261,7 +32269,7 @@
                 <a:ea typeface="+mn-ea"/>
                 <a:cs typeface="+mn-cs"/>
               </a:rPr>
-              <a:t>Arquitectura:</a:t>
+              <a:t>Arquitectura: MVC</a:t>
             </a:r>
           </a:p>
           <a:p>
@@ -32299,7 +32307,7 @@
                 <a:ea typeface="+mn-ea"/>
                 <a:cs typeface="+mn-cs"/>
               </a:rPr>
-              <a:t>Metodología de desarrollo:</a:t>
+              <a:t>Metodología de desarrollo: Scrum</a:t>
             </a:r>
           </a:p>
           <a:p>

--- a/manuales/Manual de presentacion de proyecto.pptx
+++ b/manuales/Manual de presentacion de proyecto.pptx
@@ -32108,7 +32108,7 @@
                 <a:ea typeface="+mn-ea"/>
                 <a:cs typeface="+mn-cs"/>
               </a:rPr>
-              <a:t>Sistema operativo sobre el que opera:</a:t>
+              <a:t>Sistema operativo sobre el que opera: Windows 10</a:t>
             </a:r>
           </a:p>
           <a:p>
@@ -32127,8 +32127,27 @@
                 <a:ea typeface="+mn-ea"/>
                 <a:cs typeface="+mn-cs"/>
               </a:rPr>
-              <a:t>Software Web Server:</a:t>
+              <a:t>Software Web Server: </a:t>
             </a:r>
+            <a:r>
+              <a:rPr lang="es-ES" sz="2000" kern="1200" dirty="0" err="1">
+                <a:solidFill>
+                  <a:prstClr val="black"/>
+                </a:solidFill>
+                <a:latin typeface="Work Sans Light" pitchFamily="2" charset="77"/>
+                <a:ea typeface="+mn-ea"/>
+                <a:cs typeface="+mn-cs"/>
+              </a:rPr>
+              <a:t>Infinity</a:t>
+            </a:r>
+            <a:endParaRPr lang="es-ES" sz="2000" kern="1200" dirty="0">
+              <a:solidFill>
+                <a:prstClr val="black"/>
+              </a:solidFill>
+              <a:latin typeface="Work Sans Light" pitchFamily="2" charset="77"/>
+              <a:ea typeface="+mn-ea"/>
+              <a:cs typeface="+mn-cs"/>
+            </a:endParaRPr>
           </a:p>
           <a:p>
             <a:pPr marL="342900" lvl="0" indent="-342900">
@@ -32288,7 +32307,29 @@
                 <a:ea typeface="+mn-ea"/>
                 <a:cs typeface="+mn-cs"/>
               </a:rPr>
-              <a:t>Sistema de control de versiones:</a:t>
+              <a:t>Sistema de control de versiones: Git </a:t>
+            </a:r>
+            <a:r>
+              <a:rPr lang="es-ES" sz="2000" kern="1200" dirty="0" err="1">
+                <a:solidFill>
+                  <a:prstClr val="black"/>
+                </a:solidFill>
+                <a:latin typeface="Work Sans Light" pitchFamily="2" charset="77"/>
+                <a:ea typeface="+mn-ea"/>
+                <a:cs typeface="+mn-cs"/>
+              </a:rPr>
+              <a:t>hub</a:t>
+            </a:r>
+            <a:r>
+              <a:rPr lang="es-ES" sz="2000" kern="1200" dirty="0">
+                <a:solidFill>
+                  <a:prstClr val="black"/>
+                </a:solidFill>
+                <a:latin typeface="Work Sans Light" pitchFamily="2" charset="77"/>
+                <a:ea typeface="+mn-ea"/>
+                <a:cs typeface="+mn-cs"/>
+              </a:rPr>
+              <a:t>- Git Desktop</a:t>
             </a:r>
           </a:p>
           <a:p>

--- a/manuales/Manual de presentacion de proyecto.pptx
+++ b/manuales/Manual de presentacion de proyecto.pptx
@@ -297,7 +297,7 @@
       <p15:sldGuideLst xmlns:p15="http://schemas.microsoft.com/office/powerpoint/2012/main"/>
     </p:ext>
     <p:ext uri="GoogleSlidesCustomDataVersion2">
-      <go:slidesCustomData xmlns="" xmlns:mc="http://schemas.openxmlformats.org/markup-compatibility/2006" xmlns:mv="urn:schemas-microsoft-com:mac:vml" xmlns:c="http://schemas.openxmlformats.org/drawingml/2006/chart" xmlns:dgm="http://schemas.openxmlformats.org/drawingml/2006/diagram" xmlns:o="urn:schemas-microsoft-com:office:office" xmlns:v="urn:schemas-microsoft-com:vml" xmlns:pvml="urn:schemas-microsoft-com:office:powerpoint" xmlns:com="http://schemas.openxmlformats.org/drawingml/2006/compatibility" xmlns:p14="http://schemas.microsoft.com/office/powerpoint/2010/main" xmlns:p15="http://schemas.microsoft.com/office/powerpoint/2012/main" xmlns:ahyp="http://schemas.microsoft.com/office/drawing/2018/hyperlinkcolor" xmlns:go="http://customooxmlschemas.google.com/" r:id="rId158" roundtripDataSignature="AMtx7mh9cBwuomw2KhP3+gywVhm2hcJ6IQ=="/>
+      <go:slidesCustomData xmlns:go="http://customooxmlschemas.google.com/" xmlns:ahyp="http://schemas.microsoft.com/office/drawing/2018/hyperlinkcolor" xmlns:p15="http://schemas.microsoft.com/office/powerpoint/2012/main" xmlns:p14="http://schemas.microsoft.com/office/powerpoint/2010/main" xmlns:com="http://schemas.openxmlformats.org/drawingml/2006/compatibility" xmlns:pvml="urn:schemas-microsoft-com:office:powerpoint" xmlns:v="urn:schemas-microsoft-com:vml" xmlns:o="urn:schemas-microsoft-com:office:office" xmlns:dgm="http://schemas.openxmlformats.org/drawingml/2006/diagram" xmlns:c="http://schemas.openxmlformats.org/drawingml/2006/chart" xmlns:mv="urn:schemas-microsoft-com:mac:vml" xmlns:mc="http://schemas.openxmlformats.org/markup-compatibility/2006" xmlns="" r:id="rId158" roundtripDataSignature="AMtx7mh9cBwuomw2KhP3+gywVhm2hcJ6IQ=="/>
     </p:ext>
   </p:extLst>
 </p:presentation>
@@ -31750,8 +31750,8 @@
         </p:nvSpPr>
         <p:spPr>
           <a:xfrm>
-            <a:off x="744675" y="1536174"/>
-            <a:ext cx="9762299" cy="1015663"/>
+            <a:off x="329038" y="5609410"/>
+            <a:ext cx="9762299" cy="707886"/>
           </a:xfrm>
           <a:prstGeom prst="rect">
             <a:avLst/>
@@ -31762,23 +31762,6 @@
             <a:spAutoFit/>
           </a:bodyPr>
           <a:lstStyle/>
-          <a:p>
-            <a:pPr lvl="0">
-              <a:buClrTx/>
-              <a:defRPr/>
-            </a:pPr>
-            <a:r>
-              <a:rPr lang="es-ES" sz="2000" kern="1200" dirty="0">
-                <a:solidFill>
-                  <a:prstClr val="black"/>
-                </a:solidFill>
-                <a:latin typeface="Work Sans Light" pitchFamily="2" charset="77"/>
-                <a:ea typeface="+mn-ea"/>
-                <a:cs typeface="+mn-cs"/>
-              </a:rPr>
-              <a:t>Modelo relacional de la base de datos…(imagen)</a:t>
-            </a:r>
-          </a:p>
           <a:p>
             <a:pPr lvl="0">
               <a:buClrTx/>
@@ -31812,6 +31795,36 @@
           </a:p>
         </p:txBody>
       </p:sp>
+      <p:pic>
+        <p:nvPicPr>
+          <p:cNvPr id="3" name="Imagen 2">
+            <a:extLst>
+              <a:ext uri="{FF2B5EF4-FFF2-40B4-BE49-F238E27FC236}">
+                <a16:creationId xmlns:a16="http://schemas.microsoft.com/office/drawing/2014/main" id="{0D0664F4-5E81-42A6-93D9-2B4C7017BE1B}"/>
+              </a:ext>
+            </a:extLst>
+          </p:cNvPr>
+          <p:cNvPicPr>
+            <a:picLocks noChangeAspect="1"/>
+          </p:cNvPicPr>
+          <p:nvPr/>
+        </p:nvPicPr>
+        <p:blipFill>
+          <a:blip r:embed="rId3"/>
+          <a:stretch>
+            <a:fillRect/>
+          </a:stretch>
+        </p:blipFill>
+        <p:spPr>
+          <a:xfrm>
+            <a:off x="329038" y="1330283"/>
+            <a:ext cx="8310940" cy="4279127"/>
+          </a:xfrm>
+          <a:prstGeom prst="rect">
+            <a:avLst/>
+          </a:prstGeom>
+        </p:spPr>
+      </p:pic>
     </p:spTree>
     <p:extLst>
       <p:ext uri="{BB962C8B-B14F-4D97-AF65-F5344CB8AC3E}">

--- a/manuales/Manual de presentacion de proyecto.pptx
+++ b/manuales/Manual de presentacion de proyecto.pptx
@@ -32140,14 +32140,17 @@
               </a:rPr>
               <a:t>Infinity</a:t>
             </a:r>
-            <a:endParaRPr lang="es-ES" sz="2000" kern="1200" dirty="0">
-              <a:solidFill>
-                <a:prstClr val="black"/>
-              </a:solidFill>
-              <a:latin typeface="Work Sans Light" pitchFamily="2" charset="77"/>
-              <a:ea typeface="+mn-ea"/>
-              <a:cs typeface="+mn-cs"/>
-            </a:endParaRPr>
+            <a:r>
+              <a:rPr lang="es-ES" sz="2000" kern="1200" dirty="0">
+                <a:solidFill>
+                  <a:prstClr val="black"/>
+                </a:solidFill>
+                <a:latin typeface="Work Sans Light" pitchFamily="2" charset="77"/>
+                <a:ea typeface="+mn-ea"/>
+                <a:cs typeface="+mn-cs"/>
+              </a:rPr>
+              <a:t> free</a:t>
+            </a:r>
           </a:p>
           <a:p>
             <a:pPr marL="342900" lvl="0" indent="-342900">

--- a/manuales/Manual de presentacion de proyecto.pptx
+++ b/manuales/Manual de presentacion de proyecto.pptx
@@ -297,7 +297,7 @@
       <p15:sldGuideLst xmlns:p15="http://schemas.microsoft.com/office/powerpoint/2012/main"/>
     </p:ext>
     <p:ext uri="GoogleSlidesCustomDataVersion2">
-      <go:slidesCustomData xmlns:go="http://customooxmlschemas.google.com/" xmlns:ahyp="http://schemas.microsoft.com/office/drawing/2018/hyperlinkcolor" xmlns:p15="http://schemas.microsoft.com/office/powerpoint/2012/main" xmlns:p14="http://schemas.microsoft.com/office/powerpoint/2010/main" xmlns:com="http://schemas.openxmlformats.org/drawingml/2006/compatibility" xmlns:pvml="urn:schemas-microsoft-com:office:powerpoint" xmlns:v="urn:schemas-microsoft-com:vml" xmlns:o="urn:schemas-microsoft-com:office:office" xmlns:dgm="http://schemas.openxmlformats.org/drawingml/2006/diagram" xmlns:c="http://schemas.openxmlformats.org/drawingml/2006/chart" xmlns:mv="urn:schemas-microsoft-com:mac:vml" xmlns:mc="http://schemas.openxmlformats.org/markup-compatibility/2006" xmlns="" r:id="rId158" roundtripDataSignature="AMtx7mh9cBwuomw2KhP3+gywVhm2hcJ6IQ=="/>
+      <go:slidesCustomData xmlns="" xmlns:mc="http://schemas.openxmlformats.org/markup-compatibility/2006" xmlns:mv="urn:schemas-microsoft-com:mac:vml" xmlns:c="http://schemas.openxmlformats.org/drawingml/2006/chart" xmlns:dgm="http://schemas.openxmlformats.org/drawingml/2006/diagram" xmlns:o="urn:schemas-microsoft-com:office:office" xmlns:v="urn:schemas-microsoft-com:vml" xmlns:pvml="urn:schemas-microsoft-com:office:powerpoint" xmlns:com="http://schemas.openxmlformats.org/drawingml/2006/compatibility" xmlns:p14="http://schemas.microsoft.com/office/powerpoint/2010/main" xmlns:p15="http://schemas.microsoft.com/office/powerpoint/2012/main" xmlns:ahyp="http://schemas.microsoft.com/office/drawing/2018/hyperlinkcolor" xmlns:go="http://customooxmlschemas.google.com/" r:id="rId158" roundtripDataSignature="AMtx7mh9cBwuomw2KhP3+gywVhm2hcJ6IQ=="/>
     </p:ext>
   </p:extLst>
 </p:presentation>
@@ -32121,7 +32121,7 @@
                 <a:ea typeface="+mn-ea"/>
                 <a:cs typeface="+mn-cs"/>
               </a:rPr>
-              <a:t>Sistema operativo sobre el que opera:</a:t>
+              <a:t>Sistema operativo sobre el que opera: Windows 11</a:t>
             </a:r>
           </a:p>
           <a:p>
@@ -32140,7 +32140,29 @@
                 <a:ea typeface="+mn-ea"/>
                 <a:cs typeface="+mn-cs"/>
               </a:rPr>
-              <a:t>Software Web Server:</a:t>
+              <a:t>Software Web Server: </a:t>
+            </a:r>
+            <a:r>
+              <a:rPr lang="es-ES" sz="2000" kern="1200" dirty="0" err="1">
+                <a:solidFill>
+                  <a:prstClr val="black"/>
+                </a:solidFill>
+                <a:latin typeface="Work Sans Light" pitchFamily="2" charset="77"/>
+                <a:ea typeface="+mn-ea"/>
+                <a:cs typeface="+mn-cs"/>
+              </a:rPr>
+              <a:t>Infinity</a:t>
+            </a:r>
+            <a:r>
+              <a:rPr lang="es-ES" sz="2000" kern="1200" dirty="0">
+                <a:solidFill>
+                  <a:prstClr val="black"/>
+                </a:solidFill>
+                <a:latin typeface="Work Sans Light" pitchFamily="2" charset="77"/>
+                <a:ea typeface="+mn-ea"/>
+                <a:cs typeface="+mn-cs"/>
+              </a:rPr>
+              <a:t> free</a:t>
             </a:r>
           </a:p>
           <a:p>
@@ -32301,8 +32323,49 @@
                 <a:ea typeface="+mn-ea"/>
                 <a:cs typeface="+mn-cs"/>
               </a:rPr>
-              <a:t>Sistema de control de versiones:</a:t>
+              <a:t>Sistema de control de versiones: Git </a:t>
             </a:r>
+            <a:r>
+              <a:rPr lang="es-ES" sz="2000" kern="1200" dirty="0" err="1">
+                <a:solidFill>
+                  <a:prstClr val="black"/>
+                </a:solidFill>
+                <a:latin typeface="Work Sans Light" pitchFamily="2" charset="77"/>
+                <a:ea typeface="+mn-ea"/>
+                <a:cs typeface="+mn-cs"/>
+              </a:rPr>
+              <a:t>hub</a:t>
+            </a:r>
+            <a:r>
+              <a:rPr lang="es-ES" sz="2000" kern="1200" dirty="0">
+                <a:solidFill>
+                  <a:prstClr val="black"/>
+                </a:solidFill>
+                <a:latin typeface="Work Sans Light" pitchFamily="2" charset="77"/>
+                <a:ea typeface="+mn-ea"/>
+                <a:cs typeface="+mn-cs"/>
+              </a:rPr>
+              <a:t> – </a:t>
+            </a:r>
+            <a:r>
+              <a:rPr lang="es-ES" sz="2000" kern="1200">
+                <a:solidFill>
+                  <a:prstClr val="black"/>
+                </a:solidFill>
+                <a:latin typeface="Work Sans Light" pitchFamily="2" charset="77"/>
+                <a:ea typeface="+mn-ea"/>
+                <a:cs typeface="+mn-cs"/>
+              </a:rPr>
+              <a:t>Git desktop</a:t>
+            </a:r>
+            <a:endParaRPr lang="es-ES" sz="2000" kern="1200" dirty="0">
+              <a:solidFill>
+                <a:prstClr val="black"/>
+              </a:solidFill>
+              <a:latin typeface="Work Sans Light" pitchFamily="2" charset="77"/>
+              <a:ea typeface="+mn-ea"/>
+              <a:cs typeface="+mn-cs"/>
+            </a:endParaRPr>
           </a:p>
           <a:p>
             <a:pPr marL="342900" lvl="0" indent="-342900">

--- a/manuales/Manual de presentacion de proyecto.pptx
+++ b/manuales/Manual de presentacion de proyecto.pptx
@@ -297,7 +297,7 @@
       <p15:sldGuideLst xmlns:p15="http://schemas.microsoft.com/office/powerpoint/2012/main"/>
     </p:ext>
     <p:ext uri="GoogleSlidesCustomDataVersion2">
-      <go:slidesCustomData xmlns="" xmlns:mc="http://schemas.openxmlformats.org/markup-compatibility/2006" xmlns:mv="urn:schemas-microsoft-com:mac:vml" xmlns:c="http://schemas.openxmlformats.org/drawingml/2006/chart" xmlns:dgm="http://schemas.openxmlformats.org/drawingml/2006/diagram" xmlns:o="urn:schemas-microsoft-com:office:office" xmlns:v="urn:schemas-microsoft-com:vml" xmlns:pvml="urn:schemas-microsoft-com:office:powerpoint" xmlns:com="http://schemas.openxmlformats.org/drawingml/2006/compatibility" xmlns:p14="http://schemas.microsoft.com/office/powerpoint/2010/main" xmlns:p15="http://schemas.microsoft.com/office/powerpoint/2012/main" xmlns:ahyp="http://schemas.microsoft.com/office/drawing/2018/hyperlinkcolor" xmlns:go="http://customooxmlschemas.google.com/" r:id="rId158" roundtripDataSignature="AMtx7mh9cBwuomw2KhP3+gywVhm2hcJ6IQ=="/>
+      <go:slidesCustomData xmlns:go="http://customooxmlschemas.google.com/" xmlns:ahyp="http://schemas.microsoft.com/office/drawing/2018/hyperlinkcolor" xmlns:p15="http://schemas.microsoft.com/office/powerpoint/2012/main" xmlns:p14="http://schemas.microsoft.com/office/powerpoint/2010/main" xmlns:com="http://schemas.openxmlformats.org/drawingml/2006/compatibility" xmlns:pvml="urn:schemas-microsoft-com:office:powerpoint" xmlns:v="urn:schemas-microsoft-com:vml" xmlns:o="urn:schemas-microsoft-com:office:office" xmlns:dgm="http://schemas.openxmlformats.org/drawingml/2006/diagram" xmlns:c="http://schemas.openxmlformats.org/drawingml/2006/chart" xmlns:mv="urn:schemas-microsoft-com:mac:vml" xmlns:mc="http://schemas.openxmlformats.org/markup-compatibility/2006" xmlns="" r:id="rId158" roundtripDataSignature="AMtx7mh9cBwuomw2KhP3+gywVhm2hcJ6IQ=="/>
     </p:ext>
   </p:extLst>
 </p:presentation>
@@ -32829,8 +32829,8 @@
         </p:nvSpPr>
         <p:spPr>
           <a:xfrm>
-            <a:off x="744675" y="1536174"/>
-            <a:ext cx="9762299" cy="2862322"/>
+            <a:off x="550711" y="5443155"/>
+            <a:ext cx="9762299" cy="707886"/>
           </a:xfrm>
           <a:prstGeom prst="rect">
             <a:avLst/>
@@ -32841,95 +32841,6 @@
             <a:spAutoFit/>
           </a:bodyPr>
           <a:lstStyle/>
-          <a:p>
-            <a:pPr lvl="0">
-              <a:buClrTx/>
-              <a:defRPr/>
-            </a:pPr>
-            <a:r>
-              <a:rPr lang="es-ES" sz="2000" kern="1200" dirty="0">
-                <a:solidFill>
-                  <a:prstClr val="black"/>
-                </a:solidFill>
-                <a:latin typeface="Work Sans Light" pitchFamily="2" charset="77"/>
-                <a:ea typeface="+mn-ea"/>
-                <a:cs typeface="+mn-cs"/>
-              </a:rPr>
-              <a:t>Mostrar captura de pantalla donde se señale y explique brevemente el ordenamiento de las carpetas de acuerdo con el MVC y que hace cada sección de los demás complementos, archivos o carpetas adicionales. Ejemplo: La carpeta </a:t>
-            </a:r>
-            <a:r>
-              <a:rPr lang="es-ES" sz="2000" kern="1200" dirty="0" err="1">
-                <a:solidFill>
-                  <a:prstClr val="black"/>
-                </a:solidFill>
-                <a:latin typeface="Work Sans Light" pitchFamily="2" charset="77"/>
-                <a:ea typeface="+mn-ea"/>
-                <a:cs typeface="+mn-cs"/>
-              </a:rPr>
-              <a:t>vendor</a:t>
-            </a:r>
-            <a:r>
-              <a:rPr lang="es-ES" sz="2000" kern="1200" dirty="0">
-                <a:solidFill>
-                  <a:prstClr val="black"/>
-                </a:solidFill>
-                <a:latin typeface="Work Sans Light" pitchFamily="2" charset="77"/>
-                <a:ea typeface="+mn-ea"/>
-                <a:cs typeface="+mn-cs"/>
-              </a:rPr>
-              <a:t> o el archivo </a:t>
-            </a:r>
-            <a:r>
-              <a:rPr lang="es-ES" sz="2000" kern="1200" dirty="0" err="1">
-                <a:solidFill>
-                  <a:prstClr val="black"/>
-                </a:solidFill>
-                <a:latin typeface="Work Sans Light" pitchFamily="2" charset="77"/>
-                <a:ea typeface="+mn-ea"/>
-                <a:cs typeface="+mn-cs"/>
-              </a:rPr>
-              <a:t>composer.json</a:t>
-            </a:r>
-            <a:endParaRPr lang="es-ES" sz="2000" kern="1200" dirty="0">
-              <a:solidFill>
-                <a:prstClr val="black"/>
-              </a:solidFill>
-              <a:latin typeface="Work Sans Light" pitchFamily="2" charset="77"/>
-              <a:ea typeface="+mn-ea"/>
-              <a:cs typeface="+mn-cs"/>
-            </a:endParaRPr>
-          </a:p>
-          <a:p>
-            <a:pPr lvl="0">
-              <a:buClrTx/>
-              <a:defRPr/>
-            </a:pPr>
-            <a:endParaRPr lang="es-ES" sz="2000" kern="1200" dirty="0">
-              <a:solidFill>
-                <a:prstClr val="black"/>
-              </a:solidFill>
-              <a:latin typeface="Work Sans Light" pitchFamily="2" charset="77"/>
-              <a:ea typeface="+mn-ea"/>
-              <a:cs typeface="+mn-cs"/>
-            </a:endParaRPr>
-          </a:p>
-          <a:p>
-            <a:pPr lvl="0">
-              <a:buClrTx/>
-              <a:defRPr/>
-            </a:pPr>
-            <a:r>
-              <a:rPr lang="es-ES" sz="2000" kern="1200" dirty="0">
-                <a:solidFill>
-                  <a:prstClr val="black"/>
-                </a:solidFill>
-                <a:latin typeface="Work Sans Light" pitchFamily="2" charset="77"/>
-                <a:ea typeface="+mn-ea"/>
-                <a:cs typeface="+mn-cs"/>
-              </a:rPr>
-              <a:t>Por otra parte, ingresar brevemente a la codificación y señalar que se esta utilizando el paradigma de programación orientado a objetos preferiblemente.</a:t>
-            </a:r>
-          </a:p>
           <a:p>
             <a:pPr lvl="0">
               <a:buClrTx/>
@@ -32963,6 +32874,96 @@
           </a:p>
         </p:txBody>
       </p:sp>
+      <p:pic>
+        <p:nvPicPr>
+          <p:cNvPr id="3" name="Imagen 2">
+            <a:extLst>
+              <a:ext uri="{FF2B5EF4-FFF2-40B4-BE49-F238E27FC236}">
+                <a16:creationId xmlns:a16="http://schemas.microsoft.com/office/drawing/2014/main" id="{2722CA4B-FE82-4DF6-AF77-BCBD7C6F5D82}"/>
+              </a:ext>
+            </a:extLst>
+          </p:cNvPr>
+          <p:cNvPicPr>
+            <a:picLocks noChangeAspect="1"/>
+          </p:cNvPicPr>
+          <p:nvPr/>
+        </p:nvPicPr>
+        <p:blipFill>
+          <a:blip r:embed="rId3"/>
+          <a:stretch>
+            <a:fillRect/>
+          </a:stretch>
+        </p:blipFill>
+        <p:spPr>
+          <a:xfrm>
+            <a:off x="550711" y="1185191"/>
+            <a:ext cx="1929469" cy="4257964"/>
+          </a:xfrm>
+          <a:prstGeom prst="rect">
+            <a:avLst/>
+          </a:prstGeom>
+        </p:spPr>
+      </p:pic>
+      <p:pic>
+        <p:nvPicPr>
+          <p:cNvPr id="5" name="Imagen 4">
+            <a:extLst>
+              <a:ext uri="{FF2B5EF4-FFF2-40B4-BE49-F238E27FC236}">
+                <a16:creationId xmlns:a16="http://schemas.microsoft.com/office/drawing/2014/main" id="{28B53BFA-7F05-450E-9E0A-B3653A4AE0F0}"/>
+              </a:ext>
+            </a:extLst>
+          </p:cNvPr>
+          <p:cNvPicPr>
+            <a:picLocks noChangeAspect="1"/>
+          </p:cNvPicPr>
+          <p:nvPr/>
+        </p:nvPicPr>
+        <p:blipFill>
+          <a:blip r:embed="rId4"/>
+          <a:stretch>
+            <a:fillRect/>
+          </a:stretch>
+        </p:blipFill>
+        <p:spPr>
+          <a:xfrm>
+            <a:off x="2843431" y="1185192"/>
+            <a:ext cx="1813844" cy="4257964"/>
+          </a:xfrm>
+          <a:prstGeom prst="rect">
+            <a:avLst/>
+          </a:prstGeom>
+        </p:spPr>
+      </p:pic>
+      <p:pic>
+        <p:nvPicPr>
+          <p:cNvPr id="6" name="Imagen 5">
+            <a:extLst>
+              <a:ext uri="{FF2B5EF4-FFF2-40B4-BE49-F238E27FC236}">
+                <a16:creationId xmlns:a16="http://schemas.microsoft.com/office/drawing/2014/main" id="{480160C1-94BA-41E1-97EA-48BE135144E8}"/>
+              </a:ext>
+            </a:extLst>
+          </p:cNvPr>
+          <p:cNvPicPr>
+            <a:picLocks noChangeAspect="1"/>
+          </p:cNvPicPr>
+          <p:nvPr/>
+        </p:nvPicPr>
+        <p:blipFill>
+          <a:blip r:embed="rId5"/>
+          <a:stretch>
+            <a:fillRect/>
+          </a:stretch>
+        </p:blipFill>
+        <p:spPr>
+          <a:xfrm>
+            <a:off x="5018380" y="1185191"/>
+            <a:ext cx="3451678" cy="1648706"/>
+          </a:xfrm>
+          <a:prstGeom prst="rect">
+            <a:avLst/>
+          </a:prstGeom>
+        </p:spPr>
+      </p:pic>
     </p:spTree>
     <p:extLst>
       <p:ext uri="{BB962C8B-B14F-4D97-AF65-F5344CB8AC3E}">

--- a/manuales/Manual de presentacion de proyecto.pptx
+++ b/manuales/Manual de presentacion de proyecto.pptx
@@ -7,7 +7,7 @@
     <p:sldMasterId id="2147483709" r:id="rId3"/>
   </p:sldMasterIdLst>
   <p:notesMasterIdLst>
-    <p:notesMasterId r:id="rId19"/>
+    <p:notesMasterId r:id="rId20"/>
   </p:notesMasterIdLst>
   <p:sldIdLst>
     <p:sldId id="256" r:id="rId4"/>
@@ -17,50 +17,39 @@
     <p:sldId id="1238" r:id="rId8"/>
     <p:sldId id="1235" r:id="rId9"/>
     <p:sldId id="1236" r:id="rId10"/>
-    <p:sldId id="1239" r:id="rId11"/>
-    <p:sldId id="1240" r:id="rId12"/>
-    <p:sldId id="1241" r:id="rId13"/>
-    <p:sldId id="1242" r:id="rId14"/>
-    <p:sldId id="1243" r:id="rId15"/>
-    <p:sldId id="572" r:id="rId16"/>
-    <p:sldId id="321" r:id="rId17"/>
-    <p:sldId id="1244" r:id="rId18"/>
+    <p:sldId id="1245" r:id="rId11"/>
+    <p:sldId id="1239" r:id="rId12"/>
+    <p:sldId id="1240" r:id="rId13"/>
+    <p:sldId id="1241" r:id="rId14"/>
+    <p:sldId id="1242" r:id="rId15"/>
+    <p:sldId id="1243" r:id="rId16"/>
+    <p:sldId id="572" r:id="rId17"/>
+    <p:sldId id="321" r:id="rId18"/>
+    <p:sldId id="1244" r:id="rId19"/>
   </p:sldIdLst>
   <p:sldSz cx="12192000" cy="6858000"/>
   <p:notesSz cx="6858000" cy="9144000"/>
   <p:embeddedFontLst>
     <p:embeddedFont>
-      <p:font typeface="Calibri" panose="020F0502020204030204" pitchFamily="34" charset="0"/>
-      <p:regular r:id="rId20"/>
-      <p:bold r:id="rId21"/>
-      <p:italic r:id="rId22"/>
-      <p:boldItalic r:id="rId23"/>
+      <p:font typeface="Work Sans" panose="020F0502020204030204" pitchFamily="2" charset="0"/>
+      <p:regular r:id="rId21"/>
+      <p:bold r:id="rId22"/>
+      <p:italic r:id="rId23"/>
+      <p:boldItalic r:id="rId24"/>
     </p:embeddedFont>
     <p:embeddedFont>
-      <p:font typeface="Calibri Light" panose="020F0302020204030204" pitchFamily="34" charset="0"/>
-      <p:regular r:id="rId24"/>
-      <p:italic r:id="rId25"/>
+      <p:font typeface="Work Sans Light" panose="020F0502020204030204" pitchFamily="2" charset="0"/>
+      <p:regular r:id="rId25"/>
+      <p:bold r:id="rId26"/>
+      <p:italic r:id="rId27"/>
+      <p:boldItalic r:id="rId28"/>
     </p:embeddedFont>
     <p:embeddedFont>
-      <p:font typeface="Work Sans" panose="020B0604020202020204" charset="0"/>
-      <p:regular r:id="rId26"/>
-      <p:bold r:id="rId27"/>
-      <p:italic r:id="rId28"/>
-      <p:boldItalic r:id="rId29"/>
-    </p:embeddedFont>
-    <p:embeddedFont>
-      <p:font typeface="Work Sans Light" panose="020B0604020202020204" charset="0"/>
-      <p:regular r:id="rId30"/>
-      <p:bold r:id="rId31"/>
-      <p:italic r:id="rId32"/>
-      <p:boldItalic r:id="rId33"/>
-    </p:embeddedFont>
-    <p:embeddedFont>
-      <p:font typeface="Work Sans Medium" panose="020B0604020202020204" charset="0"/>
-      <p:regular r:id="rId34"/>
-      <p:bold r:id="rId35"/>
-      <p:italic r:id="rId36"/>
-      <p:boldItalic r:id="rId37"/>
+      <p:font typeface="Work Sans Medium" panose="020F0502020204030204" pitchFamily="2" charset="0"/>
+      <p:regular r:id="rId29"/>
+      <p:bold r:id="rId30"/>
+      <p:italic r:id="rId31"/>
+      <p:boldItalic r:id="rId32"/>
     </p:embeddedFont>
   </p:embeddedFontLst>
   <p:defaultTextStyle>
@@ -297,7 +286,7 @@
       <p15:sldGuideLst xmlns:p15="http://schemas.microsoft.com/office/powerpoint/2012/main"/>
     </p:ext>
     <p:ext uri="GoogleSlidesCustomDataVersion2">
-      <go:slidesCustomData xmlns:go="http://customooxmlschemas.google.com/" xmlns:ahyp="http://schemas.microsoft.com/office/drawing/2018/hyperlinkcolor" xmlns:p15="http://schemas.microsoft.com/office/powerpoint/2012/main" xmlns:p14="http://schemas.microsoft.com/office/powerpoint/2010/main" xmlns:com="http://schemas.openxmlformats.org/drawingml/2006/compatibility" xmlns:pvml="urn:schemas-microsoft-com:office:powerpoint" xmlns:v="urn:schemas-microsoft-com:vml" xmlns:o="urn:schemas-microsoft-com:office:office" xmlns:dgm="http://schemas.openxmlformats.org/drawingml/2006/diagram" xmlns:c="http://schemas.openxmlformats.org/drawingml/2006/chart" xmlns:mv="urn:schemas-microsoft-com:mac:vml" xmlns:mc="http://schemas.openxmlformats.org/markup-compatibility/2006" xmlns="" r:id="rId158" roundtripDataSignature="AMtx7mh9cBwuomw2KhP3+gywVhm2hcJ6IQ=="/>
+      <go:slidesCustomData xmlns="" xmlns:mc="http://schemas.openxmlformats.org/markup-compatibility/2006" xmlns:mv="urn:schemas-microsoft-com:mac:vml" xmlns:c="http://schemas.openxmlformats.org/drawingml/2006/chart" xmlns:dgm="http://schemas.openxmlformats.org/drawingml/2006/diagram" xmlns:o="urn:schemas-microsoft-com:office:office" xmlns:v="urn:schemas-microsoft-com:vml" xmlns:pvml="urn:schemas-microsoft-com:office:powerpoint" xmlns:com="http://schemas.openxmlformats.org/drawingml/2006/compatibility" xmlns:p14="http://schemas.microsoft.com/office/powerpoint/2010/main" xmlns:p15="http://schemas.microsoft.com/office/powerpoint/2012/main" xmlns:ahyp="http://schemas.microsoft.com/office/drawing/2018/hyperlinkcolor" xmlns:go="http://customooxmlschemas.google.com/" r:id="rId158" roundtripDataSignature="AMtx7mh9cBwuomw2KhP3+gywVhm2hcJ6IQ=="/>
     </p:ext>
   </p:extLst>
 </p:presentation>
@@ -1936,7 +1925,7 @@
                 <a:tabLst/>
                 <a:defRPr/>
               </a:pPr>
-              <a:t>13</a:t>
+              <a:t>14</a:t>
             </a:fld>
             <a:endParaRPr kumimoji="0" lang="es-CO" sz="1200" b="0" i="0" u="none" strike="noStrike" kern="1200" cap="none" spc="0" normalizeH="0" baseline="0" noProof="0">
               <a:ln>
@@ -5050,7 +5039,7 @@
           <a:p>
             <a:fld id="{BD986248-06F7-A441-A47A-264EBD310E11}" type="datetimeFigureOut">
               <a:rPr lang="es-CO" smtClean="0"/>
-              <a:t>8/09/2025</a:t>
+              <a:t>9/09/2025</a:t>
             </a:fld>
             <a:endParaRPr lang="es-CO"/>
           </a:p>
@@ -5250,7 +5239,7 @@
           <a:p>
             <a:fld id="{BD986248-06F7-A441-A47A-264EBD310E11}" type="datetimeFigureOut">
               <a:rPr lang="es-CO" smtClean="0"/>
-              <a:t>8/09/2025</a:t>
+              <a:t>9/09/2025</a:t>
             </a:fld>
             <a:endParaRPr lang="es-CO"/>
           </a:p>
@@ -5526,7 +5515,7 @@
           <a:p>
             <a:fld id="{BD986248-06F7-A441-A47A-264EBD310E11}" type="datetimeFigureOut">
               <a:rPr lang="es-CO" smtClean="0"/>
-              <a:t>8/09/2025</a:t>
+              <a:t>9/09/2025</a:t>
             </a:fld>
             <a:endParaRPr lang="es-CO"/>
           </a:p>
@@ -5794,7 +5783,7 @@
           <a:p>
             <a:fld id="{BD986248-06F7-A441-A47A-264EBD310E11}" type="datetimeFigureOut">
               <a:rPr lang="es-CO" smtClean="0"/>
-              <a:t>8/09/2025</a:t>
+              <a:t>9/09/2025</a:t>
             </a:fld>
             <a:endParaRPr lang="es-CO"/>
           </a:p>
@@ -6209,7 +6198,7 @@
           <a:p>
             <a:fld id="{BD986248-06F7-A441-A47A-264EBD310E11}" type="datetimeFigureOut">
               <a:rPr lang="es-CO" smtClean="0"/>
-              <a:t>8/09/2025</a:t>
+              <a:t>9/09/2025</a:t>
             </a:fld>
             <a:endParaRPr lang="es-CO"/>
           </a:p>
@@ -6351,7 +6340,7 @@
           <a:p>
             <a:fld id="{BD986248-06F7-A441-A47A-264EBD310E11}" type="datetimeFigureOut">
               <a:rPr lang="es-CO" smtClean="0"/>
-              <a:t>8/09/2025</a:t>
+              <a:t>9/09/2025</a:t>
             </a:fld>
             <a:endParaRPr lang="es-CO"/>
           </a:p>
@@ -6543,7 +6532,7 @@
           <a:p>
             <a:fld id="{BD986248-06F7-A441-A47A-264EBD310E11}" type="datetimeFigureOut">
               <a:rPr lang="es-CO" smtClean="0"/>
-              <a:t>8/09/2025</a:t>
+              <a:t>9/09/2025</a:t>
             </a:fld>
             <a:endParaRPr lang="es-CO"/>
           </a:p>
@@ -6856,7 +6845,7 @@
           <a:p>
             <a:fld id="{BD986248-06F7-A441-A47A-264EBD310E11}" type="datetimeFigureOut">
               <a:rPr lang="es-CO" smtClean="0"/>
-              <a:t>8/09/2025</a:t>
+              <a:t>9/09/2025</a:t>
             </a:fld>
             <a:endParaRPr lang="es-CO"/>
           </a:p>
@@ -7145,7 +7134,7 @@
           <a:p>
             <a:fld id="{BD986248-06F7-A441-A47A-264EBD310E11}" type="datetimeFigureOut">
               <a:rPr lang="es-CO" smtClean="0"/>
-              <a:t>8/09/2025</a:t>
+              <a:t>9/09/2025</a:t>
             </a:fld>
             <a:endParaRPr lang="es-CO"/>
           </a:p>
@@ -7345,7 +7334,7 @@
           <a:p>
             <a:fld id="{BD986248-06F7-A441-A47A-264EBD310E11}" type="datetimeFigureOut">
               <a:rPr lang="es-CO" smtClean="0"/>
-              <a:t>8/09/2025</a:t>
+              <a:t>9/09/2025</a:t>
             </a:fld>
             <a:endParaRPr lang="es-CO"/>
           </a:p>
@@ -7621,7 +7610,7 @@
           <a:p>
             <a:fld id="{BD986248-06F7-A441-A47A-264EBD310E11}" type="datetimeFigureOut">
               <a:rPr lang="es-CO" smtClean="0"/>
-              <a:t>8/09/2025</a:t>
+              <a:t>9/09/2025</a:t>
             </a:fld>
             <a:endParaRPr lang="es-CO"/>
           </a:p>
@@ -7884,7 +7873,7 @@
           <a:p>
             <a:fld id="{BD986248-06F7-A441-A47A-264EBD310E11}" type="datetimeFigureOut">
               <a:rPr lang="es-CO" smtClean="0"/>
-              <a:t>8/09/2025</a:t>
+              <a:t>9/09/2025</a:t>
             </a:fld>
             <a:endParaRPr lang="es-CO"/>
           </a:p>
@@ -26948,7 +26937,7 @@
           <a:p>
             <a:fld id="{BD986248-06F7-A441-A47A-264EBD310E11}" type="datetimeFigureOut">
               <a:rPr lang="es-CO" smtClean="0"/>
-              <a:t>8/09/2025</a:t>
+              <a:t>9/09/2025</a:t>
             </a:fld>
             <a:endParaRPr lang="es-CO"/>
           </a:p>
@@ -29772,2956 +29761,6 @@
   <p:cSld>
     <p:bg>
       <p:bgPr>
-        <a:blipFill dpi="0" rotWithShape="1">
-          <a:blip r:embed="rId2" cstate="email">
-            <a:lum/>
-            <a:extLst>
-              <a:ext uri="{28A0092B-C50C-407E-A947-70E740481C1C}">
-                <a14:useLocalDpi xmlns:a14="http://schemas.microsoft.com/office/drawing/2010/main"/>
-              </a:ext>
-            </a:extLst>
-          </a:blip>
-          <a:srcRect/>
-          <a:stretch>
-            <a:fillRect/>
-          </a:stretch>
-        </a:blipFill>
-        <a:effectLst/>
-      </p:bgPr>
-    </p:bg>
-    <p:spTree>
-      <p:nvGrpSpPr>
-        <p:cNvPr id="1" name=""/>
-        <p:cNvGrpSpPr/>
-        <p:nvPr/>
-      </p:nvGrpSpPr>
-      <p:grpSpPr>
-        <a:xfrm>
-          <a:off x="0" y="0"/>
-          <a:ext cx="0" cy="0"/>
-          <a:chOff x="0" y="0"/>
-          <a:chExt cx="0" cy="0"/>
-        </a:xfrm>
-      </p:grpSpPr>
-      <p:sp>
-        <p:nvSpPr>
-          <p:cNvPr id="3" name="Título 1">
-            <a:extLst>
-              <a:ext uri="{FF2B5EF4-FFF2-40B4-BE49-F238E27FC236}">
-                <a16:creationId xmlns:a16="http://schemas.microsoft.com/office/drawing/2014/main" id="{62CAF686-2B1F-2A4A-A0F2-CAE3CF59E65B}"/>
-              </a:ext>
-            </a:extLst>
-          </p:cNvPr>
-          <p:cNvSpPr txBox="1">
-            <a:spLocks/>
-          </p:cNvSpPr>
-          <p:nvPr/>
-        </p:nvSpPr>
-        <p:spPr>
-          <a:xfrm>
-            <a:off x="456236" y="416689"/>
-            <a:ext cx="10515600" cy="741563"/>
-          </a:xfrm>
-          <a:prstGeom prst="rect">
-            <a:avLst/>
-          </a:prstGeom>
-        </p:spPr>
-        <p:txBody>
-          <a:bodyPr/>
-          <a:lstStyle>
-            <a:lvl1pPr algn="l" defTabSz="914400" rtl="0" eaLnBrk="1" latinLnBrk="0" hangingPunct="1">
-              <a:lnSpc>
-                <a:spcPct val="90000"/>
-              </a:lnSpc>
-              <a:spcBef>
-                <a:spcPct val="0"/>
-              </a:spcBef>
-              <a:buNone/>
-              <a:defRPr sz="4400" kern="1200">
-                <a:solidFill>
-                  <a:schemeClr val="tx1"/>
-                </a:solidFill>
-                <a:latin typeface="+mj-lt"/>
-                <a:ea typeface="+mj-ea"/>
-                <a:cs typeface="+mj-cs"/>
-              </a:defRPr>
-            </a:lvl1pPr>
-          </a:lstStyle>
-          <a:p>
-            <a:pPr lvl="0">
-              <a:buClrTx/>
-              <a:defRPr/>
-            </a:pPr>
-            <a:r>
-              <a:rPr lang="es-CO" dirty="0">
-                <a:solidFill>
-                  <a:prstClr val="white"/>
-                </a:solidFill>
-                <a:latin typeface="Work Sans Medium" pitchFamily="2" charset="77"/>
-              </a:rPr>
-              <a:t>Funcionalidades</a:t>
-            </a:r>
-          </a:p>
-          <a:p>
-            <a:pPr marL="0" marR="0" lvl="0" indent="0" algn="l" defTabSz="914400" rtl="0" eaLnBrk="1" fontAlgn="auto" latinLnBrk="0" hangingPunct="1">
-              <a:lnSpc>
-                <a:spcPct val="90000"/>
-              </a:lnSpc>
-              <a:spcBef>
-                <a:spcPct val="0"/>
-              </a:spcBef>
-              <a:spcAft>
-                <a:spcPts val="0"/>
-              </a:spcAft>
-              <a:buClrTx/>
-              <a:buSzTx/>
-              <a:buFontTx/>
-              <a:buNone/>
-              <a:tabLst/>
-              <a:defRPr/>
-            </a:pPr>
-            <a:endParaRPr kumimoji="0" lang="es-CO" sz="4400" b="0" i="0" u="none" strike="noStrike" kern="1200" cap="none" spc="0" normalizeH="0" baseline="0" noProof="0" dirty="0">
-              <a:ln>
-                <a:noFill/>
-              </a:ln>
-              <a:solidFill>
-                <a:prstClr val="white"/>
-              </a:solidFill>
-              <a:effectLst/>
-              <a:uLnTx/>
-              <a:uFillTx/>
-              <a:latin typeface="Work Sans Medium" pitchFamily="2" charset="77"/>
-              <a:ea typeface="+mj-ea"/>
-              <a:cs typeface="+mj-cs"/>
-            </a:endParaRPr>
-          </a:p>
-        </p:txBody>
-      </p:sp>
-    </p:spTree>
-    <p:extLst>
-      <p:ext uri="{BB962C8B-B14F-4D97-AF65-F5344CB8AC3E}">
-        <p14:creationId xmlns:p14="http://schemas.microsoft.com/office/powerpoint/2010/main" val="3128183396"/>
-      </p:ext>
-    </p:extLst>
-  </p:cSld>
-  <p:clrMapOvr>
-    <a:masterClrMapping/>
-  </p:clrMapOvr>
-</p:sld>
-</file>
-
-<file path=ppt/slides/slide11.xml><?xml version="1.0" encoding="utf-8"?>
-<p:sld xmlns:a="http://schemas.openxmlformats.org/drawingml/2006/main" xmlns:r="http://schemas.openxmlformats.org/officeDocument/2006/relationships" xmlns:p="http://schemas.openxmlformats.org/presentationml/2006/main">
-  <p:cSld>
-    <p:bg>
-      <p:bgPr>
-        <a:blipFill>
-          <a:blip r:embed="rId2" cstate="email">
-            <a:extLst>
-              <a:ext uri="{28A0092B-C50C-407E-A947-70E740481C1C}">
-                <a14:useLocalDpi xmlns:a14="http://schemas.microsoft.com/office/drawing/2010/main"/>
-              </a:ext>
-            </a:extLst>
-          </a:blip>
-          <a:stretch>
-            <a:fillRect/>
-          </a:stretch>
-        </a:blipFill>
-        <a:effectLst/>
-      </p:bgPr>
-    </p:bg>
-    <p:spTree>
-      <p:nvGrpSpPr>
-        <p:cNvPr id="1" name=""/>
-        <p:cNvGrpSpPr/>
-        <p:nvPr/>
-      </p:nvGrpSpPr>
-      <p:grpSpPr>
-        <a:xfrm>
-          <a:off x="0" y="0"/>
-          <a:ext cx="0" cy="0"/>
-          <a:chOff x="0" y="0"/>
-          <a:chExt cx="0" cy="0"/>
-        </a:xfrm>
-      </p:grpSpPr>
-      <p:sp>
-        <p:nvSpPr>
-          <p:cNvPr id="2" name="Título 1">
-            <a:extLst>
-              <a:ext uri="{FF2B5EF4-FFF2-40B4-BE49-F238E27FC236}">
-                <a16:creationId xmlns:a16="http://schemas.microsoft.com/office/drawing/2014/main" id="{BFF67CBC-1536-A090-A5B5-FE205F3AF4AD}"/>
-              </a:ext>
-            </a:extLst>
-          </p:cNvPr>
-          <p:cNvSpPr txBox="1">
-            <a:spLocks/>
-          </p:cNvSpPr>
-          <p:nvPr/>
-        </p:nvSpPr>
-        <p:spPr>
-          <a:xfrm>
-            <a:off x="456236" y="457723"/>
-            <a:ext cx="10611814" cy="676598"/>
-          </a:xfrm>
-          <a:prstGeom prst="rect">
-            <a:avLst/>
-          </a:prstGeom>
-        </p:spPr>
-        <p:txBody>
-          <a:bodyPr/>
-          <a:lstStyle>
-            <a:lvl1pPr algn="l" defTabSz="914400" rtl="0" eaLnBrk="1" latinLnBrk="0" hangingPunct="1">
-              <a:lnSpc>
-                <a:spcPct val="90000"/>
-              </a:lnSpc>
-              <a:spcBef>
-                <a:spcPct val="0"/>
-              </a:spcBef>
-              <a:buNone/>
-              <a:defRPr sz="4400" kern="1200">
-                <a:solidFill>
-                  <a:schemeClr val="tx1"/>
-                </a:solidFill>
-                <a:latin typeface="+mj-lt"/>
-                <a:ea typeface="+mj-ea"/>
-                <a:cs typeface="+mj-cs"/>
-              </a:defRPr>
-            </a:lvl1pPr>
-          </a:lstStyle>
-          <a:p>
-            <a:pPr lvl="0">
-              <a:buClrTx/>
-              <a:defRPr/>
-            </a:pPr>
-            <a:r>
-              <a:rPr lang="es-ES" dirty="0">
-                <a:solidFill>
-                  <a:prstClr val="black">
-                    <a:lumMod val="95000"/>
-                    <a:lumOff val="5000"/>
-                  </a:prstClr>
-                </a:solidFill>
-                <a:latin typeface="Work Sans Medium" pitchFamily="2" charset="77"/>
-              </a:rPr>
-              <a:t>Funcionalidades por módulo</a:t>
-            </a:r>
-          </a:p>
-        </p:txBody>
-      </p:sp>
-      <p:sp>
-        <p:nvSpPr>
-          <p:cNvPr id="4" name="Rectángulo 3">
-            <a:extLst>
-              <a:ext uri="{FF2B5EF4-FFF2-40B4-BE49-F238E27FC236}">
-                <a16:creationId xmlns:a16="http://schemas.microsoft.com/office/drawing/2014/main" id="{62D870C7-B3A5-47C2-BB1B-8FC0B365A743}"/>
-              </a:ext>
-            </a:extLst>
-          </p:cNvPr>
-          <p:cNvSpPr/>
-          <p:nvPr/>
-        </p:nvSpPr>
-        <p:spPr>
-          <a:xfrm>
-            <a:off x="744675" y="1536174"/>
-            <a:ext cx="9762299" cy="5016758"/>
-          </a:xfrm>
-          <a:prstGeom prst="rect">
-            <a:avLst/>
-          </a:prstGeom>
-        </p:spPr>
-        <p:txBody>
-          <a:bodyPr wrap="square">
-            <a:spAutoFit/>
-          </a:bodyPr>
-          <a:lstStyle/>
-          <a:p>
-            <a:pPr lvl="0">
-              <a:buClrTx/>
-              <a:defRPr/>
-            </a:pPr>
-            <a:r>
-              <a:rPr lang="es-ES" sz="2000" kern="1200" dirty="0">
-                <a:solidFill>
-                  <a:prstClr val="black"/>
-                </a:solidFill>
-                <a:latin typeface="Work Sans Light" pitchFamily="2" charset="77"/>
-                <a:ea typeface="+mn-ea"/>
-                <a:cs typeface="+mn-cs"/>
-              </a:rPr>
-              <a:t>Mostrar un cuadro resumen, en el cual se compile las funcionalidades que se podrán ver en cada módulo y su correspondiente perfil. Ejemplo:</a:t>
-            </a:r>
-          </a:p>
-          <a:p>
-            <a:pPr lvl="0">
-              <a:buClrTx/>
-              <a:defRPr/>
-            </a:pPr>
-            <a:endParaRPr lang="es-ES" sz="2000" kern="1200" dirty="0">
-              <a:solidFill>
-                <a:prstClr val="black"/>
-              </a:solidFill>
-              <a:latin typeface="Work Sans Light" pitchFamily="2" charset="77"/>
-              <a:ea typeface="+mn-ea"/>
-              <a:cs typeface="+mn-cs"/>
-            </a:endParaRPr>
-          </a:p>
-          <a:p>
-            <a:pPr lvl="0">
-              <a:buClrTx/>
-              <a:defRPr/>
-            </a:pPr>
-            <a:endParaRPr lang="es-ES" sz="2000" kern="1200" dirty="0">
-              <a:solidFill>
-                <a:prstClr val="black"/>
-              </a:solidFill>
-              <a:latin typeface="Work Sans Light" pitchFamily="2" charset="77"/>
-              <a:ea typeface="+mn-ea"/>
-              <a:cs typeface="+mn-cs"/>
-            </a:endParaRPr>
-          </a:p>
-          <a:p>
-            <a:pPr lvl="0">
-              <a:buClrTx/>
-              <a:defRPr/>
-            </a:pPr>
-            <a:endParaRPr lang="es-ES" sz="2000" kern="1200" dirty="0">
-              <a:solidFill>
-                <a:prstClr val="black"/>
-              </a:solidFill>
-              <a:latin typeface="Work Sans Light" pitchFamily="2" charset="77"/>
-              <a:ea typeface="+mn-ea"/>
-              <a:cs typeface="+mn-cs"/>
-            </a:endParaRPr>
-          </a:p>
-          <a:p>
-            <a:pPr lvl="0">
-              <a:buClrTx/>
-              <a:defRPr/>
-            </a:pPr>
-            <a:endParaRPr lang="es-ES" sz="2000" kern="1200" dirty="0">
-              <a:solidFill>
-                <a:prstClr val="black"/>
-              </a:solidFill>
-              <a:latin typeface="Work Sans Light" pitchFamily="2" charset="77"/>
-              <a:ea typeface="+mn-ea"/>
-              <a:cs typeface="+mn-cs"/>
-            </a:endParaRPr>
-          </a:p>
-          <a:p>
-            <a:pPr lvl="0">
-              <a:buClrTx/>
-              <a:defRPr/>
-            </a:pPr>
-            <a:endParaRPr lang="es-ES" sz="2000" kern="1200" dirty="0">
-              <a:solidFill>
-                <a:prstClr val="black"/>
-              </a:solidFill>
-              <a:latin typeface="Work Sans Light" pitchFamily="2" charset="77"/>
-              <a:ea typeface="+mn-ea"/>
-              <a:cs typeface="+mn-cs"/>
-            </a:endParaRPr>
-          </a:p>
-          <a:p>
-            <a:pPr lvl="0">
-              <a:buClrTx/>
-              <a:defRPr/>
-            </a:pPr>
-            <a:endParaRPr lang="es-ES" sz="2000" kern="1200" dirty="0">
-              <a:solidFill>
-                <a:prstClr val="black"/>
-              </a:solidFill>
-              <a:latin typeface="Work Sans Light" pitchFamily="2" charset="77"/>
-              <a:ea typeface="+mn-ea"/>
-              <a:cs typeface="+mn-cs"/>
-            </a:endParaRPr>
-          </a:p>
-          <a:p>
-            <a:pPr lvl="0">
-              <a:buClrTx/>
-              <a:defRPr/>
-            </a:pPr>
-            <a:endParaRPr lang="es-ES" sz="2000" kern="1200" dirty="0">
-              <a:solidFill>
-                <a:prstClr val="black"/>
-              </a:solidFill>
-              <a:latin typeface="Work Sans Light" pitchFamily="2" charset="77"/>
-              <a:ea typeface="+mn-ea"/>
-              <a:cs typeface="+mn-cs"/>
-            </a:endParaRPr>
-          </a:p>
-          <a:p>
-            <a:pPr lvl="0">
-              <a:buClrTx/>
-              <a:defRPr/>
-            </a:pPr>
-            <a:endParaRPr lang="es-ES" sz="2000" kern="1200" dirty="0">
-              <a:solidFill>
-                <a:prstClr val="black"/>
-              </a:solidFill>
-              <a:latin typeface="Work Sans Light" pitchFamily="2" charset="77"/>
-              <a:ea typeface="+mn-ea"/>
-              <a:cs typeface="+mn-cs"/>
-            </a:endParaRPr>
-          </a:p>
-          <a:p>
-            <a:pPr lvl="0">
-              <a:buClrTx/>
-              <a:defRPr/>
-            </a:pPr>
-            <a:endParaRPr lang="es-ES" sz="2000" kern="1200" dirty="0">
-              <a:solidFill>
-                <a:prstClr val="black"/>
-              </a:solidFill>
-              <a:latin typeface="Work Sans Light" pitchFamily="2" charset="77"/>
-              <a:ea typeface="+mn-ea"/>
-              <a:cs typeface="+mn-cs"/>
-            </a:endParaRPr>
-          </a:p>
-          <a:p>
-            <a:pPr lvl="0">
-              <a:buClrTx/>
-              <a:defRPr/>
-            </a:pPr>
-            <a:endParaRPr lang="es-ES" sz="2000" kern="1200" dirty="0">
-              <a:solidFill>
-                <a:prstClr val="black"/>
-              </a:solidFill>
-              <a:latin typeface="Work Sans Light" pitchFamily="2" charset="77"/>
-              <a:ea typeface="+mn-ea"/>
-              <a:cs typeface="+mn-cs"/>
-            </a:endParaRPr>
-          </a:p>
-          <a:p>
-            <a:pPr lvl="0">
-              <a:buClrTx/>
-              <a:defRPr/>
-            </a:pPr>
-            <a:r>
-              <a:rPr lang="es-ES" sz="2000" kern="1200" dirty="0">
-                <a:solidFill>
-                  <a:prstClr val="black"/>
-                </a:solidFill>
-                <a:latin typeface="Work Sans Light" pitchFamily="2" charset="77"/>
-                <a:ea typeface="+mn-ea"/>
-                <a:cs typeface="+mn-cs"/>
-              </a:rPr>
-              <a:t>Posteriormente, demostrarán las funcionalidades que permitan verificar que cumplen con el objetivo del proyecto. </a:t>
-            </a:r>
-          </a:p>
-          <a:p>
-            <a:pPr lvl="0">
-              <a:buClrTx/>
-              <a:defRPr/>
-            </a:pPr>
-            <a:endParaRPr lang="es-ES" sz="2000" kern="1200" dirty="0">
-              <a:solidFill>
-                <a:prstClr val="black"/>
-              </a:solidFill>
-              <a:latin typeface="Work Sans Light" pitchFamily="2" charset="77"/>
-              <a:ea typeface="+mn-ea"/>
-              <a:cs typeface="+mn-cs"/>
-            </a:endParaRPr>
-          </a:p>
-          <a:p>
-            <a:pPr lvl="0">
-              <a:buClrTx/>
-              <a:defRPr/>
-            </a:pPr>
-            <a:r>
-              <a:rPr lang="es-ES" sz="2000" kern="1200" dirty="0">
-                <a:solidFill>
-                  <a:prstClr val="black"/>
-                </a:solidFill>
-                <a:latin typeface="Work Sans Light" pitchFamily="2" charset="77"/>
-                <a:ea typeface="+mn-ea"/>
-                <a:cs typeface="+mn-cs"/>
-              </a:rPr>
-              <a:t>Tiempo: Máximo 7 min. (Mostrar el camino feliz)</a:t>
-            </a:r>
-          </a:p>
-        </p:txBody>
-      </p:sp>
-      <p:grpSp>
-        <p:nvGrpSpPr>
-          <p:cNvPr id="6" name="Grupo 5"/>
-          <p:cNvGrpSpPr/>
-          <p:nvPr/>
-        </p:nvGrpSpPr>
-        <p:grpSpPr>
-          <a:xfrm>
-            <a:off x="840211" y="2332023"/>
-            <a:ext cx="2803741" cy="2608467"/>
-            <a:chOff x="840211" y="2332023"/>
-            <a:chExt cx="3445186" cy="3606935"/>
-          </a:xfrm>
-        </p:grpSpPr>
-        <p:pic>
-          <p:nvPicPr>
-            <p:cNvPr id="3" name="Imagen 2"/>
-            <p:cNvPicPr>
-              <a:picLocks noChangeAspect="1"/>
-            </p:cNvPicPr>
-            <p:nvPr/>
-          </p:nvPicPr>
-          <p:blipFill>
-            <a:blip r:embed="rId3"/>
-            <a:stretch>
-              <a:fillRect/>
-            </a:stretch>
-          </p:blipFill>
-          <p:spPr>
-            <a:xfrm>
-              <a:off x="840211" y="2332023"/>
-              <a:ext cx="3445186" cy="1672662"/>
-            </a:xfrm>
-            <a:prstGeom prst="rect">
-              <a:avLst/>
-            </a:prstGeom>
-          </p:spPr>
-        </p:pic>
-        <p:pic>
-          <p:nvPicPr>
-            <p:cNvPr id="5" name="Imagen 4"/>
-            <p:cNvPicPr>
-              <a:picLocks noChangeAspect="1"/>
-            </p:cNvPicPr>
-            <p:nvPr/>
-          </p:nvPicPr>
-          <p:blipFill rotWithShape="1">
-            <a:blip r:embed="rId4"/>
-            <a:srcRect r="22147" b="24197"/>
-            <a:stretch/>
-          </p:blipFill>
-          <p:spPr>
-            <a:xfrm>
-              <a:off x="840211" y="3957157"/>
-              <a:ext cx="3445186" cy="1981801"/>
-            </a:xfrm>
-            <a:prstGeom prst="rect">
-              <a:avLst/>
-            </a:prstGeom>
-          </p:spPr>
-        </p:pic>
-      </p:grpSp>
-    </p:spTree>
-    <p:extLst>
-      <p:ext uri="{BB962C8B-B14F-4D97-AF65-F5344CB8AC3E}">
-        <p14:creationId xmlns:p14="http://schemas.microsoft.com/office/powerpoint/2010/main" val="2158167727"/>
-      </p:ext>
-    </p:extLst>
-  </p:cSld>
-  <p:clrMapOvr>
-    <a:masterClrMapping/>
-  </p:clrMapOvr>
-</p:sld>
-</file>
-
-<file path=ppt/slides/slide12.xml><?xml version="1.0" encoding="utf-8"?>
-<p:sld xmlns:a="http://schemas.openxmlformats.org/drawingml/2006/main" xmlns:r="http://schemas.openxmlformats.org/officeDocument/2006/relationships" xmlns:p="http://schemas.openxmlformats.org/presentationml/2006/main">
-  <p:cSld>
-    <p:bg>
-      <p:bgPr>
-        <a:blipFill dpi="0" rotWithShape="1">
-          <a:blip r:embed="rId2" cstate="email">
-            <a:lum/>
-            <a:extLst>
-              <a:ext uri="{28A0092B-C50C-407E-A947-70E740481C1C}">
-                <a14:useLocalDpi xmlns:a14="http://schemas.microsoft.com/office/drawing/2010/main"/>
-              </a:ext>
-            </a:extLst>
-          </a:blip>
-          <a:srcRect/>
-          <a:stretch>
-            <a:fillRect/>
-          </a:stretch>
-        </a:blipFill>
-        <a:effectLst/>
-      </p:bgPr>
-    </p:bg>
-    <p:spTree>
-      <p:nvGrpSpPr>
-        <p:cNvPr id="1" name=""/>
-        <p:cNvGrpSpPr/>
-        <p:nvPr/>
-      </p:nvGrpSpPr>
-      <p:grpSpPr>
-        <a:xfrm>
-          <a:off x="0" y="0"/>
-          <a:ext cx="0" cy="0"/>
-          <a:chOff x="0" y="0"/>
-          <a:chExt cx="0" cy="0"/>
-        </a:xfrm>
-      </p:grpSpPr>
-      <p:sp>
-        <p:nvSpPr>
-          <p:cNvPr id="3" name="Título 1">
-            <a:extLst>
-              <a:ext uri="{FF2B5EF4-FFF2-40B4-BE49-F238E27FC236}">
-                <a16:creationId xmlns:a16="http://schemas.microsoft.com/office/drawing/2014/main" id="{62CAF686-2B1F-2A4A-A0F2-CAE3CF59E65B}"/>
-              </a:ext>
-            </a:extLst>
-          </p:cNvPr>
-          <p:cNvSpPr txBox="1">
-            <a:spLocks/>
-          </p:cNvSpPr>
-          <p:nvPr/>
-        </p:nvSpPr>
-        <p:spPr>
-          <a:xfrm>
-            <a:off x="456236" y="416689"/>
-            <a:ext cx="10515600" cy="741563"/>
-          </a:xfrm>
-          <a:prstGeom prst="rect">
-            <a:avLst/>
-          </a:prstGeom>
-        </p:spPr>
-        <p:txBody>
-          <a:bodyPr/>
-          <a:lstStyle>
-            <a:lvl1pPr algn="l" defTabSz="914400" rtl="0" eaLnBrk="1" latinLnBrk="0" hangingPunct="1">
-              <a:lnSpc>
-                <a:spcPct val="90000"/>
-              </a:lnSpc>
-              <a:spcBef>
-                <a:spcPct val="0"/>
-              </a:spcBef>
-              <a:buNone/>
-              <a:defRPr sz="4400" kern="1200">
-                <a:solidFill>
-                  <a:schemeClr val="tx1"/>
-                </a:solidFill>
-                <a:latin typeface="+mj-lt"/>
-                <a:ea typeface="+mj-ea"/>
-                <a:cs typeface="+mj-cs"/>
-              </a:defRPr>
-            </a:lvl1pPr>
-          </a:lstStyle>
-          <a:p>
-            <a:pPr lvl="0">
-              <a:buClrTx/>
-              <a:defRPr/>
-            </a:pPr>
-            <a:r>
-              <a:rPr lang="es-CO" dirty="0">
-                <a:solidFill>
-                  <a:prstClr val="white"/>
-                </a:solidFill>
-                <a:latin typeface="Work Sans Medium" pitchFamily="2" charset="77"/>
-              </a:rPr>
-              <a:t>Reglas del negocio</a:t>
-            </a:r>
-          </a:p>
-          <a:p>
-            <a:pPr marL="0" marR="0" lvl="0" indent="0" algn="l" defTabSz="914400" rtl="0" eaLnBrk="1" fontAlgn="auto" latinLnBrk="0" hangingPunct="1">
-              <a:lnSpc>
-                <a:spcPct val="90000"/>
-              </a:lnSpc>
-              <a:spcBef>
-                <a:spcPct val="0"/>
-              </a:spcBef>
-              <a:spcAft>
-                <a:spcPts val="0"/>
-              </a:spcAft>
-              <a:buClrTx/>
-              <a:buSzTx/>
-              <a:buFontTx/>
-              <a:buNone/>
-              <a:tabLst/>
-              <a:defRPr/>
-            </a:pPr>
-            <a:endParaRPr kumimoji="0" lang="es-CO" sz="4400" b="0" i="0" u="none" strike="noStrike" kern="1200" cap="none" spc="0" normalizeH="0" baseline="0" noProof="0" dirty="0">
-              <a:ln>
-                <a:noFill/>
-              </a:ln>
-              <a:solidFill>
-                <a:prstClr val="white"/>
-              </a:solidFill>
-              <a:effectLst/>
-              <a:uLnTx/>
-              <a:uFillTx/>
-              <a:latin typeface="Work Sans Medium" pitchFamily="2" charset="77"/>
-              <a:ea typeface="+mj-ea"/>
-              <a:cs typeface="+mj-cs"/>
-            </a:endParaRPr>
-          </a:p>
-        </p:txBody>
-      </p:sp>
-    </p:spTree>
-    <p:extLst>
-      <p:ext uri="{BB962C8B-B14F-4D97-AF65-F5344CB8AC3E}">
-        <p14:creationId xmlns:p14="http://schemas.microsoft.com/office/powerpoint/2010/main" val="145195019"/>
-      </p:ext>
-    </p:extLst>
-  </p:cSld>
-  <p:clrMapOvr>
-    <a:masterClrMapping/>
-  </p:clrMapOvr>
-</p:sld>
-</file>
-
-<file path=ppt/slides/slide13.xml><?xml version="1.0" encoding="utf-8"?>
-<p:sld xmlns:a="http://schemas.openxmlformats.org/drawingml/2006/main" xmlns:r="http://schemas.openxmlformats.org/officeDocument/2006/relationships" xmlns:p="http://schemas.openxmlformats.org/presentationml/2006/main">
-  <p:cSld>
-    <p:bg>
-      <p:bgPr>
-        <a:blipFill>
-          <a:blip r:embed="rId3" cstate="email">
-            <a:extLst>
-              <a:ext uri="{28A0092B-C50C-407E-A947-70E740481C1C}">
-                <a14:useLocalDpi xmlns:a14="http://schemas.microsoft.com/office/drawing/2010/main"/>
-              </a:ext>
-            </a:extLst>
-          </a:blip>
-          <a:stretch>
-            <a:fillRect/>
-          </a:stretch>
-        </a:blipFill>
-        <a:effectLst/>
-      </p:bgPr>
-    </p:bg>
-    <p:spTree>
-      <p:nvGrpSpPr>
-        <p:cNvPr id="1" name=""/>
-        <p:cNvGrpSpPr/>
-        <p:nvPr/>
-      </p:nvGrpSpPr>
-      <p:grpSpPr>
-        <a:xfrm>
-          <a:off x="0" y="0"/>
-          <a:ext cx="0" cy="0"/>
-          <a:chOff x="0" y="0"/>
-          <a:chExt cx="0" cy="0"/>
-        </a:xfrm>
-      </p:grpSpPr>
-      <p:sp>
-        <p:nvSpPr>
-          <p:cNvPr id="2" name="Título 1">
-            <a:extLst>
-              <a:ext uri="{FF2B5EF4-FFF2-40B4-BE49-F238E27FC236}">
-                <a16:creationId xmlns:a16="http://schemas.microsoft.com/office/drawing/2014/main" id="{BFF67CBC-1536-A090-A5B5-FE205F3AF4AD}"/>
-              </a:ext>
-            </a:extLst>
-          </p:cNvPr>
-          <p:cNvSpPr txBox="1">
-            <a:spLocks/>
-          </p:cNvSpPr>
-          <p:nvPr/>
-        </p:nvSpPr>
-        <p:spPr>
-          <a:xfrm>
-            <a:off x="456236" y="457723"/>
-            <a:ext cx="10515600" cy="676598"/>
-          </a:xfrm>
-          <a:prstGeom prst="rect">
-            <a:avLst/>
-          </a:prstGeom>
-        </p:spPr>
-        <p:txBody>
-          <a:bodyPr/>
-          <a:lstStyle>
-            <a:lvl1pPr algn="l" defTabSz="914400" rtl="0" eaLnBrk="1" latinLnBrk="0" hangingPunct="1">
-              <a:lnSpc>
-                <a:spcPct val="90000"/>
-              </a:lnSpc>
-              <a:spcBef>
-                <a:spcPct val="0"/>
-              </a:spcBef>
-              <a:buNone/>
-              <a:defRPr sz="4400" kern="1200">
-                <a:solidFill>
-                  <a:schemeClr val="tx1"/>
-                </a:solidFill>
-                <a:latin typeface="+mj-lt"/>
-                <a:ea typeface="+mj-ea"/>
-                <a:cs typeface="+mj-cs"/>
-              </a:defRPr>
-            </a:lvl1pPr>
-          </a:lstStyle>
-          <a:p>
-            <a:pPr marL="0" marR="0" lvl="0" indent="0" algn="l" defTabSz="914400" rtl="0" eaLnBrk="1" fontAlgn="auto" latinLnBrk="0" hangingPunct="1">
-              <a:lnSpc>
-                <a:spcPct val="90000"/>
-              </a:lnSpc>
-              <a:spcBef>
-                <a:spcPct val="0"/>
-              </a:spcBef>
-              <a:spcAft>
-                <a:spcPts val="0"/>
-              </a:spcAft>
-              <a:buClrTx/>
-              <a:buSzTx/>
-              <a:buFontTx/>
-              <a:buNone/>
-              <a:tabLst/>
-              <a:defRPr/>
-            </a:pPr>
-            <a:r>
-              <a:rPr kumimoji="0" lang="es-ES" sz="4400" b="0" i="0" u="none" strike="noStrike" kern="1200" cap="none" spc="0" normalizeH="0" baseline="0" noProof="0" dirty="0">
-                <a:ln>
-                  <a:noFill/>
-                </a:ln>
-                <a:solidFill>
-                  <a:prstClr val="black">
-                    <a:lumMod val="95000"/>
-                    <a:lumOff val="5000"/>
-                  </a:prstClr>
-                </a:solidFill>
-                <a:effectLst/>
-                <a:uLnTx/>
-                <a:uFillTx/>
-                <a:latin typeface="Work Sans Medium" pitchFamily="2" charset="77"/>
-                <a:ea typeface="+mj-ea"/>
-                <a:cs typeface="+mj-cs"/>
-              </a:rPr>
-              <a:t>Demostración de las reglas</a:t>
-            </a:r>
-            <a:r>
-              <a:rPr kumimoji="0" lang="es-ES" sz="4400" b="0" i="0" u="none" strike="noStrike" kern="1200" cap="none" spc="0" normalizeH="0" noProof="0" dirty="0">
-                <a:ln>
-                  <a:noFill/>
-                </a:ln>
-                <a:solidFill>
-                  <a:prstClr val="black">
-                    <a:lumMod val="95000"/>
-                    <a:lumOff val="5000"/>
-                  </a:prstClr>
-                </a:solidFill>
-                <a:effectLst/>
-                <a:uLnTx/>
-                <a:uFillTx/>
-                <a:latin typeface="Work Sans Medium" pitchFamily="2" charset="77"/>
-                <a:ea typeface="+mj-ea"/>
-                <a:cs typeface="+mj-cs"/>
-              </a:rPr>
-              <a:t> del negocio</a:t>
-            </a:r>
-            <a:endParaRPr kumimoji="0" lang="es-CO" sz="4400" b="0" i="0" u="none" strike="noStrike" kern="1200" cap="none" spc="0" normalizeH="0" baseline="0" noProof="0" dirty="0">
-              <a:ln>
-                <a:noFill/>
-              </a:ln>
-              <a:solidFill>
-                <a:prstClr val="black">
-                  <a:lumMod val="95000"/>
-                  <a:lumOff val="5000"/>
-                </a:prstClr>
-              </a:solidFill>
-              <a:effectLst/>
-              <a:uLnTx/>
-              <a:uFillTx/>
-              <a:latin typeface="Work Sans Medium" pitchFamily="2" charset="77"/>
-              <a:ea typeface="+mj-ea"/>
-              <a:cs typeface="+mj-cs"/>
-            </a:endParaRPr>
-          </a:p>
-        </p:txBody>
-      </p:sp>
-      <p:sp>
-        <p:nvSpPr>
-          <p:cNvPr id="8" name="Rectángulo 7">
-            <a:extLst>
-              <a:ext uri="{FF2B5EF4-FFF2-40B4-BE49-F238E27FC236}">
-                <a16:creationId xmlns:a16="http://schemas.microsoft.com/office/drawing/2014/main" id="{62D870C7-B3A5-47C2-BB1B-8FC0B365A743}"/>
-              </a:ext>
-            </a:extLst>
-          </p:cNvPr>
-          <p:cNvSpPr/>
-          <p:nvPr/>
-        </p:nvSpPr>
-        <p:spPr>
-          <a:xfrm>
-            <a:off x="744675" y="1536174"/>
-            <a:ext cx="9762299" cy="3785652"/>
-          </a:xfrm>
-          <a:prstGeom prst="rect">
-            <a:avLst/>
-          </a:prstGeom>
-        </p:spPr>
-        <p:txBody>
-          <a:bodyPr wrap="square">
-            <a:spAutoFit/>
-          </a:bodyPr>
-          <a:lstStyle/>
-          <a:p>
-            <a:pPr lvl="0">
-              <a:buClrTx/>
-              <a:defRPr/>
-            </a:pPr>
-            <a:endParaRPr lang="es-ES" sz="2000" kern="1200" dirty="0">
-              <a:solidFill>
-                <a:prstClr val="black"/>
-              </a:solidFill>
-              <a:latin typeface="Work Sans Light" pitchFamily="2" charset="77"/>
-              <a:ea typeface="+mn-ea"/>
-              <a:cs typeface="+mn-cs"/>
-            </a:endParaRPr>
-          </a:p>
-          <a:p>
-            <a:pPr lvl="0">
-              <a:buClrTx/>
-              <a:defRPr/>
-            </a:pPr>
-            <a:r>
-              <a:rPr lang="es-ES" sz="2000" kern="1200" dirty="0">
-                <a:solidFill>
-                  <a:prstClr val="black"/>
-                </a:solidFill>
-                <a:latin typeface="Work Sans Light" pitchFamily="2" charset="77"/>
-                <a:ea typeface="+mn-ea"/>
-                <a:cs typeface="+mn-cs"/>
-              </a:rPr>
-              <a:t>Listar las principales reglas de negocio y demostrar el funcionamiento de las más críticas. </a:t>
-            </a:r>
-          </a:p>
-          <a:p>
-            <a:pPr lvl="0">
-              <a:buClrTx/>
-              <a:defRPr/>
-            </a:pPr>
-            <a:endParaRPr lang="es-ES" sz="2000" kern="1200" dirty="0">
-              <a:solidFill>
-                <a:prstClr val="black"/>
-              </a:solidFill>
-              <a:latin typeface="Work Sans Light" pitchFamily="2" charset="77"/>
-              <a:ea typeface="+mn-ea"/>
-              <a:cs typeface="+mn-cs"/>
-            </a:endParaRPr>
-          </a:p>
-          <a:p>
-            <a:pPr lvl="0">
-              <a:buClrTx/>
-              <a:defRPr/>
-            </a:pPr>
-            <a:r>
-              <a:rPr lang="es-ES" sz="2000" kern="1200" dirty="0">
-                <a:solidFill>
-                  <a:prstClr val="black"/>
-                </a:solidFill>
-                <a:latin typeface="Work Sans Light" pitchFamily="2" charset="77"/>
-                <a:ea typeface="+mn-ea"/>
-                <a:cs typeface="+mn-cs"/>
-              </a:rPr>
-              <a:t>Ejemplo: </a:t>
-            </a:r>
-          </a:p>
-          <a:p>
-            <a:pPr lvl="0">
-              <a:buClrTx/>
-              <a:defRPr/>
-            </a:pPr>
-            <a:endParaRPr lang="es-ES" sz="2000" kern="1200" dirty="0">
-              <a:solidFill>
-                <a:prstClr val="black"/>
-              </a:solidFill>
-              <a:latin typeface="Work Sans Light" pitchFamily="2" charset="77"/>
-              <a:ea typeface="+mn-ea"/>
-              <a:cs typeface="+mn-cs"/>
-            </a:endParaRPr>
-          </a:p>
-          <a:p>
-            <a:pPr marL="342900" lvl="0" indent="-342900">
-              <a:buClrTx/>
-              <a:buFont typeface="Wingdings" panose="05000000000000000000" pitchFamily="2" charset="2"/>
-              <a:buChar char="q"/>
-              <a:defRPr/>
-            </a:pPr>
-            <a:r>
-              <a:rPr lang="es-ES" sz="2000" kern="1200" dirty="0">
-                <a:solidFill>
-                  <a:prstClr val="black"/>
-                </a:solidFill>
-                <a:latin typeface="Work Sans Light" pitchFamily="2" charset="77"/>
-                <a:ea typeface="+mn-ea"/>
-                <a:cs typeface="+mn-cs"/>
-              </a:rPr>
-              <a:t>El stock no puede tener menos de 5 productos o vender los últimos 5 productos.</a:t>
-            </a:r>
-          </a:p>
-          <a:p>
-            <a:pPr marL="342900" lvl="0" indent="-342900">
-              <a:buClrTx/>
-              <a:buFont typeface="Wingdings" panose="05000000000000000000" pitchFamily="2" charset="2"/>
-              <a:buChar char="q"/>
-              <a:defRPr/>
-            </a:pPr>
-            <a:r>
-              <a:rPr lang="es-ES" sz="2000" kern="1200" dirty="0">
-                <a:solidFill>
-                  <a:prstClr val="black"/>
-                </a:solidFill>
-                <a:latin typeface="Work Sans Light" pitchFamily="2" charset="77"/>
-                <a:ea typeface="+mn-ea"/>
-                <a:cs typeface="+mn-cs"/>
-              </a:rPr>
-              <a:t>Debe ser mayor de edad para registrarse.</a:t>
-            </a:r>
-          </a:p>
-          <a:p>
-            <a:pPr marL="342900" lvl="0" indent="-342900">
-              <a:buClrTx/>
-              <a:buFont typeface="Wingdings" panose="05000000000000000000" pitchFamily="2" charset="2"/>
-              <a:buChar char="q"/>
-              <a:defRPr/>
-            </a:pPr>
-            <a:r>
-              <a:rPr lang="es-ES" sz="2000" kern="1200" dirty="0">
-                <a:solidFill>
-                  <a:prstClr val="black"/>
-                </a:solidFill>
-                <a:latin typeface="Work Sans Light" pitchFamily="2" charset="77"/>
-                <a:ea typeface="+mn-ea"/>
-                <a:cs typeface="+mn-cs"/>
-              </a:rPr>
-              <a:t>Se realizan los pedidos si el estado de pago es Pagado.</a:t>
-            </a:r>
-          </a:p>
-          <a:p>
-            <a:pPr lvl="0">
-              <a:buClrTx/>
-              <a:defRPr/>
-            </a:pPr>
-            <a:endParaRPr lang="es-ES" sz="2000" kern="1200" dirty="0">
-              <a:solidFill>
-                <a:prstClr val="black"/>
-              </a:solidFill>
-              <a:latin typeface="Work Sans Light" pitchFamily="2" charset="77"/>
-              <a:ea typeface="+mn-ea"/>
-              <a:cs typeface="+mn-cs"/>
-            </a:endParaRPr>
-          </a:p>
-          <a:p>
-            <a:pPr lvl="0">
-              <a:buClrTx/>
-              <a:defRPr/>
-            </a:pPr>
-            <a:r>
-              <a:rPr lang="es-ES" sz="2000" kern="1200" dirty="0">
-                <a:solidFill>
-                  <a:prstClr val="black"/>
-                </a:solidFill>
-                <a:latin typeface="Work Sans Light" pitchFamily="2" charset="77"/>
-                <a:ea typeface="+mn-ea"/>
-                <a:cs typeface="+mn-cs"/>
-              </a:rPr>
-              <a:t>Tiempo: Máximo 5 min. </a:t>
-            </a:r>
-          </a:p>
-        </p:txBody>
-      </p:sp>
-    </p:spTree>
-    <p:extLst>
-      <p:ext uri="{BB962C8B-B14F-4D97-AF65-F5344CB8AC3E}">
-        <p14:creationId xmlns:p14="http://schemas.microsoft.com/office/powerpoint/2010/main" val="870633500"/>
-      </p:ext>
-    </p:extLst>
-  </p:cSld>
-  <p:clrMapOvr>
-    <a:masterClrMapping/>
-  </p:clrMapOvr>
-</p:sld>
-</file>
-
-<file path=ppt/slides/slide14.xml><?xml version="1.0" encoding="utf-8"?>
-<p:sld xmlns:a="http://schemas.openxmlformats.org/drawingml/2006/main" xmlns:r="http://schemas.openxmlformats.org/officeDocument/2006/relationships" xmlns:p="http://schemas.openxmlformats.org/presentationml/2006/main">
-  <p:cSld>
-    <p:spTree>
-      <p:nvGrpSpPr>
-        <p:cNvPr id="1" name="Shape 618"/>
-        <p:cNvGrpSpPr/>
-        <p:nvPr/>
-      </p:nvGrpSpPr>
-      <p:grpSpPr>
-        <a:xfrm>
-          <a:off x="0" y="0"/>
-          <a:ext cx="0" cy="0"/>
-          <a:chOff x="0" y="0"/>
-          <a:chExt cx="0" cy="0"/>
-        </a:xfrm>
-      </p:grpSpPr>
-      <p:pic>
-        <p:nvPicPr>
-          <p:cNvPr id="619" name="Google Shape;619;p55" descr="Imagen que contiene Interfaz de usuario gráfica&#10;&#10;Descripción generada automáticamente"/>
-          <p:cNvPicPr preferRelativeResize="0"/>
-          <p:nvPr/>
-        </p:nvPicPr>
-        <p:blipFill rotWithShape="1">
-          <a:blip r:embed="rId3">
-            <a:alphaModFix/>
-          </a:blip>
-          <a:srcRect/>
-          <a:stretch/>
-        </p:blipFill>
-        <p:spPr>
-          <a:xfrm>
-            <a:off x="0" y="0"/>
-            <a:ext cx="12192000" cy="6858000"/>
-          </a:xfrm>
-          <a:prstGeom prst="rect">
-            <a:avLst/>
-          </a:prstGeom>
-          <a:noFill/>
-          <a:ln>
-            <a:noFill/>
-          </a:ln>
-        </p:spPr>
-      </p:pic>
-    </p:spTree>
-  </p:cSld>
-  <p:clrMapOvr>
-    <a:masterClrMapping/>
-  </p:clrMapOvr>
-</p:sld>
-</file>
-
-<file path=ppt/slides/slide15.xml><?xml version="1.0" encoding="utf-8"?>
-<p:sld xmlns:a="http://schemas.openxmlformats.org/drawingml/2006/main" xmlns:r="http://schemas.openxmlformats.org/officeDocument/2006/relationships" xmlns:p="http://schemas.openxmlformats.org/presentationml/2006/main">
-  <p:cSld>
-    <p:bg>
-      <p:bgPr>
-        <a:blipFill dpi="0" rotWithShape="1">
-          <a:blip r:embed="rId2" cstate="email">
-            <a:lum/>
-            <a:extLst>
-              <a:ext uri="{28A0092B-C50C-407E-A947-70E740481C1C}">
-                <a14:useLocalDpi xmlns:a14="http://schemas.microsoft.com/office/drawing/2010/main"/>
-              </a:ext>
-            </a:extLst>
-          </a:blip>
-          <a:srcRect/>
-          <a:stretch>
-            <a:fillRect/>
-          </a:stretch>
-        </a:blipFill>
-        <a:effectLst/>
-      </p:bgPr>
-    </p:bg>
-    <p:spTree>
-      <p:nvGrpSpPr>
-        <p:cNvPr id="1" name=""/>
-        <p:cNvGrpSpPr/>
-        <p:nvPr/>
-      </p:nvGrpSpPr>
-      <p:grpSpPr>
-        <a:xfrm>
-          <a:off x="0" y="0"/>
-          <a:ext cx="0" cy="0"/>
-          <a:chOff x="0" y="0"/>
-          <a:chExt cx="0" cy="0"/>
-        </a:xfrm>
-      </p:grpSpPr>
-      <p:sp>
-        <p:nvSpPr>
-          <p:cNvPr id="3" name="Título 1">
-            <a:extLst>
-              <a:ext uri="{FF2B5EF4-FFF2-40B4-BE49-F238E27FC236}">
-                <a16:creationId xmlns:a16="http://schemas.microsoft.com/office/drawing/2014/main" id="{62CAF686-2B1F-2A4A-A0F2-CAE3CF59E65B}"/>
-              </a:ext>
-            </a:extLst>
-          </p:cNvPr>
-          <p:cNvSpPr txBox="1">
-            <a:spLocks/>
-          </p:cNvSpPr>
-          <p:nvPr/>
-        </p:nvSpPr>
-        <p:spPr>
-          <a:xfrm>
-            <a:off x="456236" y="416689"/>
-            <a:ext cx="10515600" cy="741563"/>
-          </a:xfrm>
-          <a:prstGeom prst="rect">
-            <a:avLst/>
-          </a:prstGeom>
-        </p:spPr>
-        <p:txBody>
-          <a:bodyPr/>
-          <a:lstStyle>
-            <a:lvl1pPr algn="l" defTabSz="914400" rtl="0" eaLnBrk="1" latinLnBrk="0" hangingPunct="1">
-              <a:lnSpc>
-                <a:spcPct val="90000"/>
-              </a:lnSpc>
-              <a:spcBef>
-                <a:spcPct val="0"/>
-              </a:spcBef>
-              <a:buNone/>
-              <a:defRPr sz="4400" kern="1200">
-                <a:solidFill>
-                  <a:schemeClr val="tx1"/>
-                </a:solidFill>
-                <a:latin typeface="+mj-lt"/>
-                <a:ea typeface="+mj-ea"/>
-                <a:cs typeface="+mj-cs"/>
-              </a:defRPr>
-            </a:lvl1pPr>
-          </a:lstStyle>
-          <a:p>
-            <a:pPr lvl="0">
-              <a:buClrTx/>
-              <a:defRPr/>
-            </a:pPr>
-            <a:r>
-              <a:rPr lang="es-CO" dirty="0">
-                <a:solidFill>
-                  <a:prstClr val="white"/>
-                </a:solidFill>
-                <a:latin typeface="Work Sans Medium" pitchFamily="2" charset="77"/>
-              </a:rPr>
-              <a:t>Preguntas</a:t>
-            </a:r>
-          </a:p>
-          <a:p>
-            <a:pPr lvl="0">
-              <a:buClrTx/>
-              <a:defRPr/>
-            </a:pPr>
-            <a:r>
-              <a:rPr lang="es-CO" sz="2000" dirty="0">
-                <a:solidFill>
-                  <a:prstClr val="white"/>
-                </a:solidFill>
-                <a:latin typeface="Work Sans Medium" pitchFamily="2" charset="77"/>
-              </a:rPr>
-              <a:t>Tiempo: Máximo 5 min.</a:t>
-            </a:r>
-          </a:p>
-          <a:p>
-            <a:pPr marL="0" marR="0" lvl="0" indent="0" algn="l" defTabSz="914400" rtl="0" eaLnBrk="1" fontAlgn="auto" latinLnBrk="0" hangingPunct="1">
-              <a:lnSpc>
-                <a:spcPct val="90000"/>
-              </a:lnSpc>
-              <a:spcBef>
-                <a:spcPct val="0"/>
-              </a:spcBef>
-              <a:spcAft>
-                <a:spcPts val="0"/>
-              </a:spcAft>
-              <a:buClrTx/>
-              <a:buSzTx/>
-              <a:buFontTx/>
-              <a:buNone/>
-              <a:tabLst/>
-              <a:defRPr/>
-            </a:pPr>
-            <a:endParaRPr kumimoji="0" lang="es-CO" sz="4400" b="0" i="0" u="none" strike="noStrike" kern="1200" cap="none" spc="0" normalizeH="0" baseline="0" noProof="0" dirty="0">
-              <a:ln>
-                <a:noFill/>
-              </a:ln>
-              <a:solidFill>
-                <a:prstClr val="white"/>
-              </a:solidFill>
-              <a:effectLst/>
-              <a:uLnTx/>
-              <a:uFillTx/>
-              <a:latin typeface="Work Sans Medium" pitchFamily="2" charset="77"/>
-              <a:ea typeface="+mj-ea"/>
-              <a:cs typeface="+mj-cs"/>
-            </a:endParaRPr>
-          </a:p>
-        </p:txBody>
-      </p:sp>
-    </p:spTree>
-    <p:extLst>
-      <p:ext uri="{BB962C8B-B14F-4D97-AF65-F5344CB8AC3E}">
-        <p14:creationId xmlns:p14="http://schemas.microsoft.com/office/powerpoint/2010/main" val="3898556882"/>
-      </p:ext>
-    </p:extLst>
-  </p:cSld>
-  <p:clrMapOvr>
-    <a:masterClrMapping/>
-  </p:clrMapOvr>
-</p:sld>
-</file>
-
-<file path=ppt/slides/slide2.xml><?xml version="1.0" encoding="utf-8"?>
-<p:sld xmlns:a="http://schemas.openxmlformats.org/drawingml/2006/main" xmlns:r="http://schemas.openxmlformats.org/officeDocument/2006/relationships" xmlns:p="http://schemas.openxmlformats.org/presentationml/2006/main">
-  <p:cSld>
-    <p:spTree>
-      <p:nvGrpSpPr>
-        <p:cNvPr id="1" name="Shape 212"/>
-        <p:cNvGrpSpPr/>
-        <p:nvPr/>
-      </p:nvGrpSpPr>
-      <p:grpSpPr>
-        <a:xfrm>
-          <a:off x="0" y="0"/>
-          <a:ext cx="0" cy="0"/>
-          <a:chOff x="0" y="0"/>
-          <a:chExt cx="0" cy="0"/>
-        </a:xfrm>
-      </p:grpSpPr>
-      <p:sp>
-        <p:nvSpPr>
-          <p:cNvPr id="213" name="Google Shape;213;p2"/>
-          <p:cNvSpPr txBox="1"/>
-          <p:nvPr/>
-        </p:nvSpPr>
-        <p:spPr>
-          <a:xfrm>
-            <a:off x="3785914" y="2228671"/>
-            <a:ext cx="4620176" cy="1200329"/>
-          </a:xfrm>
-          <a:prstGeom prst="rect">
-            <a:avLst/>
-          </a:prstGeom>
-          <a:noFill/>
-          <a:ln>
-            <a:noFill/>
-          </a:ln>
-        </p:spPr>
-        <p:txBody>
-          <a:bodyPr spcFirstLastPara="1" wrap="square" lIns="91425" tIns="45700" rIns="91425" bIns="45700" anchor="t" anchorCtr="0">
-            <a:spAutoFit/>
-          </a:bodyPr>
-          <a:lstStyle/>
-          <a:p>
-            <a:pPr marL="0" marR="0" lvl="0" indent="0" algn="ctr" rtl="0">
-              <a:spcBef>
-                <a:spcPts val="0"/>
-              </a:spcBef>
-              <a:spcAft>
-                <a:spcPts val="0"/>
-              </a:spcAft>
-              <a:buNone/>
-            </a:pPr>
-            <a:r>
-              <a:rPr lang="es-ES" sz="7200">
-                <a:solidFill>
-                  <a:schemeClr val="dk1"/>
-                </a:solidFill>
-                <a:latin typeface="Work Sans Light"/>
-                <a:ea typeface="Work Sans Light"/>
-                <a:cs typeface="Work Sans Light"/>
-                <a:sym typeface="Work Sans Light"/>
-              </a:rPr>
-              <a:t>Contenido</a:t>
-            </a:r>
-            <a:endParaRPr/>
-          </a:p>
-        </p:txBody>
-      </p:sp>
-      <p:cxnSp>
-        <p:nvCxnSpPr>
-          <p:cNvPr id="214" name="Google Shape;214;p2"/>
-          <p:cNvCxnSpPr/>
-          <p:nvPr/>
-        </p:nvCxnSpPr>
-        <p:spPr>
-          <a:xfrm>
-            <a:off x="5227899" y="3321934"/>
-            <a:ext cx="1736203" cy="0"/>
-          </a:xfrm>
-          <a:prstGeom prst="straightConnector1">
-            <a:avLst/>
-          </a:prstGeom>
-          <a:noFill/>
-          <a:ln w="9525" cap="flat" cmpd="sng">
-            <a:solidFill>
-              <a:srgbClr val="38AA00"/>
-            </a:solidFill>
-            <a:prstDash val="solid"/>
-            <a:miter lim="800000"/>
-            <a:headEnd type="none" w="sm" len="sm"/>
-            <a:tailEnd type="none" w="sm" len="sm"/>
-          </a:ln>
-        </p:spPr>
-      </p:cxnSp>
-      <p:sp>
-        <p:nvSpPr>
-          <p:cNvPr id="215" name="Google Shape;215;p2"/>
-          <p:cNvSpPr txBox="1"/>
-          <p:nvPr/>
-        </p:nvSpPr>
-        <p:spPr>
-          <a:xfrm>
-            <a:off x="4168816" y="3463724"/>
-            <a:ext cx="3854368" cy="1569620"/>
-          </a:xfrm>
-          <a:prstGeom prst="rect">
-            <a:avLst/>
-          </a:prstGeom>
-          <a:noFill/>
-          <a:ln>
-            <a:noFill/>
-          </a:ln>
-        </p:spPr>
-        <p:txBody>
-          <a:bodyPr spcFirstLastPara="1" wrap="square" lIns="91425" tIns="45700" rIns="91425" bIns="45700" anchor="t" anchorCtr="0">
-            <a:spAutoFit/>
-          </a:bodyPr>
-          <a:lstStyle/>
-          <a:p>
-            <a:pPr marL="0" marR="0" lvl="0" indent="0" algn="ctr" rtl="0">
-              <a:spcBef>
-                <a:spcPts val="0"/>
-              </a:spcBef>
-              <a:spcAft>
-                <a:spcPts val="0"/>
-              </a:spcAft>
-              <a:buNone/>
-            </a:pPr>
-            <a:r>
-              <a:rPr lang="es-ES" sz="1600" dirty="0">
-                <a:solidFill>
-                  <a:schemeClr val="dk1"/>
-                </a:solidFill>
-                <a:latin typeface="Work Sans Light"/>
-                <a:ea typeface="Work Sans Light"/>
-                <a:cs typeface="Work Sans Light"/>
-                <a:sym typeface="Work Sans Light"/>
-              </a:rPr>
-              <a:t>Objetivo del proyecto</a:t>
-            </a:r>
-          </a:p>
-          <a:p>
-            <a:pPr marL="0" marR="0" lvl="0" indent="0" algn="ctr" rtl="0">
-              <a:spcBef>
-                <a:spcPts val="0"/>
-              </a:spcBef>
-              <a:spcAft>
-                <a:spcPts val="0"/>
-              </a:spcAft>
-              <a:buNone/>
-            </a:pPr>
-            <a:r>
-              <a:rPr lang="es-ES" sz="1600" dirty="0">
-                <a:solidFill>
-                  <a:schemeClr val="dk1"/>
-                </a:solidFill>
-                <a:latin typeface="Work Sans Light"/>
-                <a:ea typeface="Work Sans Light"/>
-                <a:cs typeface="Work Sans Light"/>
-                <a:sym typeface="Work Sans Light"/>
-              </a:rPr>
-              <a:t>Diseño de la base de datos</a:t>
-            </a:r>
-          </a:p>
-          <a:p>
-            <a:pPr marL="0" marR="0" lvl="0" indent="0" algn="ctr" rtl="0">
-              <a:spcBef>
-                <a:spcPts val="0"/>
-              </a:spcBef>
-              <a:spcAft>
-                <a:spcPts val="0"/>
-              </a:spcAft>
-              <a:buNone/>
-            </a:pPr>
-            <a:r>
-              <a:rPr lang="es-ES" sz="1600" dirty="0">
-                <a:solidFill>
-                  <a:schemeClr val="dk1"/>
-                </a:solidFill>
-                <a:latin typeface="Work Sans Light"/>
-                <a:ea typeface="Work Sans Light"/>
-                <a:cs typeface="Work Sans Light"/>
-                <a:sym typeface="Work Sans Light"/>
-              </a:rPr>
-              <a:t>Software utilizado</a:t>
-            </a:r>
-          </a:p>
-          <a:p>
-            <a:pPr marL="0" marR="0" lvl="0" indent="0" algn="ctr" rtl="0">
-              <a:spcBef>
-                <a:spcPts val="0"/>
-              </a:spcBef>
-              <a:spcAft>
-                <a:spcPts val="0"/>
-              </a:spcAft>
-              <a:buNone/>
-            </a:pPr>
-            <a:r>
-              <a:rPr lang="es-ES" sz="1600" dirty="0">
-                <a:solidFill>
-                  <a:schemeClr val="dk1"/>
-                </a:solidFill>
-                <a:latin typeface="Work Sans Light"/>
-                <a:ea typeface="Work Sans Light"/>
-                <a:cs typeface="Work Sans Light"/>
-                <a:sym typeface="Work Sans Light"/>
-              </a:rPr>
-              <a:t>Ordenamiento de carpetas</a:t>
-            </a:r>
-          </a:p>
-          <a:p>
-            <a:pPr marL="0" marR="0" lvl="0" indent="0" algn="ctr" rtl="0">
-              <a:spcBef>
-                <a:spcPts val="0"/>
-              </a:spcBef>
-              <a:spcAft>
-                <a:spcPts val="0"/>
-              </a:spcAft>
-              <a:buNone/>
-            </a:pPr>
-            <a:r>
-              <a:rPr lang="es-ES" sz="1600" dirty="0">
-                <a:solidFill>
-                  <a:schemeClr val="dk1"/>
-                </a:solidFill>
-                <a:latin typeface="Work Sans Light"/>
-                <a:sym typeface="Work Sans Light"/>
-              </a:rPr>
-              <a:t>Funcionalidades</a:t>
-            </a:r>
-          </a:p>
-          <a:p>
-            <a:pPr marL="0" marR="0" lvl="0" indent="0" algn="ctr" rtl="0">
-              <a:spcBef>
-                <a:spcPts val="0"/>
-              </a:spcBef>
-              <a:spcAft>
-                <a:spcPts val="0"/>
-              </a:spcAft>
-              <a:buNone/>
-            </a:pPr>
-            <a:r>
-              <a:rPr lang="es-ES" sz="1600" dirty="0">
-                <a:solidFill>
-                  <a:schemeClr val="dk1"/>
-                </a:solidFill>
-                <a:latin typeface="Work Sans Light"/>
-                <a:sym typeface="Work Sans Light"/>
-              </a:rPr>
-              <a:t>Reglas del negocio (pruebas)</a:t>
-            </a:r>
-            <a:endParaRPr lang="es-ES" sz="1600" dirty="0">
-              <a:solidFill>
-                <a:schemeClr val="dk1"/>
-              </a:solidFill>
-              <a:latin typeface="Work Sans Light"/>
-            </a:endParaRPr>
-          </a:p>
-        </p:txBody>
-      </p:sp>
-    </p:spTree>
-  </p:cSld>
-  <p:clrMapOvr>
-    <a:masterClrMapping/>
-  </p:clrMapOvr>
-</p:sld>
-</file>
-
-<file path=ppt/slides/slide3.xml><?xml version="1.0" encoding="utf-8"?>
-<p:sld xmlns:a="http://schemas.openxmlformats.org/drawingml/2006/main" xmlns:r="http://schemas.openxmlformats.org/officeDocument/2006/relationships" xmlns:p="http://schemas.openxmlformats.org/presentationml/2006/main">
-  <p:cSld>
-    <p:bg>
-      <p:bgPr>
-        <a:blipFill>
-          <a:blip r:embed="rId2" cstate="email">
-            <a:extLst>
-              <a:ext uri="{28A0092B-C50C-407E-A947-70E740481C1C}">
-                <a14:useLocalDpi xmlns:a14="http://schemas.microsoft.com/office/drawing/2010/main"/>
-              </a:ext>
-            </a:extLst>
-          </a:blip>
-          <a:stretch>
-            <a:fillRect/>
-          </a:stretch>
-        </a:blipFill>
-        <a:effectLst/>
-      </p:bgPr>
-    </p:bg>
-    <p:spTree>
-      <p:nvGrpSpPr>
-        <p:cNvPr id="1" name=""/>
-        <p:cNvGrpSpPr/>
-        <p:nvPr/>
-      </p:nvGrpSpPr>
-      <p:grpSpPr>
-        <a:xfrm>
-          <a:off x="0" y="0"/>
-          <a:ext cx="0" cy="0"/>
-          <a:chOff x="0" y="0"/>
-          <a:chExt cx="0" cy="0"/>
-        </a:xfrm>
-      </p:grpSpPr>
-      <p:sp>
-        <p:nvSpPr>
-          <p:cNvPr id="2" name="Título 1">
-            <a:extLst>
-              <a:ext uri="{FF2B5EF4-FFF2-40B4-BE49-F238E27FC236}">
-                <a16:creationId xmlns:a16="http://schemas.microsoft.com/office/drawing/2014/main" id="{BFF67CBC-1536-A090-A5B5-FE205F3AF4AD}"/>
-              </a:ext>
-            </a:extLst>
-          </p:cNvPr>
-          <p:cNvSpPr txBox="1">
-            <a:spLocks/>
-          </p:cNvSpPr>
-          <p:nvPr/>
-        </p:nvSpPr>
-        <p:spPr>
-          <a:xfrm>
-            <a:off x="456236" y="457723"/>
-            <a:ext cx="10611814" cy="676598"/>
-          </a:xfrm>
-          <a:prstGeom prst="rect">
-            <a:avLst/>
-          </a:prstGeom>
-        </p:spPr>
-        <p:txBody>
-          <a:bodyPr/>
-          <a:lstStyle>
-            <a:lvl1pPr algn="l" defTabSz="914400" rtl="0" eaLnBrk="1" latinLnBrk="0" hangingPunct="1">
-              <a:lnSpc>
-                <a:spcPct val="90000"/>
-              </a:lnSpc>
-              <a:spcBef>
-                <a:spcPct val="0"/>
-              </a:spcBef>
-              <a:buNone/>
-              <a:defRPr sz="4400" kern="1200">
-                <a:solidFill>
-                  <a:schemeClr val="tx1"/>
-                </a:solidFill>
-                <a:latin typeface="+mj-lt"/>
-                <a:ea typeface="+mj-ea"/>
-                <a:cs typeface="+mj-cs"/>
-              </a:defRPr>
-            </a:lvl1pPr>
-          </a:lstStyle>
-          <a:p>
-            <a:pPr lvl="0">
-              <a:buClrTx/>
-              <a:defRPr/>
-            </a:pPr>
-            <a:r>
-              <a:rPr lang="es-ES" dirty="0">
-                <a:solidFill>
-                  <a:prstClr val="black">
-                    <a:lumMod val="95000"/>
-                    <a:lumOff val="5000"/>
-                  </a:prstClr>
-                </a:solidFill>
-                <a:latin typeface="Work Sans Medium" pitchFamily="2" charset="77"/>
-              </a:rPr>
-              <a:t>Objetivo general</a:t>
-            </a:r>
-          </a:p>
-        </p:txBody>
-      </p:sp>
-      <p:sp>
-        <p:nvSpPr>
-          <p:cNvPr id="5" name="Rectángulo 4">
-            <a:extLst>
-              <a:ext uri="{FF2B5EF4-FFF2-40B4-BE49-F238E27FC236}">
-                <a16:creationId xmlns:a16="http://schemas.microsoft.com/office/drawing/2014/main" id="{570031A7-F441-46C3-BA86-83ABC8EDD32B}"/>
-              </a:ext>
-            </a:extLst>
-          </p:cNvPr>
-          <p:cNvSpPr/>
-          <p:nvPr/>
-        </p:nvSpPr>
-        <p:spPr>
-          <a:xfrm>
-            <a:off x="456236" y="1518573"/>
-            <a:ext cx="9966036" cy="3820854"/>
-          </a:xfrm>
-          <a:prstGeom prst="rect">
-            <a:avLst/>
-          </a:prstGeom>
-        </p:spPr>
-        <p:txBody>
-          <a:bodyPr wrap="square">
-            <a:spAutoFit/>
-          </a:bodyPr>
-          <a:lstStyle/>
-          <a:p>
-            <a:pPr>
-              <a:lnSpc>
-                <a:spcPct val="107000"/>
-              </a:lnSpc>
-              <a:spcAft>
-                <a:spcPts val="800"/>
-              </a:spcAft>
-            </a:pPr>
-            <a:r>
-              <a:rPr lang="es-CO" dirty="0">
-                <a:latin typeface="Aptos"/>
-                <a:ea typeface="Aptos"/>
-                <a:cs typeface="Times New Roman" panose="02020603050405020304" pitchFamily="18" charset="0"/>
-              </a:rPr>
-              <a:t> </a:t>
-            </a:r>
-            <a:r>
-              <a:rPr lang="es-CO" sz="3600" dirty="0">
-                <a:latin typeface="Work Sans" panose="020B0604020202020204" charset="0"/>
-                <a:ea typeface="Aptos"/>
-                <a:cs typeface="Times New Roman" panose="02020603050405020304" pitchFamily="18" charset="0"/>
-              </a:rPr>
-              <a:t>Construir un sistema de información para la tienda Stunt Raiders, ubicada en la ciudad de </a:t>
-            </a:r>
-          </a:p>
-          <a:p>
-            <a:pPr>
-              <a:lnSpc>
-                <a:spcPct val="107000"/>
-              </a:lnSpc>
-              <a:spcAft>
-                <a:spcPts val="800"/>
-              </a:spcAft>
-            </a:pPr>
-            <a:endParaRPr lang="es-CO" sz="3600" dirty="0">
-              <a:latin typeface="Work Sans" panose="020B0604020202020204" charset="0"/>
-              <a:ea typeface="Aptos"/>
-              <a:cs typeface="Times New Roman" panose="02020603050405020304" pitchFamily="18" charset="0"/>
-            </a:endParaRPr>
-          </a:p>
-          <a:p>
-            <a:pPr marR="41910">
-              <a:lnSpc>
-                <a:spcPct val="107000"/>
-              </a:lnSpc>
-              <a:spcAft>
-                <a:spcPts val="2030"/>
-              </a:spcAft>
-            </a:pPr>
-            <a:r>
-              <a:rPr lang="es-CO" sz="3600" dirty="0">
-                <a:latin typeface="Work Sans" panose="020B0604020202020204" charset="0"/>
-                <a:ea typeface="Aptos"/>
-                <a:cs typeface="Times New Roman" panose="02020603050405020304" pitchFamily="18" charset="0"/>
-              </a:rPr>
-              <a:t>Bogotá, localidad Santafé orientado a la web. </a:t>
-            </a:r>
-          </a:p>
-        </p:txBody>
-      </p:sp>
-    </p:spTree>
-    <p:extLst>
-      <p:ext uri="{BB962C8B-B14F-4D97-AF65-F5344CB8AC3E}">
-        <p14:creationId xmlns:p14="http://schemas.microsoft.com/office/powerpoint/2010/main" val="3611631886"/>
-      </p:ext>
-    </p:extLst>
-  </p:cSld>
-  <p:clrMapOvr>
-    <a:masterClrMapping/>
-  </p:clrMapOvr>
-</p:sld>
-</file>
-
-<file path=ppt/slides/slide4.xml><?xml version="1.0" encoding="utf-8"?>
-<p:sld xmlns:a="http://schemas.openxmlformats.org/drawingml/2006/main" xmlns:r="http://schemas.openxmlformats.org/officeDocument/2006/relationships" xmlns:p="http://schemas.openxmlformats.org/presentationml/2006/main">
-  <p:cSld>
-    <p:bg>
-      <p:bgPr>
-        <a:blipFill dpi="0" rotWithShape="1">
-          <a:blip r:embed="rId2" cstate="email">
-            <a:lum/>
-            <a:extLst>
-              <a:ext uri="{28A0092B-C50C-407E-A947-70E740481C1C}">
-                <a14:useLocalDpi xmlns:a14="http://schemas.microsoft.com/office/drawing/2010/main"/>
-              </a:ext>
-            </a:extLst>
-          </a:blip>
-          <a:srcRect/>
-          <a:stretch>
-            <a:fillRect/>
-          </a:stretch>
-        </a:blipFill>
-        <a:effectLst/>
-      </p:bgPr>
-    </p:bg>
-    <p:spTree>
-      <p:nvGrpSpPr>
-        <p:cNvPr id="1" name=""/>
-        <p:cNvGrpSpPr/>
-        <p:nvPr/>
-      </p:nvGrpSpPr>
-      <p:grpSpPr>
-        <a:xfrm>
-          <a:off x="0" y="0"/>
-          <a:ext cx="0" cy="0"/>
-          <a:chOff x="0" y="0"/>
-          <a:chExt cx="0" cy="0"/>
-        </a:xfrm>
-      </p:grpSpPr>
-      <p:sp>
-        <p:nvSpPr>
-          <p:cNvPr id="3" name="Título 1">
-            <a:extLst>
-              <a:ext uri="{FF2B5EF4-FFF2-40B4-BE49-F238E27FC236}">
-                <a16:creationId xmlns:a16="http://schemas.microsoft.com/office/drawing/2014/main" id="{62CAF686-2B1F-2A4A-A0F2-CAE3CF59E65B}"/>
-              </a:ext>
-            </a:extLst>
-          </p:cNvPr>
-          <p:cNvSpPr txBox="1">
-            <a:spLocks/>
-          </p:cNvSpPr>
-          <p:nvPr/>
-        </p:nvSpPr>
-        <p:spPr>
-          <a:xfrm>
-            <a:off x="456236" y="416689"/>
-            <a:ext cx="7847255" cy="741563"/>
-          </a:xfrm>
-          <a:prstGeom prst="rect">
-            <a:avLst/>
-          </a:prstGeom>
-        </p:spPr>
-        <p:txBody>
-          <a:bodyPr/>
-          <a:lstStyle>
-            <a:lvl1pPr algn="l" defTabSz="914400" rtl="0" eaLnBrk="1" latinLnBrk="0" hangingPunct="1">
-              <a:lnSpc>
-                <a:spcPct val="90000"/>
-              </a:lnSpc>
-              <a:spcBef>
-                <a:spcPct val="0"/>
-              </a:spcBef>
-              <a:buNone/>
-              <a:defRPr sz="4400" kern="1200">
-                <a:solidFill>
-                  <a:schemeClr val="tx1"/>
-                </a:solidFill>
-                <a:latin typeface="+mj-lt"/>
-                <a:ea typeface="+mj-ea"/>
-                <a:cs typeface="+mj-cs"/>
-              </a:defRPr>
-            </a:lvl1pPr>
-          </a:lstStyle>
-          <a:p>
-            <a:pPr lvl="0">
-              <a:buClrTx/>
-              <a:defRPr/>
-            </a:pPr>
-            <a:r>
-              <a:rPr lang="es-CO" dirty="0">
-                <a:solidFill>
-                  <a:prstClr val="white"/>
-                </a:solidFill>
-                <a:latin typeface="Work Sans Medium" pitchFamily="2" charset="77"/>
-              </a:rPr>
-              <a:t>Diseño de la base de datos</a:t>
-            </a:r>
-          </a:p>
-          <a:p>
-            <a:pPr marL="0" marR="0" lvl="0" indent="0" algn="l" defTabSz="914400" rtl="0" eaLnBrk="1" fontAlgn="auto" latinLnBrk="0" hangingPunct="1">
-              <a:lnSpc>
-                <a:spcPct val="90000"/>
-              </a:lnSpc>
-              <a:spcBef>
-                <a:spcPct val="0"/>
-              </a:spcBef>
-              <a:spcAft>
-                <a:spcPts val="0"/>
-              </a:spcAft>
-              <a:buClrTx/>
-              <a:buSzTx/>
-              <a:buFontTx/>
-              <a:buNone/>
-              <a:tabLst/>
-              <a:defRPr/>
-            </a:pPr>
-            <a:endParaRPr kumimoji="0" lang="es-CO" sz="4400" b="0" i="0" u="none" strike="noStrike" kern="1200" cap="none" spc="0" normalizeH="0" baseline="0" noProof="0" dirty="0">
-              <a:ln>
-                <a:noFill/>
-              </a:ln>
-              <a:solidFill>
-                <a:prstClr val="white"/>
-              </a:solidFill>
-              <a:effectLst/>
-              <a:uLnTx/>
-              <a:uFillTx/>
-              <a:latin typeface="Work Sans Medium" pitchFamily="2" charset="77"/>
-              <a:ea typeface="+mj-ea"/>
-              <a:cs typeface="+mj-cs"/>
-            </a:endParaRPr>
-          </a:p>
-        </p:txBody>
-      </p:sp>
-    </p:spTree>
-    <p:extLst>
-      <p:ext uri="{BB962C8B-B14F-4D97-AF65-F5344CB8AC3E}">
-        <p14:creationId xmlns:p14="http://schemas.microsoft.com/office/powerpoint/2010/main" val="4190175706"/>
-      </p:ext>
-    </p:extLst>
-  </p:cSld>
-  <p:clrMapOvr>
-    <a:masterClrMapping/>
-  </p:clrMapOvr>
-</p:sld>
-</file>
-
-<file path=ppt/slides/slide5.xml><?xml version="1.0" encoding="utf-8"?>
-<p:sld xmlns:a="http://schemas.openxmlformats.org/drawingml/2006/main" xmlns:r="http://schemas.openxmlformats.org/officeDocument/2006/relationships" xmlns:p="http://schemas.openxmlformats.org/presentationml/2006/main">
-  <p:cSld>
-    <p:bg>
-      <p:bgPr>
-        <a:blipFill>
-          <a:blip r:embed="rId2" cstate="email">
-            <a:extLst>
-              <a:ext uri="{28A0092B-C50C-407E-A947-70E740481C1C}">
-                <a14:useLocalDpi xmlns:a14="http://schemas.microsoft.com/office/drawing/2010/main"/>
-              </a:ext>
-            </a:extLst>
-          </a:blip>
-          <a:stretch>
-            <a:fillRect/>
-          </a:stretch>
-        </a:blipFill>
-        <a:effectLst/>
-      </p:bgPr>
-    </p:bg>
-    <p:spTree>
-      <p:nvGrpSpPr>
-        <p:cNvPr id="1" name=""/>
-        <p:cNvGrpSpPr/>
-        <p:nvPr/>
-      </p:nvGrpSpPr>
-      <p:grpSpPr>
-        <a:xfrm>
-          <a:off x="0" y="0"/>
-          <a:ext cx="0" cy="0"/>
-          <a:chOff x="0" y="0"/>
-          <a:chExt cx="0" cy="0"/>
-        </a:xfrm>
-      </p:grpSpPr>
-      <p:sp>
-        <p:nvSpPr>
-          <p:cNvPr id="2" name="Título 1">
-            <a:extLst>
-              <a:ext uri="{FF2B5EF4-FFF2-40B4-BE49-F238E27FC236}">
-                <a16:creationId xmlns:a16="http://schemas.microsoft.com/office/drawing/2014/main" id="{BFF67CBC-1536-A090-A5B5-FE205F3AF4AD}"/>
-              </a:ext>
-            </a:extLst>
-          </p:cNvPr>
-          <p:cNvSpPr txBox="1">
-            <a:spLocks/>
-          </p:cNvSpPr>
-          <p:nvPr/>
-        </p:nvSpPr>
-        <p:spPr>
-          <a:xfrm>
-            <a:off x="456236" y="457723"/>
-            <a:ext cx="10611814" cy="676598"/>
-          </a:xfrm>
-          <a:prstGeom prst="rect">
-            <a:avLst/>
-          </a:prstGeom>
-        </p:spPr>
-        <p:txBody>
-          <a:bodyPr/>
-          <a:lstStyle>
-            <a:lvl1pPr algn="l" defTabSz="914400" rtl="0" eaLnBrk="1" latinLnBrk="0" hangingPunct="1">
-              <a:lnSpc>
-                <a:spcPct val="90000"/>
-              </a:lnSpc>
-              <a:spcBef>
-                <a:spcPct val="0"/>
-              </a:spcBef>
-              <a:buNone/>
-              <a:defRPr sz="4400" kern="1200">
-                <a:solidFill>
-                  <a:schemeClr val="tx1"/>
-                </a:solidFill>
-                <a:latin typeface="+mj-lt"/>
-                <a:ea typeface="+mj-ea"/>
-                <a:cs typeface="+mj-cs"/>
-              </a:defRPr>
-            </a:lvl1pPr>
-          </a:lstStyle>
-          <a:p>
-            <a:pPr lvl="0">
-              <a:buClrTx/>
-              <a:defRPr/>
-            </a:pPr>
-            <a:r>
-              <a:rPr lang="es-ES" dirty="0">
-                <a:solidFill>
-                  <a:prstClr val="black">
-                    <a:lumMod val="95000"/>
-                    <a:lumOff val="5000"/>
-                  </a:prstClr>
-                </a:solidFill>
-                <a:latin typeface="Work Sans Medium" pitchFamily="2" charset="77"/>
-              </a:rPr>
-              <a:t>Base de datos</a:t>
-            </a:r>
-          </a:p>
-        </p:txBody>
-      </p:sp>
-      <p:sp>
-        <p:nvSpPr>
-          <p:cNvPr id="4" name="Rectángulo 3">
-            <a:extLst>
-              <a:ext uri="{FF2B5EF4-FFF2-40B4-BE49-F238E27FC236}">
-                <a16:creationId xmlns:a16="http://schemas.microsoft.com/office/drawing/2014/main" id="{62D870C7-B3A5-47C2-BB1B-8FC0B365A743}"/>
-              </a:ext>
-            </a:extLst>
-          </p:cNvPr>
-          <p:cNvSpPr/>
-          <p:nvPr/>
-        </p:nvSpPr>
-        <p:spPr>
-          <a:xfrm>
-            <a:off x="329038" y="5609410"/>
-            <a:ext cx="9762299" cy="707886"/>
-          </a:xfrm>
-          <a:prstGeom prst="rect">
-            <a:avLst/>
-          </a:prstGeom>
-        </p:spPr>
-        <p:txBody>
-          <a:bodyPr wrap="square">
-            <a:spAutoFit/>
-          </a:bodyPr>
-          <a:lstStyle/>
-          <a:p>
-            <a:pPr lvl="0">
-              <a:buClrTx/>
-              <a:defRPr/>
-            </a:pPr>
-            <a:endParaRPr lang="es-ES" sz="2000" kern="1200" dirty="0">
-              <a:solidFill>
-                <a:prstClr val="black"/>
-              </a:solidFill>
-              <a:latin typeface="Work Sans Light" pitchFamily="2" charset="77"/>
-              <a:ea typeface="+mn-ea"/>
-              <a:cs typeface="+mn-cs"/>
-            </a:endParaRPr>
-          </a:p>
-          <a:p>
-            <a:pPr lvl="0">
-              <a:buClrTx/>
-              <a:defRPr/>
-            </a:pPr>
-            <a:r>
-              <a:rPr lang="es-ES" sz="2000" kern="1200" dirty="0">
-                <a:solidFill>
-                  <a:prstClr val="black"/>
-                </a:solidFill>
-                <a:latin typeface="Work Sans Light" pitchFamily="2" charset="77"/>
-                <a:ea typeface="+mn-ea"/>
-                <a:cs typeface="+mn-cs"/>
-              </a:rPr>
-              <a:t>Tiempo: Explicación máximo 2 min.</a:t>
-            </a:r>
-          </a:p>
-        </p:txBody>
-      </p:sp>
-      <p:pic>
-        <p:nvPicPr>
-          <p:cNvPr id="3" name="Imagen 2">
-            <a:extLst>
-              <a:ext uri="{FF2B5EF4-FFF2-40B4-BE49-F238E27FC236}">
-                <a16:creationId xmlns:a16="http://schemas.microsoft.com/office/drawing/2014/main" id="{0D0664F4-5E81-42A6-93D9-2B4C7017BE1B}"/>
-              </a:ext>
-            </a:extLst>
-          </p:cNvPr>
-          <p:cNvPicPr>
-            <a:picLocks noChangeAspect="1"/>
-          </p:cNvPicPr>
-          <p:nvPr/>
-        </p:nvPicPr>
-        <p:blipFill>
-          <a:blip r:embed="rId3"/>
-          <a:stretch>
-            <a:fillRect/>
-          </a:stretch>
-        </p:blipFill>
-        <p:spPr>
-          <a:xfrm>
-            <a:off x="329038" y="1330283"/>
-            <a:ext cx="8310940" cy="4279127"/>
-          </a:xfrm>
-          <a:prstGeom prst="rect">
-            <a:avLst/>
-          </a:prstGeom>
-        </p:spPr>
-      </p:pic>
-    </p:spTree>
-    <p:extLst>
-      <p:ext uri="{BB962C8B-B14F-4D97-AF65-F5344CB8AC3E}">
-        <p14:creationId xmlns:p14="http://schemas.microsoft.com/office/powerpoint/2010/main" val="3121262498"/>
-      </p:ext>
-    </p:extLst>
-  </p:cSld>
-  <p:clrMapOvr>
-    <a:masterClrMapping/>
-  </p:clrMapOvr>
-</p:sld>
-</file>
-
-<file path=ppt/slides/slide6.xml><?xml version="1.0" encoding="utf-8"?>
-<p:sld xmlns:a="http://schemas.openxmlformats.org/drawingml/2006/main" xmlns:r="http://schemas.openxmlformats.org/officeDocument/2006/relationships" xmlns:p="http://schemas.openxmlformats.org/presentationml/2006/main">
-  <p:cSld>
-    <p:bg>
-      <p:bgPr>
-        <a:blipFill dpi="0" rotWithShape="1">
-          <a:blip r:embed="rId2" cstate="email">
-            <a:lum/>
-            <a:extLst>
-              <a:ext uri="{28A0092B-C50C-407E-A947-70E740481C1C}">
-                <a14:useLocalDpi xmlns:a14="http://schemas.microsoft.com/office/drawing/2010/main"/>
-              </a:ext>
-            </a:extLst>
-          </a:blip>
-          <a:srcRect/>
-          <a:stretch>
-            <a:fillRect/>
-          </a:stretch>
-        </a:blipFill>
-        <a:effectLst/>
-      </p:bgPr>
-    </p:bg>
-    <p:spTree>
-      <p:nvGrpSpPr>
-        <p:cNvPr id="1" name=""/>
-        <p:cNvGrpSpPr/>
-        <p:nvPr/>
-      </p:nvGrpSpPr>
-      <p:grpSpPr>
-        <a:xfrm>
-          <a:off x="0" y="0"/>
-          <a:ext cx="0" cy="0"/>
-          <a:chOff x="0" y="0"/>
-          <a:chExt cx="0" cy="0"/>
-        </a:xfrm>
-      </p:grpSpPr>
-      <p:sp>
-        <p:nvSpPr>
-          <p:cNvPr id="3" name="Título 1">
-            <a:extLst>
-              <a:ext uri="{FF2B5EF4-FFF2-40B4-BE49-F238E27FC236}">
-                <a16:creationId xmlns:a16="http://schemas.microsoft.com/office/drawing/2014/main" id="{62CAF686-2B1F-2A4A-A0F2-CAE3CF59E65B}"/>
-              </a:ext>
-            </a:extLst>
-          </p:cNvPr>
-          <p:cNvSpPr txBox="1">
-            <a:spLocks/>
-          </p:cNvSpPr>
-          <p:nvPr/>
-        </p:nvSpPr>
-        <p:spPr>
-          <a:xfrm>
-            <a:off x="456236" y="416689"/>
-            <a:ext cx="10515600" cy="741563"/>
-          </a:xfrm>
-          <a:prstGeom prst="rect">
-            <a:avLst/>
-          </a:prstGeom>
-        </p:spPr>
-        <p:txBody>
-          <a:bodyPr/>
-          <a:lstStyle>
-            <a:lvl1pPr algn="l" defTabSz="914400" rtl="0" eaLnBrk="1" latinLnBrk="0" hangingPunct="1">
-              <a:lnSpc>
-                <a:spcPct val="90000"/>
-              </a:lnSpc>
-              <a:spcBef>
-                <a:spcPct val="0"/>
-              </a:spcBef>
-              <a:buNone/>
-              <a:defRPr sz="4400" kern="1200">
-                <a:solidFill>
-                  <a:schemeClr val="tx1"/>
-                </a:solidFill>
-                <a:latin typeface="+mj-lt"/>
-                <a:ea typeface="+mj-ea"/>
-                <a:cs typeface="+mj-cs"/>
-              </a:defRPr>
-            </a:lvl1pPr>
-          </a:lstStyle>
-          <a:p>
-            <a:pPr lvl="0">
-              <a:buClrTx/>
-              <a:defRPr/>
-            </a:pPr>
-            <a:r>
-              <a:rPr lang="es-CO" dirty="0">
-                <a:solidFill>
-                  <a:prstClr val="white"/>
-                </a:solidFill>
-                <a:latin typeface="Work Sans Medium" pitchFamily="2" charset="77"/>
-              </a:rPr>
-              <a:t>Herramientas o software utilizado</a:t>
-            </a:r>
-          </a:p>
-          <a:p>
-            <a:pPr marL="0" marR="0" lvl="0" indent="0" algn="l" defTabSz="914400" rtl="0" eaLnBrk="1" fontAlgn="auto" latinLnBrk="0" hangingPunct="1">
-              <a:lnSpc>
-                <a:spcPct val="90000"/>
-              </a:lnSpc>
-              <a:spcBef>
-                <a:spcPct val="0"/>
-              </a:spcBef>
-              <a:spcAft>
-                <a:spcPts val="0"/>
-              </a:spcAft>
-              <a:buClrTx/>
-              <a:buSzTx/>
-              <a:buFontTx/>
-              <a:buNone/>
-              <a:tabLst/>
-              <a:defRPr/>
-            </a:pPr>
-            <a:endParaRPr kumimoji="0" lang="es-CO" sz="4400" b="0" i="0" u="none" strike="noStrike" kern="1200" cap="none" spc="0" normalizeH="0" baseline="0" noProof="0" dirty="0">
-              <a:ln>
-                <a:noFill/>
-              </a:ln>
-              <a:solidFill>
-                <a:prstClr val="white"/>
-              </a:solidFill>
-              <a:effectLst/>
-              <a:uLnTx/>
-              <a:uFillTx/>
-              <a:latin typeface="Work Sans Medium" pitchFamily="2" charset="77"/>
-              <a:ea typeface="+mj-ea"/>
-              <a:cs typeface="+mj-cs"/>
-            </a:endParaRPr>
-          </a:p>
-        </p:txBody>
-      </p:sp>
-    </p:spTree>
-    <p:extLst>
-      <p:ext uri="{BB962C8B-B14F-4D97-AF65-F5344CB8AC3E}">
-        <p14:creationId xmlns:p14="http://schemas.microsoft.com/office/powerpoint/2010/main" val="714063256"/>
-      </p:ext>
-    </p:extLst>
-  </p:cSld>
-  <p:clrMapOvr>
-    <a:masterClrMapping/>
-  </p:clrMapOvr>
-</p:sld>
-</file>
-
-<file path=ppt/slides/slide7.xml><?xml version="1.0" encoding="utf-8"?>
-<p:sld xmlns:a="http://schemas.openxmlformats.org/drawingml/2006/main" xmlns:r="http://schemas.openxmlformats.org/officeDocument/2006/relationships" xmlns:p="http://schemas.openxmlformats.org/presentationml/2006/main">
-  <p:cSld>
-    <p:bg>
-      <p:bgPr>
-        <a:blipFill>
-          <a:blip r:embed="rId2" cstate="email">
-            <a:extLst>
-              <a:ext uri="{28A0092B-C50C-407E-A947-70E740481C1C}">
-                <a14:useLocalDpi xmlns:a14="http://schemas.microsoft.com/office/drawing/2010/main"/>
-              </a:ext>
-            </a:extLst>
-          </a:blip>
-          <a:stretch>
-            <a:fillRect/>
-          </a:stretch>
-        </a:blipFill>
-        <a:effectLst/>
-      </p:bgPr>
-    </p:bg>
-    <p:spTree>
-      <p:nvGrpSpPr>
-        <p:cNvPr id="1" name=""/>
-        <p:cNvGrpSpPr/>
-        <p:nvPr/>
-      </p:nvGrpSpPr>
-      <p:grpSpPr>
-        <a:xfrm>
-          <a:off x="0" y="0"/>
-          <a:ext cx="0" cy="0"/>
-          <a:chOff x="0" y="0"/>
-          <a:chExt cx="0" cy="0"/>
-        </a:xfrm>
-      </p:grpSpPr>
-      <p:sp>
-        <p:nvSpPr>
-          <p:cNvPr id="2" name="Título 1">
-            <a:extLst>
-              <a:ext uri="{FF2B5EF4-FFF2-40B4-BE49-F238E27FC236}">
-                <a16:creationId xmlns:a16="http://schemas.microsoft.com/office/drawing/2014/main" id="{BFF67CBC-1536-A090-A5B5-FE205F3AF4AD}"/>
-              </a:ext>
-            </a:extLst>
-          </p:cNvPr>
-          <p:cNvSpPr txBox="1">
-            <a:spLocks/>
-          </p:cNvSpPr>
-          <p:nvPr/>
-        </p:nvSpPr>
-        <p:spPr>
-          <a:xfrm>
-            <a:off x="456236" y="457723"/>
-            <a:ext cx="10611814" cy="676598"/>
-          </a:xfrm>
-          <a:prstGeom prst="rect">
-            <a:avLst/>
-          </a:prstGeom>
-        </p:spPr>
-        <p:txBody>
-          <a:bodyPr/>
-          <a:lstStyle>
-            <a:lvl1pPr algn="l" defTabSz="914400" rtl="0" eaLnBrk="1" latinLnBrk="0" hangingPunct="1">
-              <a:lnSpc>
-                <a:spcPct val="90000"/>
-              </a:lnSpc>
-              <a:spcBef>
-                <a:spcPct val="0"/>
-              </a:spcBef>
-              <a:buNone/>
-              <a:defRPr sz="4400" kern="1200">
-                <a:solidFill>
-                  <a:schemeClr val="tx1"/>
-                </a:solidFill>
-                <a:latin typeface="+mj-lt"/>
-                <a:ea typeface="+mj-ea"/>
-                <a:cs typeface="+mj-cs"/>
-              </a:defRPr>
-            </a:lvl1pPr>
-          </a:lstStyle>
-          <a:p>
-            <a:pPr lvl="0">
-              <a:buClrTx/>
-              <a:defRPr/>
-            </a:pPr>
-            <a:r>
-              <a:rPr lang="es-ES" dirty="0">
-                <a:solidFill>
-                  <a:prstClr val="black">
-                    <a:lumMod val="95000"/>
-                    <a:lumOff val="5000"/>
-                  </a:prstClr>
-                </a:solidFill>
-                <a:latin typeface="Work Sans Medium" pitchFamily="2" charset="77"/>
-              </a:rPr>
-              <a:t>Herramientas o software utilizado</a:t>
-            </a:r>
-          </a:p>
-        </p:txBody>
-      </p:sp>
-      <p:sp>
-        <p:nvSpPr>
-          <p:cNvPr id="4" name="Rectángulo 3">
-            <a:extLst>
-              <a:ext uri="{FF2B5EF4-FFF2-40B4-BE49-F238E27FC236}">
-                <a16:creationId xmlns:a16="http://schemas.microsoft.com/office/drawing/2014/main" id="{62D870C7-B3A5-47C2-BB1B-8FC0B365A743}"/>
-              </a:ext>
-            </a:extLst>
-          </p:cNvPr>
-          <p:cNvSpPr/>
-          <p:nvPr/>
-        </p:nvSpPr>
-        <p:spPr>
-          <a:xfrm>
-            <a:off x="744675" y="1536174"/>
-            <a:ext cx="9762299" cy="4093428"/>
-          </a:xfrm>
-          <a:prstGeom prst="rect">
-            <a:avLst/>
-          </a:prstGeom>
-        </p:spPr>
-        <p:txBody>
-          <a:bodyPr wrap="square">
-            <a:spAutoFit/>
-          </a:bodyPr>
-          <a:lstStyle/>
-          <a:p>
-            <a:pPr marL="342900" lvl="0" indent="-342900">
-              <a:buClrTx/>
-              <a:buFont typeface="Wingdings" panose="05000000000000000000" pitchFamily="2" charset="2"/>
-              <a:buChar char="q"/>
-              <a:defRPr/>
-            </a:pPr>
-            <a:r>
-              <a:rPr lang="es-ES" sz="2000" kern="1200" dirty="0">
-                <a:solidFill>
-                  <a:prstClr val="black"/>
-                </a:solidFill>
-                <a:latin typeface="Work Sans Light" pitchFamily="2" charset="77"/>
-                <a:ea typeface="+mn-ea"/>
-                <a:cs typeface="+mn-cs"/>
-              </a:rPr>
-              <a:t>Sistema operativo sobre el que opera: Windows 11</a:t>
-            </a:r>
-          </a:p>
-          <a:p>
-            <a:pPr marL="342900" lvl="0" indent="-342900">
-              <a:buClrTx/>
-              <a:buFont typeface="Wingdings" panose="05000000000000000000" pitchFamily="2" charset="2"/>
-              <a:buChar char="q"/>
-              <a:defRPr/>
-            </a:pPr>
-            <a:r>
-              <a:rPr lang="es-ES" sz="2000" kern="1200" dirty="0">
-                <a:solidFill>
-                  <a:prstClr val="black"/>
-                </a:solidFill>
-                <a:latin typeface="Work Sans Light" pitchFamily="2" charset="77"/>
-                <a:ea typeface="+mn-ea"/>
-                <a:cs typeface="+mn-cs"/>
-              </a:rPr>
-              <a:t>Software Web Server: </a:t>
-            </a:r>
-            <a:r>
-              <a:rPr lang="es-ES" sz="2000" kern="1200" dirty="0" err="1">
-                <a:solidFill>
-                  <a:prstClr val="black"/>
-                </a:solidFill>
-                <a:latin typeface="Work Sans Light" pitchFamily="2" charset="77"/>
-                <a:ea typeface="+mn-ea"/>
-                <a:cs typeface="+mn-cs"/>
-              </a:rPr>
-              <a:t>Infinity</a:t>
-            </a:r>
-            <a:r>
-              <a:rPr lang="es-ES" sz="2000" kern="1200" dirty="0">
-                <a:solidFill>
-                  <a:prstClr val="black"/>
-                </a:solidFill>
-                <a:latin typeface="Work Sans Light" pitchFamily="2" charset="77"/>
-                <a:ea typeface="+mn-ea"/>
-                <a:cs typeface="+mn-cs"/>
-              </a:rPr>
-              <a:t> free</a:t>
-            </a:r>
-          </a:p>
-          <a:p>
-            <a:pPr marL="342900" lvl="0" indent="-342900">
-              <a:buClrTx/>
-              <a:buFont typeface="Wingdings" panose="05000000000000000000" pitchFamily="2" charset="2"/>
-              <a:buChar char="q"/>
-              <a:defRPr/>
-            </a:pPr>
-            <a:r>
-              <a:rPr lang="es-ES" sz="2000" kern="1200" dirty="0">
-                <a:solidFill>
-                  <a:prstClr val="black"/>
-                </a:solidFill>
-                <a:latin typeface="Work Sans Light" pitchFamily="2" charset="77"/>
-                <a:ea typeface="+mn-ea"/>
-                <a:cs typeface="+mn-cs"/>
-              </a:rPr>
-              <a:t>Gestor de base de datos relacional: </a:t>
-            </a:r>
-            <a:r>
-              <a:rPr lang="es-ES" sz="2000" kern="1200" dirty="0" err="1">
-                <a:solidFill>
-                  <a:prstClr val="black"/>
-                </a:solidFill>
-                <a:latin typeface="Work Sans Light" pitchFamily="2" charset="77"/>
-                <a:ea typeface="+mn-ea"/>
-                <a:cs typeface="+mn-cs"/>
-              </a:rPr>
-              <a:t>Mysql</a:t>
-            </a:r>
-            <a:endParaRPr lang="es-ES" sz="2000" kern="1200" dirty="0">
-              <a:solidFill>
-                <a:prstClr val="black"/>
-              </a:solidFill>
-              <a:latin typeface="Work Sans Light" pitchFamily="2" charset="77"/>
-              <a:ea typeface="+mn-ea"/>
-              <a:cs typeface="+mn-cs"/>
-            </a:endParaRPr>
-          </a:p>
-          <a:p>
-            <a:pPr marL="342900" lvl="0" indent="-342900">
-              <a:buClrTx/>
-              <a:buFont typeface="Wingdings" panose="05000000000000000000" pitchFamily="2" charset="2"/>
-              <a:buChar char="q"/>
-              <a:defRPr/>
-            </a:pPr>
-            <a:r>
-              <a:rPr lang="es-ES" sz="2000" kern="1200" dirty="0">
-                <a:solidFill>
-                  <a:prstClr val="black"/>
-                </a:solidFill>
-                <a:latin typeface="Work Sans Light" pitchFamily="2" charset="77"/>
-                <a:ea typeface="+mn-ea"/>
-                <a:cs typeface="+mn-cs"/>
-              </a:rPr>
-              <a:t>Entorno de desarrollo integrado o Editor de código (definir si es entorno o editor):</a:t>
-            </a:r>
-          </a:p>
-          <a:p>
-            <a:pPr marL="342900" lvl="0" indent="-342900">
-              <a:buClrTx/>
-              <a:buFont typeface="Wingdings" panose="05000000000000000000" pitchFamily="2" charset="2"/>
-              <a:buChar char="q"/>
-              <a:defRPr/>
-            </a:pPr>
-            <a:r>
-              <a:rPr lang="es-ES" sz="2000" kern="1200" dirty="0">
-                <a:solidFill>
-                  <a:prstClr val="black"/>
-                </a:solidFill>
-                <a:latin typeface="Work Sans Light" pitchFamily="2" charset="77"/>
-                <a:ea typeface="+mn-ea"/>
-                <a:cs typeface="+mn-cs"/>
-              </a:rPr>
-              <a:t>Laravel (si se usaron, definir para que se utiliza ese </a:t>
-            </a:r>
-            <a:r>
-              <a:rPr lang="es-ES" sz="2000" kern="1200" dirty="0" err="1">
-                <a:solidFill>
-                  <a:prstClr val="black"/>
-                </a:solidFill>
-                <a:latin typeface="Work Sans Light" pitchFamily="2" charset="77"/>
-                <a:ea typeface="+mn-ea"/>
-                <a:cs typeface="+mn-cs"/>
-              </a:rPr>
-              <a:t>framework</a:t>
-            </a:r>
-            <a:r>
-              <a:rPr lang="es-ES" sz="2000" kern="1200" dirty="0">
-                <a:solidFill>
-                  <a:prstClr val="black"/>
-                </a:solidFill>
-                <a:latin typeface="Work Sans Light" pitchFamily="2" charset="77"/>
-                <a:ea typeface="+mn-ea"/>
-                <a:cs typeface="+mn-cs"/>
-              </a:rPr>
-              <a:t>):</a:t>
-            </a:r>
-          </a:p>
-          <a:p>
-            <a:pPr marL="342900" lvl="0" indent="-342900">
-              <a:buClrTx/>
-              <a:buFont typeface="Wingdings" panose="05000000000000000000" pitchFamily="2" charset="2"/>
-              <a:buChar char="q"/>
-              <a:defRPr/>
-            </a:pPr>
-            <a:r>
-              <a:rPr lang="es-ES" sz="2000" kern="1200" dirty="0">
-                <a:solidFill>
-                  <a:prstClr val="black"/>
-                </a:solidFill>
-                <a:latin typeface="Work Sans Light" pitchFamily="2" charset="77"/>
-              </a:rPr>
-              <a:t>Lenguajes de programación: PHP</a:t>
-            </a:r>
-            <a:endParaRPr lang="es-ES" sz="2000" kern="1200" dirty="0">
-              <a:solidFill>
-                <a:prstClr val="black"/>
-              </a:solidFill>
-              <a:latin typeface="Work Sans Light" pitchFamily="2" charset="77"/>
-              <a:ea typeface="+mn-ea"/>
-              <a:cs typeface="+mn-cs"/>
-            </a:endParaRPr>
-          </a:p>
-          <a:p>
-            <a:pPr marL="342900" lvl="0" indent="-342900">
-              <a:buClrTx/>
-              <a:buFont typeface="Wingdings" panose="05000000000000000000" pitchFamily="2" charset="2"/>
-              <a:buChar char="q"/>
-              <a:defRPr/>
-            </a:pPr>
-            <a:r>
-              <a:rPr lang="es-ES" sz="2000" kern="1200" dirty="0">
-                <a:solidFill>
-                  <a:prstClr val="black"/>
-                </a:solidFill>
-                <a:latin typeface="Work Sans Light" pitchFamily="2" charset="77"/>
-                <a:ea typeface="+mn-ea"/>
-                <a:cs typeface="+mn-cs"/>
-              </a:rPr>
-              <a:t>Arquitectura: MVC</a:t>
-            </a:r>
-          </a:p>
-          <a:p>
-            <a:pPr marL="342900" lvl="0" indent="-342900">
-              <a:buClrTx/>
-              <a:buFont typeface="Wingdings" panose="05000000000000000000" pitchFamily="2" charset="2"/>
-              <a:buChar char="q"/>
-              <a:defRPr/>
-            </a:pPr>
-            <a:r>
-              <a:rPr lang="es-ES" sz="2000" kern="1200" dirty="0">
-                <a:solidFill>
-                  <a:prstClr val="black"/>
-                </a:solidFill>
-                <a:latin typeface="Work Sans Light" pitchFamily="2" charset="77"/>
-                <a:ea typeface="+mn-ea"/>
-                <a:cs typeface="+mn-cs"/>
-              </a:rPr>
-              <a:t>Sistema de control de versiones: Git </a:t>
-            </a:r>
-            <a:r>
-              <a:rPr lang="es-ES" sz="2000" kern="1200" dirty="0" err="1">
-                <a:solidFill>
-                  <a:prstClr val="black"/>
-                </a:solidFill>
-                <a:latin typeface="Work Sans Light" pitchFamily="2" charset="77"/>
-                <a:ea typeface="+mn-ea"/>
-                <a:cs typeface="+mn-cs"/>
-              </a:rPr>
-              <a:t>hub</a:t>
-            </a:r>
-            <a:r>
-              <a:rPr lang="es-ES" sz="2000" kern="1200" dirty="0">
-                <a:solidFill>
-                  <a:prstClr val="black"/>
-                </a:solidFill>
-                <a:latin typeface="Work Sans Light" pitchFamily="2" charset="77"/>
-                <a:ea typeface="+mn-ea"/>
-                <a:cs typeface="+mn-cs"/>
-              </a:rPr>
-              <a:t> – </a:t>
-            </a:r>
-            <a:r>
-              <a:rPr lang="es-ES" sz="2000" kern="1200">
-                <a:solidFill>
-                  <a:prstClr val="black"/>
-                </a:solidFill>
-                <a:latin typeface="Work Sans Light" pitchFamily="2" charset="77"/>
-                <a:ea typeface="+mn-ea"/>
-                <a:cs typeface="+mn-cs"/>
-              </a:rPr>
-              <a:t>Git desktop</a:t>
-            </a:r>
-            <a:endParaRPr lang="es-ES" sz="2000" kern="1200" dirty="0">
-              <a:solidFill>
-                <a:prstClr val="black"/>
-              </a:solidFill>
-              <a:latin typeface="Work Sans Light" pitchFamily="2" charset="77"/>
-              <a:ea typeface="+mn-ea"/>
-              <a:cs typeface="+mn-cs"/>
-            </a:endParaRPr>
-          </a:p>
-          <a:p>
-            <a:pPr marL="342900" lvl="0" indent="-342900">
-              <a:buClrTx/>
-              <a:buFont typeface="Wingdings" panose="05000000000000000000" pitchFamily="2" charset="2"/>
-              <a:buChar char="q"/>
-              <a:defRPr/>
-            </a:pPr>
-            <a:r>
-              <a:rPr lang="es-ES" sz="2000" kern="1200" dirty="0">
-                <a:solidFill>
-                  <a:prstClr val="black"/>
-                </a:solidFill>
-                <a:latin typeface="Work Sans Light" pitchFamily="2" charset="77"/>
-                <a:ea typeface="+mn-ea"/>
-                <a:cs typeface="+mn-cs"/>
-              </a:rPr>
-              <a:t>Metodología de desarrollo: Scrum</a:t>
-            </a:r>
-          </a:p>
-          <a:p>
-            <a:pPr marL="342900" lvl="0" indent="-342900">
-              <a:buClrTx/>
-              <a:buFont typeface="Wingdings" panose="05000000000000000000" pitchFamily="2" charset="2"/>
-              <a:buChar char="q"/>
-              <a:defRPr/>
-            </a:pPr>
-            <a:endParaRPr lang="es-ES" sz="2000" kern="1200" dirty="0">
-              <a:solidFill>
-                <a:prstClr val="black"/>
-              </a:solidFill>
-              <a:latin typeface="Work Sans Light" pitchFamily="2" charset="77"/>
-              <a:ea typeface="+mn-ea"/>
-              <a:cs typeface="+mn-cs"/>
-            </a:endParaRPr>
-          </a:p>
-          <a:p>
-            <a:pPr lvl="0">
-              <a:buClrTx/>
-              <a:defRPr/>
-            </a:pPr>
-            <a:r>
-              <a:rPr lang="es-ES" sz="2000" kern="1200" dirty="0">
-                <a:solidFill>
-                  <a:prstClr val="black"/>
-                </a:solidFill>
-                <a:latin typeface="Work Sans Light" pitchFamily="2" charset="77"/>
-                <a:ea typeface="+mn-ea"/>
-                <a:cs typeface="+mn-cs"/>
-              </a:rPr>
-              <a:t>Tiempo: Máximo 1 min.</a:t>
-            </a:r>
-          </a:p>
-          <a:p>
-            <a:pPr lvl="0">
-              <a:buClrTx/>
-              <a:defRPr/>
-            </a:pPr>
-            <a:endParaRPr lang="es-ES" sz="2000" kern="1200" dirty="0">
-              <a:solidFill>
-                <a:prstClr val="black"/>
-              </a:solidFill>
-              <a:latin typeface="Work Sans Light" pitchFamily="2" charset="77"/>
-              <a:ea typeface="+mn-ea"/>
-              <a:cs typeface="+mn-cs"/>
-            </a:endParaRPr>
-          </a:p>
-        </p:txBody>
-      </p:sp>
-    </p:spTree>
-    <p:extLst>
-      <p:ext uri="{BB962C8B-B14F-4D97-AF65-F5344CB8AC3E}">
-        <p14:creationId xmlns:p14="http://schemas.microsoft.com/office/powerpoint/2010/main" val="3723209274"/>
-      </p:ext>
-    </p:extLst>
-  </p:cSld>
-  <p:clrMapOvr>
-    <a:masterClrMapping/>
-  </p:clrMapOvr>
-</p:sld>
-</file>
-
-<file path=ppt/slides/slide8.xml><?xml version="1.0" encoding="utf-8"?>
-<p:sld xmlns:a="http://schemas.openxmlformats.org/drawingml/2006/main" xmlns:r="http://schemas.openxmlformats.org/officeDocument/2006/relationships" xmlns:p="http://schemas.openxmlformats.org/presentationml/2006/main">
-  <p:cSld>
-    <p:bg>
-      <p:bgPr>
-        <a:blipFill dpi="0" rotWithShape="1">
-          <a:blip r:embed="rId2" cstate="email">
-            <a:lum/>
-            <a:extLst>
-              <a:ext uri="{28A0092B-C50C-407E-A947-70E740481C1C}">
-                <a14:useLocalDpi xmlns:a14="http://schemas.microsoft.com/office/drawing/2010/main"/>
-              </a:ext>
-            </a:extLst>
-          </a:blip>
-          <a:srcRect/>
-          <a:stretch>
-            <a:fillRect/>
-          </a:stretch>
-        </a:blipFill>
-        <a:effectLst/>
-      </p:bgPr>
-    </p:bg>
-    <p:spTree>
-      <p:nvGrpSpPr>
-        <p:cNvPr id="1" name=""/>
-        <p:cNvGrpSpPr/>
-        <p:nvPr/>
-      </p:nvGrpSpPr>
-      <p:grpSpPr>
-        <a:xfrm>
-          <a:off x="0" y="0"/>
-          <a:ext cx="0" cy="0"/>
-          <a:chOff x="0" y="0"/>
-          <a:chExt cx="0" cy="0"/>
-        </a:xfrm>
-      </p:grpSpPr>
-      <p:sp>
-        <p:nvSpPr>
-          <p:cNvPr id="3" name="Título 1">
-            <a:extLst>
-              <a:ext uri="{FF2B5EF4-FFF2-40B4-BE49-F238E27FC236}">
-                <a16:creationId xmlns:a16="http://schemas.microsoft.com/office/drawing/2014/main" id="{62CAF686-2B1F-2A4A-A0F2-CAE3CF59E65B}"/>
-              </a:ext>
-            </a:extLst>
-          </p:cNvPr>
-          <p:cNvSpPr txBox="1">
-            <a:spLocks/>
-          </p:cNvSpPr>
-          <p:nvPr/>
-        </p:nvSpPr>
-        <p:spPr>
-          <a:xfrm>
-            <a:off x="456236" y="416689"/>
-            <a:ext cx="10515600" cy="741563"/>
-          </a:xfrm>
-          <a:prstGeom prst="rect">
-            <a:avLst/>
-          </a:prstGeom>
-        </p:spPr>
-        <p:txBody>
-          <a:bodyPr/>
-          <a:lstStyle>
-            <a:lvl1pPr algn="l" defTabSz="914400" rtl="0" eaLnBrk="1" latinLnBrk="0" hangingPunct="1">
-              <a:lnSpc>
-                <a:spcPct val="90000"/>
-              </a:lnSpc>
-              <a:spcBef>
-                <a:spcPct val="0"/>
-              </a:spcBef>
-              <a:buNone/>
-              <a:defRPr sz="4400" kern="1200">
-                <a:solidFill>
-                  <a:schemeClr val="tx1"/>
-                </a:solidFill>
-                <a:latin typeface="+mj-lt"/>
-                <a:ea typeface="+mj-ea"/>
-                <a:cs typeface="+mj-cs"/>
-              </a:defRPr>
-            </a:lvl1pPr>
-          </a:lstStyle>
-          <a:p>
-            <a:pPr marL="0" marR="0" lvl="0" indent="0" algn="l" defTabSz="914400" rtl="0" eaLnBrk="1" fontAlgn="auto" latinLnBrk="0" hangingPunct="1">
-              <a:lnSpc>
-                <a:spcPct val="90000"/>
-              </a:lnSpc>
-              <a:spcBef>
-                <a:spcPct val="0"/>
-              </a:spcBef>
-              <a:spcAft>
-                <a:spcPts val="0"/>
-              </a:spcAft>
-              <a:buClrTx/>
-              <a:buSzTx/>
-              <a:buFont typeface="Arial"/>
-              <a:buNone/>
-              <a:tabLst/>
-              <a:defRPr/>
-            </a:pPr>
-            <a:r>
-              <a:rPr kumimoji="0" lang="es-CO" sz="4400" b="0" i="0" u="none" strike="noStrike" kern="1200" cap="none" spc="0" normalizeH="0" baseline="0" noProof="0" dirty="0">
-                <a:ln>
-                  <a:noFill/>
-                </a:ln>
-                <a:solidFill>
-                  <a:prstClr val="white"/>
-                </a:solidFill>
-                <a:effectLst/>
-                <a:uLnTx/>
-                <a:uFillTx/>
-                <a:latin typeface="Work Sans Medium" pitchFamily="2" charset="77"/>
-                <a:ea typeface="+mj-ea"/>
-                <a:cs typeface="+mj-cs"/>
-                <a:sym typeface="Arial"/>
-              </a:rPr>
-              <a:t>Ordenamiento de carpetas</a:t>
-            </a:r>
-          </a:p>
-          <a:p>
-            <a:pPr marL="0" marR="0" lvl="0" indent="0" algn="l" defTabSz="914400" rtl="0" eaLnBrk="1" fontAlgn="auto" latinLnBrk="0" hangingPunct="1">
-              <a:lnSpc>
-                <a:spcPct val="90000"/>
-              </a:lnSpc>
-              <a:spcBef>
-                <a:spcPct val="0"/>
-              </a:spcBef>
-              <a:spcAft>
-                <a:spcPts val="0"/>
-              </a:spcAft>
-              <a:buClrTx/>
-              <a:buSzTx/>
-              <a:buFont typeface="Arial"/>
-              <a:buNone/>
-              <a:tabLst/>
-              <a:defRPr/>
-            </a:pPr>
-            <a:r>
-              <a:rPr lang="es-CO" sz="2000" dirty="0">
-                <a:solidFill>
-                  <a:prstClr val="white"/>
-                </a:solidFill>
-                <a:latin typeface="Work Sans Medium" pitchFamily="2" charset="77"/>
-              </a:rPr>
-              <a:t>Patrón de diseño</a:t>
-            </a:r>
-          </a:p>
-          <a:p>
-            <a:pPr marL="0" marR="0" lvl="0" indent="0" algn="l" defTabSz="914400" rtl="0" eaLnBrk="1" fontAlgn="auto" latinLnBrk="0" hangingPunct="1">
-              <a:lnSpc>
-                <a:spcPct val="90000"/>
-              </a:lnSpc>
-              <a:spcBef>
-                <a:spcPct val="0"/>
-              </a:spcBef>
-              <a:spcAft>
-                <a:spcPts val="0"/>
-              </a:spcAft>
-              <a:buClrTx/>
-              <a:buSzTx/>
-              <a:buFont typeface="Arial"/>
-              <a:buNone/>
-              <a:tabLst/>
-              <a:defRPr/>
-            </a:pPr>
-            <a:r>
-              <a:rPr lang="es-CO" sz="2000" dirty="0">
-                <a:solidFill>
-                  <a:prstClr val="white"/>
-                </a:solidFill>
-                <a:latin typeface="Work Sans Medium" pitchFamily="2" charset="77"/>
-              </a:rPr>
-              <a:t>Paradigma de programación</a:t>
-            </a:r>
-            <a:endParaRPr kumimoji="0" lang="es-CO" sz="2000" b="0" i="0" u="none" strike="noStrike" kern="1200" cap="none" spc="0" normalizeH="0" baseline="0" noProof="0" dirty="0">
-              <a:ln>
-                <a:noFill/>
-              </a:ln>
-              <a:solidFill>
-                <a:prstClr val="white"/>
-              </a:solidFill>
-              <a:effectLst/>
-              <a:uLnTx/>
-              <a:uFillTx/>
-              <a:latin typeface="Work Sans Medium" pitchFamily="2" charset="77"/>
-              <a:sym typeface="Arial"/>
-            </a:endParaRPr>
-          </a:p>
-          <a:p>
-            <a:pPr marL="0" marR="0" lvl="0" indent="0" algn="l" defTabSz="914400" rtl="0" eaLnBrk="1" fontAlgn="auto" latinLnBrk="0" hangingPunct="1">
-              <a:lnSpc>
-                <a:spcPct val="90000"/>
-              </a:lnSpc>
-              <a:spcBef>
-                <a:spcPct val="0"/>
-              </a:spcBef>
-              <a:spcAft>
-                <a:spcPts val="0"/>
-              </a:spcAft>
-              <a:buClrTx/>
-              <a:buSzTx/>
-              <a:buFont typeface="Arial"/>
-              <a:buNone/>
-              <a:tabLst/>
-              <a:defRPr/>
-            </a:pPr>
-            <a:endParaRPr kumimoji="0" lang="es-CO" sz="4400" b="0" i="0" u="none" strike="noStrike" kern="1200" cap="none" spc="0" normalizeH="0" baseline="0" noProof="0" dirty="0">
-              <a:ln>
-                <a:noFill/>
-              </a:ln>
-              <a:solidFill>
-                <a:prstClr val="white"/>
-              </a:solidFill>
-              <a:effectLst/>
-              <a:uLnTx/>
-              <a:uFillTx/>
-              <a:latin typeface="Work Sans Medium" pitchFamily="2" charset="77"/>
-              <a:ea typeface="+mj-ea"/>
-              <a:cs typeface="+mj-cs"/>
-              <a:sym typeface="Arial"/>
-            </a:endParaRPr>
-          </a:p>
-          <a:p>
-            <a:pPr marL="0" marR="0" lvl="0" indent="0" algn="l" defTabSz="914400" rtl="0" eaLnBrk="1" fontAlgn="auto" latinLnBrk="0" hangingPunct="1">
-              <a:lnSpc>
-                <a:spcPct val="90000"/>
-              </a:lnSpc>
-              <a:spcBef>
-                <a:spcPct val="0"/>
-              </a:spcBef>
-              <a:spcAft>
-                <a:spcPts val="0"/>
-              </a:spcAft>
-              <a:buClrTx/>
-              <a:buSzTx/>
-              <a:buFontTx/>
-              <a:buNone/>
-              <a:tabLst/>
-              <a:defRPr/>
-            </a:pPr>
-            <a:endParaRPr kumimoji="0" lang="es-CO" sz="4400" b="0" i="0" u="none" strike="noStrike" kern="1200" cap="none" spc="0" normalizeH="0" baseline="0" noProof="0" dirty="0">
-              <a:ln>
-                <a:noFill/>
-              </a:ln>
-              <a:solidFill>
-                <a:prstClr val="white"/>
-              </a:solidFill>
-              <a:effectLst/>
-              <a:uLnTx/>
-              <a:uFillTx/>
-              <a:latin typeface="Work Sans Medium" pitchFamily="2" charset="77"/>
-              <a:ea typeface="+mj-ea"/>
-              <a:cs typeface="+mj-cs"/>
-              <a:sym typeface="Arial"/>
-            </a:endParaRPr>
-          </a:p>
-        </p:txBody>
-      </p:sp>
-    </p:spTree>
-    <p:extLst>
-      <p:ext uri="{BB962C8B-B14F-4D97-AF65-F5344CB8AC3E}">
-        <p14:creationId xmlns:p14="http://schemas.microsoft.com/office/powerpoint/2010/main" val="1229578794"/>
-      </p:ext>
-    </p:extLst>
-  </p:cSld>
-  <p:clrMapOvr>
-    <a:masterClrMapping/>
-  </p:clrMapOvr>
-</p:sld>
-</file>
-
-<file path=ppt/slides/slide9.xml><?xml version="1.0" encoding="utf-8"?>
-<p:sld xmlns:a="http://schemas.openxmlformats.org/drawingml/2006/main" xmlns:r="http://schemas.openxmlformats.org/officeDocument/2006/relationships" xmlns:p="http://schemas.openxmlformats.org/presentationml/2006/main">
-  <p:cSld>
-    <p:bg>
-      <p:bgPr>
         <a:blipFill>
           <a:blip r:embed="rId2" cstate="email">
             <a:extLst>
@@ -32968,6 +30007,3158 @@
     <p:extLst>
       <p:ext uri="{BB962C8B-B14F-4D97-AF65-F5344CB8AC3E}">
         <p14:creationId xmlns:p14="http://schemas.microsoft.com/office/powerpoint/2010/main" val="3726535218"/>
+      </p:ext>
+    </p:extLst>
+  </p:cSld>
+  <p:clrMapOvr>
+    <a:masterClrMapping/>
+  </p:clrMapOvr>
+</p:sld>
+</file>
+
+<file path=ppt/slides/slide11.xml><?xml version="1.0" encoding="utf-8"?>
+<p:sld xmlns:a="http://schemas.openxmlformats.org/drawingml/2006/main" xmlns:r="http://schemas.openxmlformats.org/officeDocument/2006/relationships" xmlns:p="http://schemas.openxmlformats.org/presentationml/2006/main">
+  <p:cSld>
+    <p:bg>
+      <p:bgPr>
+        <a:blipFill dpi="0" rotWithShape="1">
+          <a:blip r:embed="rId2" cstate="email">
+            <a:lum/>
+            <a:extLst>
+              <a:ext uri="{28A0092B-C50C-407E-A947-70E740481C1C}">
+                <a14:useLocalDpi xmlns:a14="http://schemas.microsoft.com/office/drawing/2010/main"/>
+              </a:ext>
+            </a:extLst>
+          </a:blip>
+          <a:srcRect/>
+          <a:stretch>
+            <a:fillRect/>
+          </a:stretch>
+        </a:blipFill>
+        <a:effectLst/>
+      </p:bgPr>
+    </p:bg>
+    <p:spTree>
+      <p:nvGrpSpPr>
+        <p:cNvPr id="1" name=""/>
+        <p:cNvGrpSpPr/>
+        <p:nvPr/>
+      </p:nvGrpSpPr>
+      <p:grpSpPr>
+        <a:xfrm>
+          <a:off x="0" y="0"/>
+          <a:ext cx="0" cy="0"/>
+          <a:chOff x="0" y="0"/>
+          <a:chExt cx="0" cy="0"/>
+        </a:xfrm>
+      </p:grpSpPr>
+      <p:sp>
+        <p:nvSpPr>
+          <p:cNvPr id="3" name="Título 1">
+            <a:extLst>
+              <a:ext uri="{FF2B5EF4-FFF2-40B4-BE49-F238E27FC236}">
+                <a16:creationId xmlns:a16="http://schemas.microsoft.com/office/drawing/2014/main" id="{62CAF686-2B1F-2A4A-A0F2-CAE3CF59E65B}"/>
+              </a:ext>
+            </a:extLst>
+          </p:cNvPr>
+          <p:cNvSpPr txBox="1">
+            <a:spLocks/>
+          </p:cNvSpPr>
+          <p:nvPr/>
+        </p:nvSpPr>
+        <p:spPr>
+          <a:xfrm>
+            <a:off x="456236" y="416689"/>
+            <a:ext cx="10515600" cy="741563"/>
+          </a:xfrm>
+          <a:prstGeom prst="rect">
+            <a:avLst/>
+          </a:prstGeom>
+        </p:spPr>
+        <p:txBody>
+          <a:bodyPr/>
+          <a:lstStyle>
+            <a:lvl1pPr algn="l" defTabSz="914400" rtl="0" eaLnBrk="1" latinLnBrk="0" hangingPunct="1">
+              <a:lnSpc>
+                <a:spcPct val="90000"/>
+              </a:lnSpc>
+              <a:spcBef>
+                <a:spcPct val="0"/>
+              </a:spcBef>
+              <a:buNone/>
+              <a:defRPr sz="4400" kern="1200">
+                <a:solidFill>
+                  <a:schemeClr val="tx1"/>
+                </a:solidFill>
+                <a:latin typeface="+mj-lt"/>
+                <a:ea typeface="+mj-ea"/>
+                <a:cs typeface="+mj-cs"/>
+              </a:defRPr>
+            </a:lvl1pPr>
+          </a:lstStyle>
+          <a:p>
+            <a:pPr lvl="0">
+              <a:buClrTx/>
+              <a:defRPr/>
+            </a:pPr>
+            <a:r>
+              <a:rPr lang="es-CO" dirty="0">
+                <a:solidFill>
+                  <a:prstClr val="white"/>
+                </a:solidFill>
+                <a:latin typeface="Work Sans Medium" pitchFamily="2" charset="77"/>
+              </a:rPr>
+              <a:t>Funcionalidades</a:t>
+            </a:r>
+          </a:p>
+          <a:p>
+            <a:pPr marL="0" marR="0" lvl="0" indent="0" algn="l" defTabSz="914400" rtl="0" eaLnBrk="1" fontAlgn="auto" latinLnBrk="0" hangingPunct="1">
+              <a:lnSpc>
+                <a:spcPct val="90000"/>
+              </a:lnSpc>
+              <a:spcBef>
+                <a:spcPct val="0"/>
+              </a:spcBef>
+              <a:spcAft>
+                <a:spcPts val="0"/>
+              </a:spcAft>
+              <a:buClrTx/>
+              <a:buSzTx/>
+              <a:buFontTx/>
+              <a:buNone/>
+              <a:tabLst/>
+              <a:defRPr/>
+            </a:pPr>
+            <a:endParaRPr kumimoji="0" lang="es-CO" sz="4400" b="0" i="0" u="none" strike="noStrike" kern="1200" cap="none" spc="0" normalizeH="0" baseline="0" noProof="0" dirty="0">
+              <a:ln>
+                <a:noFill/>
+              </a:ln>
+              <a:solidFill>
+                <a:prstClr val="white"/>
+              </a:solidFill>
+              <a:effectLst/>
+              <a:uLnTx/>
+              <a:uFillTx/>
+              <a:latin typeface="Work Sans Medium" pitchFamily="2" charset="77"/>
+              <a:ea typeface="+mj-ea"/>
+              <a:cs typeface="+mj-cs"/>
+            </a:endParaRPr>
+          </a:p>
+        </p:txBody>
+      </p:sp>
+    </p:spTree>
+    <p:extLst>
+      <p:ext uri="{BB962C8B-B14F-4D97-AF65-F5344CB8AC3E}">
+        <p14:creationId xmlns:p14="http://schemas.microsoft.com/office/powerpoint/2010/main" val="3128183396"/>
+      </p:ext>
+    </p:extLst>
+  </p:cSld>
+  <p:clrMapOvr>
+    <a:masterClrMapping/>
+  </p:clrMapOvr>
+</p:sld>
+</file>
+
+<file path=ppt/slides/slide12.xml><?xml version="1.0" encoding="utf-8"?>
+<p:sld xmlns:a="http://schemas.openxmlformats.org/drawingml/2006/main" xmlns:r="http://schemas.openxmlformats.org/officeDocument/2006/relationships" xmlns:p="http://schemas.openxmlformats.org/presentationml/2006/main">
+  <p:cSld>
+    <p:bg>
+      <p:bgPr>
+        <a:blipFill>
+          <a:blip r:embed="rId2" cstate="email">
+            <a:extLst>
+              <a:ext uri="{28A0092B-C50C-407E-A947-70E740481C1C}">
+                <a14:useLocalDpi xmlns:a14="http://schemas.microsoft.com/office/drawing/2010/main"/>
+              </a:ext>
+            </a:extLst>
+          </a:blip>
+          <a:stretch>
+            <a:fillRect/>
+          </a:stretch>
+        </a:blipFill>
+        <a:effectLst/>
+      </p:bgPr>
+    </p:bg>
+    <p:spTree>
+      <p:nvGrpSpPr>
+        <p:cNvPr id="1" name=""/>
+        <p:cNvGrpSpPr/>
+        <p:nvPr/>
+      </p:nvGrpSpPr>
+      <p:grpSpPr>
+        <a:xfrm>
+          <a:off x="0" y="0"/>
+          <a:ext cx="0" cy="0"/>
+          <a:chOff x="0" y="0"/>
+          <a:chExt cx="0" cy="0"/>
+        </a:xfrm>
+      </p:grpSpPr>
+      <p:sp>
+        <p:nvSpPr>
+          <p:cNvPr id="2" name="Título 1">
+            <a:extLst>
+              <a:ext uri="{FF2B5EF4-FFF2-40B4-BE49-F238E27FC236}">
+                <a16:creationId xmlns:a16="http://schemas.microsoft.com/office/drawing/2014/main" id="{BFF67CBC-1536-A090-A5B5-FE205F3AF4AD}"/>
+              </a:ext>
+            </a:extLst>
+          </p:cNvPr>
+          <p:cNvSpPr txBox="1">
+            <a:spLocks/>
+          </p:cNvSpPr>
+          <p:nvPr/>
+        </p:nvSpPr>
+        <p:spPr>
+          <a:xfrm>
+            <a:off x="456236" y="457723"/>
+            <a:ext cx="10611814" cy="676598"/>
+          </a:xfrm>
+          <a:prstGeom prst="rect">
+            <a:avLst/>
+          </a:prstGeom>
+        </p:spPr>
+        <p:txBody>
+          <a:bodyPr/>
+          <a:lstStyle>
+            <a:lvl1pPr algn="l" defTabSz="914400" rtl="0" eaLnBrk="1" latinLnBrk="0" hangingPunct="1">
+              <a:lnSpc>
+                <a:spcPct val="90000"/>
+              </a:lnSpc>
+              <a:spcBef>
+                <a:spcPct val="0"/>
+              </a:spcBef>
+              <a:buNone/>
+              <a:defRPr sz="4400" kern="1200">
+                <a:solidFill>
+                  <a:schemeClr val="tx1"/>
+                </a:solidFill>
+                <a:latin typeface="+mj-lt"/>
+                <a:ea typeface="+mj-ea"/>
+                <a:cs typeface="+mj-cs"/>
+              </a:defRPr>
+            </a:lvl1pPr>
+          </a:lstStyle>
+          <a:p>
+            <a:pPr lvl="0">
+              <a:buClrTx/>
+              <a:defRPr/>
+            </a:pPr>
+            <a:r>
+              <a:rPr lang="es-ES" dirty="0">
+                <a:solidFill>
+                  <a:prstClr val="black">
+                    <a:lumMod val="95000"/>
+                    <a:lumOff val="5000"/>
+                  </a:prstClr>
+                </a:solidFill>
+                <a:latin typeface="Work Sans Medium" pitchFamily="2" charset="77"/>
+              </a:rPr>
+              <a:t>Funcionalidades por módulo</a:t>
+            </a:r>
+          </a:p>
+        </p:txBody>
+      </p:sp>
+      <p:sp>
+        <p:nvSpPr>
+          <p:cNvPr id="4" name="Rectángulo 3">
+            <a:extLst>
+              <a:ext uri="{FF2B5EF4-FFF2-40B4-BE49-F238E27FC236}">
+                <a16:creationId xmlns:a16="http://schemas.microsoft.com/office/drawing/2014/main" id="{62D870C7-B3A5-47C2-BB1B-8FC0B365A743}"/>
+              </a:ext>
+            </a:extLst>
+          </p:cNvPr>
+          <p:cNvSpPr/>
+          <p:nvPr/>
+        </p:nvSpPr>
+        <p:spPr>
+          <a:xfrm>
+            <a:off x="744675" y="1536174"/>
+            <a:ext cx="9762299" cy="5016758"/>
+          </a:xfrm>
+          <a:prstGeom prst="rect">
+            <a:avLst/>
+          </a:prstGeom>
+        </p:spPr>
+        <p:txBody>
+          <a:bodyPr wrap="square">
+            <a:spAutoFit/>
+          </a:bodyPr>
+          <a:lstStyle/>
+          <a:p>
+            <a:pPr lvl="0">
+              <a:buClrTx/>
+              <a:defRPr/>
+            </a:pPr>
+            <a:r>
+              <a:rPr lang="es-ES" sz="2000" kern="1200" dirty="0">
+                <a:solidFill>
+                  <a:prstClr val="black"/>
+                </a:solidFill>
+                <a:latin typeface="Work Sans Light" pitchFamily="2" charset="77"/>
+                <a:ea typeface="+mn-ea"/>
+                <a:cs typeface="+mn-cs"/>
+              </a:rPr>
+              <a:t>Mostrar un cuadro resumen, en el cual se compile las funcionalidades que se podrán ver en cada módulo y su correspondiente perfil. Ejemplo:</a:t>
+            </a:r>
+          </a:p>
+          <a:p>
+            <a:pPr lvl="0">
+              <a:buClrTx/>
+              <a:defRPr/>
+            </a:pPr>
+            <a:endParaRPr lang="es-ES" sz="2000" kern="1200" dirty="0">
+              <a:solidFill>
+                <a:prstClr val="black"/>
+              </a:solidFill>
+              <a:latin typeface="Work Sans Light" pitchFamily="2" charset="77"/>
+              <a:ea typeface="+mn-ea"/>
+              <a:cs typeface="+mn-cs"/>
+            </a:endParaRPr>
+          </a:p>
+          <a:p>
+            <a:pPr lvl="0">
+              <a:buClrTx/>
+              <a:defRPr/>
+            </a:pPr>
+            <a:endParaRPr lang="es-ES" sz="2000" kern="1200" dirty="0">
+              <a:solidFill>
+                <a:prstClr val="black"/>
+              </a:solidFill>
+              <a:latin typeface="Work Sans Light" pitchFamily="2" charset="77"/>
+              <a:ea typeface="+mn-ea"/>
+              <a:cs typeface="+mn-cs"/>
+            </a:endParaRPr>
+          </a:p>
+          <a:p>
+            <a:pPr lvl="0">
+              <a:buClrTx/>
+              <a:defRPr/>
+            </a:pPr>
+            <a:endParaRPr lang="es-ES" sz="2000" kern="1200" dirty="0">
+              <a:solidFill>
+                <a:prstClr val="black"/>
+              </a:solidFill>
+              <a:latin typeface="Work Sans Light" pitchFamily="2" charset="77"/>
+              <a:ea typeface="+mn-ea"/>
+              <a:cs typeface="+mn-cs"/>
+            </a:endParaRPr>
+          </a:p>
+          <a:p>
+            <a:pPr lvl="0">
+              <a:buClrTx/>
+              <a:defRPr/>
+            </a:pPr>
+            <a:endParaRPr lang="es-ES" sz="2000" kern="1200" dirty="0">
+              <a:solidFill>
+                <a:prstClr val="black"/>
+              </a:solidFill>
+              <a:latin typeface="Work Sans Light" pitchFamily="2" charset="77"/>
+              <a:ea typeface="+mn-ea"/>
+              <a:cs typeface="+mn-cs"/>
+            </a:endParaRPr>
+          </a:p>
+          <a:p>
+            <a:pPr lvl="0">
+              <a:buClrTx/>
+              <a:defRPr/>
+            </a:pPr>
+            <a:endParaRPr lang="es-ES" sz="2000" kern="1200" dirty="0">
+              <a:solidFill>
+                <a:prstClr val="black"/>
+              </a:solidFill>
+              <a:latin typeface="Work Sans Light" pitchFamily="2" charset="77"/>
+              <a:ea typeface="+mn-ea"/>
+              <a:cs typeface="+mn-cs"/>
+            </a:endParaRPr>
+          </a:p>
+          <a:p>
+            <a:pPr lvl="0">
+              <a:buClrTx/>
+              <a:defRPr/>
+            </a:pPr>
+            <a:endParaRPr lang="es-ES" sz="2000" kern="1200" dirty="0">
+              <a:solidFill>
+                <a:prstClr val="black"/>
+              </a:solidFill>
+              <a:latin typeface="Work Sans Light" pitchFamily="2" charset="77"/>
+              <a:ea typeface="+mn-ea"/>
+              <a:cs typeface="+mn-cs"/>
+            </a:endParaRPr>
+          </a:p>
+          <a:p>
+            <a:pPr lvl="0">
+              <a:buClrTx/>
+              <a:defRPr/>
+            </a:pPr>
+            <a:endParaRPr lang="es-ES" sz="2000" kern="1200" dirty="0">
+              <a:solidFill>
+                <a:prstClr val="black"/>
+              </a:solidFill>
+              <a:latin typeface="Work Sans Light" pitchFamily="2" charset="77"/>
+              <a:ea typeface="+mn-ea"/>
+              <a:cs typeface="+mn-cs"/>
+            </a:endParaRPr>
+          </a:p>
+          <a:p>
+            <a:pPr lvl="0">
+              <a:buClrTx/>
+              <a:defRPr/>
+            </a:pPr>
+            <a:endParaRPr lang="es-ES" sz="2000" kern="1200" dirty="0">
+              <a:solidFill>
+                <a:prstClr val="black"/>
+              </a:solidFill>
+              <a:latin typeface="Work Sans Light" pitchFamily="2" charset="77"/>
+              <a:ea typeface="+mn-ea"/>
+              <a:cs typeface="+mn-cs"/>
+            </a:endParaRPr>
+          </a:p>
+          <a:p>
+            <a:pPr lvl="0">
+              <a:buClrTx/>
+              <a:defRPr/>
+            </a:pPr>
+            <a:endParaRPr lang="es-ES" sz="2000" kern="1200" dirty="0">
+              <a:solidFill>
+                <a:prstClr val="black"/>
+              </a:solidFill>
+              <a:latin typeface="Work Sans Light" pitchFamily="2" charset="77"/>
+              <a:ea typeface="+mn-ea"/>
+              <a:cs typeface="+mn-cs"/>
+            </a:endParaRPr>
+          </a:p>
+          <a:p>
+            <a:pPr lvl="0">
+              <a:buClrTx/>
+              <a:defRPr/>
+            </a:pPr>
+            <a:endParaRPr lang="es-ES" sz="2000" kern="1200" dirty="0">
+              <a:solidFill>
+                <a:prstClr val="black"/>
+              </a:solidFill>
+              <a:latin typeface="Work Sans Light" pitchFamily="2" charset="77"/>
+              <a:ea typeface="+mn-ea"/>
+              <a:cs typeface="+mn-cs"/>
+            </a:endParaRPr>
+          </a:p>
+          <a:p>
+            <a:pPr lvl="0">
+              <a:buClrTx/>
+              <a:defRPr/>
+            </a:pPr>
+            <a:r>
+              <a:rPr lang="es-ES" sz="2000" kern="1200" dirty="0">
+                <a:solidFill>
+                  <a:prstClr val="black"/>
+                </a:solidFill>
+                <a:latin typeface="Work Sans Light" pitchFamily="2" charset="77"/>
+                <a:ea typeface="+mn-ea"/>
+                <a:cs typeface="+mn-cs"/>
+              </a:rPr>
+              <a:t>Posteriormente, demostrarán las funcionalidades que permitan verificar que cumplen con el objetivo del proyecto. </a:t>
+            </a:r>
+          </a:p>
+          <a:p>
+            <a:pPr lvl="0">
+              <a:buClrTx/>
+              <a:defRPr/>
+            </a:pPr>
+            <a:endParaRPr lang="es-ES" sz="2000" kern="1200" dirty="0">
+              <a:solidFill>
+                <a:prstClr val="black"/>
+              </a:solidFill>
+              <a:latin typeface="Work Sans Light" pitchFamily="2" charset="77"/>
+              <a:ea typeface="+mn-ea"/>
+              <a:cs typeface="+mn-cs"/>
+            </a:endParaRPr>
+          </a:p>
+          <a:p>
+            <a:pPr lvl="0">
+              <a:buClrTx/>
+              <a:defRPr/>
+            </a:pPr>
+            <a:r>
+              <a:rPr lang="es-ES" sz="2000" kern="1200" dirty="0">
+                <a:solidFill>
+                  <a:prstClr val="black"/>
+                </a:solidFill>
+                <a:latin typeface="Work Sans Light" pitchFamily="2" charset="77"/>
+                <a:ea typeface="+mn-ea"/>
+                <a:cs typeface="+mn-cs"/>
+              </a:rPr>
+              <a:t>Tiempo: Máximo 7 min. (Mostrar el camino feliz)</a:t>
+            </a:r>
+          </a:p>
+        </p:txBody>
+      </p:sp>
+      <p:grpSp>
+        <p:nvGrpSpPr>
+          <p:cNvPr id="6" name="Grupo 5"/>
+          <p:cNvGrpSpPr/>
+          <p:nvPr/>
+        </p:nvGrpSpPr>
+        <p:grpSpPr>
+          <a:xfrm>
+            <a:off x="840211" y="2332023"/>
+            <a:ext cx="2803741" cy="2608467"/>
+            <a:chOff x="840211" y="2332023"/>
+            <a:chExt cx="3445186" cy="3606935"/>
+          </a:xfrm>
+        </p:grpSpPr>
+        <p:pic>
+          <p:nvPicPr>
+            <p:cNvPr id="3" name="Imagen 2"/>
+            <p:cNvPicPr>
+              <a:picLocks noChangeAspect="1"/>
+            </p:cNvPicPr>
+            <p:nvPr/>
+          </p:nvPicPr>
+          <p:blipFill>
+            <a:blip r:embed="rId3"/>
+            <a:stretch>
+              <a:fillRect/>
+            </a:stretch>
+          </p:blipFill>
+          <p:spPr>
+            <a:xfrm>
+              <a:off x="840211" y="2332023"/>
+              <a:ext cx="3445186" cy="1672662"/>
+            </a:xfrm>
+            <a:prstGeom prst="rect">
+              <a:avLst/>
+            </a:prstGeom>
+          </p:spPr>
+        </p:pic>
+        <p:pic>
+          <p:nvPicPr>
+            <p:cNvPr id="5" name="Imagen 4"/>
+            <p:cNvPicPr>
+              <a:picLocks noChangeAspect="1"/>
+            </p:cNvPicPr>
+            <p:nvPr/>
+          </p:nvPicPr>
+          <p:blipFill rotWithShape="1">
+            <a:blip r:embed="rId4"/>
+            <a:srcRect r="22147" b="24197"/>
+            <a:stretch/>
+          </p:blipFill>
+          <p:spPr>
+            <a:xfrm>
+              <a:off x="840211" y="3957157"/>
+              <a:ext cx="3445186" cy="1981801"/>
+            </a:xfrm>
+            <a:prstGeom prst="rect">
+              <a:avLst/>
+            </a:prstGeom>
+          </p:spPr>
+        </p:pic>
+      </p:grpSp>
+    </p:spTree>
+    <p:extLst>
+      <p:ext uri="{BB962C8B-B14F-4D97-AF65-F5344CB8AC3E}">
+        <p14:creationId xmlns:p14="http://schemas.microsoft.com/office/powerpoint/2010/main" val="2158167727"/>
+      </p:ext>
+    </p:extLst>
+  </p:cSld>
+  <p:clrMapOvr>
+    <a:masterClrMapping/>
+  </p:clrMapOvr>
+</p:sld>
+</file>
+
+<file path=ppt/slides/slide13.xml><?xml version="1.0" encoding="utf-8"?>
+<p:sld xmlns:a="http://schemas.openxmlformats.org/drawingml/2006/main" xmlns:r="http://schemas.openxmlformats.org/officeDocument/2006/relationships" xmlns:p="http://schemas.openxmlformats.org/presentationml/2006/main">
+  <p:cSld>
+    <p:bg>
+      <p:bgPr>
+        <a:blipFill dpi="0" rotWithShape="1">
+          <a:blip r:embed="rId2" cstate="email">
+            <a:lum/>
+            <a:extLst>
+              <a:ext uri="{28A0092B-C50C-407E-A947-70E740481C1C}">
+                <a14:useLocalDpi xmlns:a14="http://schemas.microsoft.com/office/drawing/2010/main"/>
+              </a:ext>
+            </a:extLst>
+          </a:blip>
+          <a:srcRect/>
+          <a:stretch>
+            <a:fillRect/>
+          </a:stretch>
+        </a:blipFill>
+        <a:effectLst/>
+      </p:bgPr>
+    </p:bg>
+    <p:spTree>
+      <p:nvGrpSpPr>
+        <p:cNvPr id="1" name=""/>
+        <p:cNvGrpSpPr/>
+        <p:nvPr/>
+      </p:nvGrpSpPr>
+      <p:grpSpPr>
+        <a:xfrm>
+          <a:off x="0" y="0"/>
+          <a:ext cx="0" cy="0"/>
+          <a:chOff x="0" y="0"/>
+          <a:chExt cx="0" cy="0"/>
+        </a:xfrm>
+      </p:grpSpPr>
+      <p:sp>
+        <p:nvSpPr>
+          <p:cNvPr id="3" name="Título 1">
+            <a:extLst>
+              <a:ext uri="{FF2B5EF4-FFF2-40B4-BE49-F238E27FC236}">
+                <a16:creationId xmlns:a16="http://schemas.microsoft.com/office/drawing/2014/main" id="{62CAF686-2B1F-2A4A-A0F2-CAE3CF59E65B}"/>
+              </a:ext>
+            </a:extLst>
+          </p:cNvPr>
+          <p:cNvSpPr txBox="1">
+            <a:spLocks/>
+          </p:cNvSpPr>
+          <p:nvPr/>
+        </p:nvSpPr>
+        <p:spPr>
+          <a:xfrm>
+            <a:off x="456236" y="416689"/>
+            <a:ext cx="10515600" cy="741563"/>
+          </a:xfrm>
+          <a:prstGeom prst="rect">
+            <a:avLst/>
+          </a:prstGeom>
+        </p:spPr>
+        <p:txBody>
+          <a:bodyPr/>
+          <a:lstStyle>
+            <a:lvl1pPr algn="l" defTabSz="914400" rtl="0" eaLnBrk="1" latinLnBrk="0" hangingPunct="1">
+              <a:lnSpc>
+                <a:spcPct val="90000"/>
+              </a:lnSpc>
+              <a:spcBef>
+                <a:spcPct val="0"/>
+              </a:spcBef>
+              <a:buNone/>
+              <a:defRPr sz="4400" kern="1200">
+                <a:solidFill>
+                  <a:schemeClr val="tx1"/>
+                </a:solidFill>
+                <a:latin typeface="+mj-lt"/>
+                <a:ea typeface="+mj-ea"/>
+                <a:cs typeface="+mj-cs"/>
+              </a:defRPr>
+            </a:lvl1pPr>
+          </a:lstStyle>
+          <a:p>
+            <a:pPr lvl="0">
+              <a:buClrTx/>
+              <a:defRPr/>
+            </a:pPr>
+            <a:r>
+              <a:rPr lang="es-CO" dirty="0">
+                <a:solidFill>
+                  <a:prstClr val="white"/>
+                </a:solidFill>
+                <a:latin typeface="Work Sans Medium" pitchFamily="2" charset="77"/>
+              </a:rPr>
+              <a:t>Reglas del negocio</a:t>
+            </a:r>
+          </a:p>
+          <a:p>
+            <a:pPr marL="0" marR="0" lvl="0" indent="0" algn="l" defTabSz="914400" rtl="0" eaLnBrk="1" fontAlgn="auto" latinLnBrk="0" hangingPunct="1">
+              <a:lnSpc>
+                <a:spcPct val="90000"/>
+              </a:lnSpc>
+              <a:spcBef>
+                <a:spcPct val="0"/>
+              </a:spcBef>
+              <a:spcAft>
+                <a:spcPts val="0"/>
+              </a:spcAft>
+              <a:buClrTx/>
+              <a:buSzTx/>
+              <a:buFontTx/>
+              <a:buNone/>
+              <a:tabLst/>
+              <a:defRPr/>
+            </a:pPr>
+            <a:endParaRPr kumimoji="0" lang="es-CO" sz="4400" b="0" i="0" u="none" strike="noStrike" kern="1200" cap="none" spc="0" normalizeH="0" baseline="0" noProof="0" dirty="0">
+              <a:ln>
+                <a:noFill/>
+              </a:ln>
+              <a:solidFill>
+                <a:prstClr val="white"/>
+              </a:solidFill>
+              <a:effectLst/>
+              <a:uLnTx/>
+              <a:uFillTx/>
+              <a:latin typeface="Work Sans Medium" pitchFamily="2" charset="77"/>
+              <a:ea typeface="+mj-ea"/>
+              <a:cs typeface="+mj-cs"/>
+            </a:endParaRPr>
+          </a:p>
+        </p:txBody>
+      </p:sp>
+    </p:spTree>
+    <p:extLst>
+      <p:ext uri="{BB962C8B-B14F-4D97-AF65-F5344CB8AC3E}">
+        <p14:creationId xmlns:p14="http://schemas.microsoft.com/office/powerpoint/2010/main" val="145195019"/>
+      </p:ext>
+    </p:extLst>
+  </p:cSld>
+  <p:clrMapOvr>
+    <a:masterClrMapping/>
+  </p:clrMapOvr>
+</p:sld>
+</file>
+
+<file path=ppt/slides/slide14.xml><?xml version="1.0" encoding="utf-8"?>
+<p:sld xmlns:a="http://schemas.openxmlformats.org/drawingml/2006/main" xmlns:r="http://schemas.openxmlformats.org/officeDocument/2006/relationships" xmlns:p="http://schemas.openxmlformats.org/presentationml/2006/main">
+  <p:cSld>
+    <p:bg>
+      <p:bgPr>
+        <a:blipFill>
+          <a:blip r:embed="rId3" cstate="email">
+            <a:extLst>
+              <a:ext uri="{28A0092B-C50C-407E-A947-70E740481C1C}">
+                <a14:useLocalDpi xmlns:a14="http://schemas.microsoft.com/office/drawing/2010/main"/>
+              </a:ext>
+            </a:extLst>
+          </a:blip>
+          <a:stretch>
+            <a:fillRect/>
+          </a:stretch>
+        </a:blipFill>
+        <a:effectLst/>
+      </p:bgPr>
+    </p:bg>
+    <p:spTree>
+      <p:nvGrpSpPr>
+        <p:cNvPr id="1" name=""/>
+        <p:cNvGrpSpPr/>
+        <p:nvPr/>
+      </p:nvGrpSpPr>
+      <p:grpSpPr>
+        <a:xfrm>
+          <a:off x="0" y="0"/>
+          <a:ext cx="0" cy="0"/>
+          <a:chOff x="0" y="0"/>
+          <a:chExt cx="0" cy="0"/>
+        </a:xfrm>
+      </p:grpSpPr>
+      <p:sp>
+        <p:nvSpPr>
+          <p:cNvPr id="2" name="Título 1">
+            <a:extLst>
+              <a:ext uri="{FF2B5EF4-FFF2-40B4-BE49-F238E27FC236}">
+                <a16:creationId xmlns:a16="http://schemas.microsoft.com/office/drawing/2014/main" id="{BFF67CBC-1536-A090-A5B5-FE205F3AF4AD}"/>
+              </a:ext>
+            </a:extLst>
+          </p:cNvPr>
+          <p:cNvSpPr txBox="1">
+            <a:spLocks/>
+          </p:cNvSpPr>
+          <p:nvPr/>
+        </p:nvSpPr>
+        <p:spPr>
+          <a:xfrm>
+            <a:off x="456236" y="457723"/>
+            <a:ext cx="10515600" cy="676598"/>
+          </a:xfrm>
+          <a:prstGeom prst="rect">
+            <a:avLst/>
+          </a:prstGeom>
+        </p:spPr>
+        <p:txBody>
+          <a:bodyPr/>
+          <a:lstStyle>
+            <a:lvl1pPr algn="l" defTabSz="914400" rtl="0" eaLnBrk="1" latinLnBrk="0" hangingPunct="1">
+              <a:lnSpc>
+                <a:spcPct val="90000"/>
+              </a:lnSpc>
+              <a:spcBef>
+                <a:spcPct val="0"/>
+              </a:spcBef>
+              <a:buNone/>
+              <a:defRPr sz="4400" kern="1200">
+                <a:solidFill>
+                  <a:schemeClr val="tx1"/>
+                </a:solidFill>
+                <a:latin typeface="+mj-lt"/>
+                <a:ea typeface="+mj-ea"/>
+                <a:cs typeface="+mj-cs"/>
+              </a:defRPr>
+            </a:lvl1pPr>
+          </a:lstStyle>
+          <a:p>
+            <a:pPr marL="0" marR="0" lvl="0" indent="0" algn="l" defTabSz="914400" rtl="0" eaLnBrk="1" fontAlgn="auto" latinLnBrk="0" hangingPunct="1">
+              <a:lnSpc>
+                <a:spcPct val="90000"/>
+              </a:lnSpc>
+              <a:spcBef>
+                <a:spcPct val="0"/>
+              </a:spcBef>
+              <a:spcAft>
+                <a:spcPts val="0"/>
+              </a:spcAft>
+              <a:buClrTx/>
+              <a:buSzTx/>
+              <a:buFontTx/>
+              <a:buNone/>
+              <a:tabLst/>
+              <a:defRPr/>
+            </a:pPr>
+            <a:r>
+              <a:rPr kumimoji="0" lang="es-ES" sz="4400" b="0" i="0" u="none" strike="noStrike" kern="1200" cap="none" spc="0" normalizeH="0" baseline="0" noProof="0" dirty="0">
+                <a:ln>
+                  <a:noFill/>
+                </a:ln>
+                <a:solidFill>
+                  <a:prstClr val="black">
+                    <a:lumMod val="95000"/>
+                    <a:lumOff val="5000"/>
+                  </a:prstClr>
+                </a:solidFill>
+                <a:effectLst/>
+                <a:uLnTx/>
+                <a:uFillTx/>
+                <a:latin typeface="Work Sans Medium" pitchFamily="2" charset="77"/>
+                <a:ea typeface="+mj-ea"/>
+                <a:cs typeface="+mj-cs"/>
+              </a:rPr>
+              <a:t>Demostración de las reglas</a:t>
+            </a:r>
+            <a:r>
+              <a:rPr kumimoji="0" lang="es-ES" sz="4400" b="0" i="0" u="none" strike="noStrike" kern="1200" cap="none" spc="0" normalizeH="0" noProof="0" dirty="0">
+                <a:ln>
+                  <a:noFill/>
+                </a:ln>
+                <a:solidFill>
+                  <a:prstClr val="black">
+                    <a:lumMod val="95000"/>
+                    <a:lumOff val="5000"/>
+                  </a:prstClr>
+                </a:solidFill>
+                <a:effectLst/>
+                <a:uLnTx/>
+                <a:uFillTx/>
+                <a:latin typeface="Work Sans Medium" pitchFamily="2" charset="77"/>
+                <a:ea typeface="+mj-ea"/>
+                <a:cs typeface="+mj-cs"/>
+              </a:rPr>
+              <a:t> del negocio</a:t>
+            </a:r>
+            <a:endParaRPr kumimoji="0" lang="es-CO" sz="4400" b="0" i="0" u="none" strike="noStrike" kern="1200" cap="none" spc="0" normalizeH="0" baseline="0" noProof="0" dirty="0">
+              <a:ln>
+                <a:noFill/>
+              </a:ln>
+              <a:solidFill>
+                <a:prstClr val="black">
+                  <a:lumMod val="95000"/>
+                  <a:lumOff val="5000"/>
+                </a:prstClr>
+              </a:solidFill>
+              <a:effectLst/>
+              <a:uLnTx/>
+              <a:uFillTx/>
+              <a:latin typeface="Work Sans Medium" pitchFamily="2" charset="77"/>
+              <a:ea typeface="+mj-ea"/>
+              <a:cs typeface="+mj-cs"/>
+            </a:endParaRPr>
+          </a:p>
+        </p:txBody>
+      </p:sp>
+      <p:sp>
+        <p:nvSpPr>
+          <p:cNvPr id="8" name="Rectángulo 7">
+            <a:extLst>
+              <a:ext uri="{FF2B5EF4-FFF2-40B4-BE49-F238E27FC236}">
+                <a16:creationId xmlns:a16="http://schemas.microsoft.com/office/drawing/2014/main" id="{62D870C7-B3A5-47C2-BB1B-8FC0B365A743}"/>
+              </a:ext>
+            </a:extLst>
+          </p:cNvPr>
+          <p:cNvSpPr/>
+          <p:nvPr/>
+        </p:nvSpPr>
+        <p:spPr>
+          <a:xfrm>
+            <a:off x="744675" y="1536174"/>
+            <a:ext cx="9762299" cy="3785652"/>
+          </a:xfrm>
+          <a:prstGeom prst="rect">
+            <a:avLst/>
+          </a:prstGeom>
+        </p:spPr>
+        <p:txBody>
+          <a:bodyPr wrap="square">
+            <a:spAutoFit/>
+          </a:bodyPr>
+          <a:lstStyle/>
+          <a:p>
+            <a:pPr lvl="0">
+              <a:buClrTx/>
+              <a:defRPr/>
+            </a:pPr>
+            <a:endParaRPr lang="es-ES" sz="2000" kern="1200" dirty="0">
+              <a:solidFill>
+                <a:prstClr val="black"/>
+              </a:solidFill>
+              <a:latin typeface="Work Sans Light" pitchFamily="2" charset="77"/>
+              <a:ea typeface="+mn-ea"/>
+              <a:cs typeface="+mn-cs"/>
+            </a:endParaRPr>
+          </a:p>
+          <a:p>
+            <a:pPr lvl="0">
+              <a:buClrTx/>
+              <a:defRPr/>
+            </a:pPr>
+            <a:r>
+              <a:rPr lang="es-ES" sz="2000" kern="1200" dirty="0">
+                <a:solidFill>
+                  <a:prstClr val="black"/>
+                </a:solidFill>
+                <a:latin typeface="Work Sans Light" pitchFamily="2" charset="77"/>
+                <a:ea typeface="+mn-ea"/>
+                <a:cs typeface="+mn-cs"/>
+              </a:rPr>
+              <a:t>Listar las principales reglas de negocio y demostrar el funcionamiento de las más críticas. </a:t>
+            </a:r>
+          </a:p>
+          <a:p>
+            <a:pPr lvl="0">
+              <a:buClrTx/>
+              <a:defRPr/>
+            </a:pPr>
+            <a:endParaRPr lang="es-ES" sz="2000" kern="1200" dirty="0">
+              <a:solidFill>
+                <a:prstClr val="black"/>
+              </a:solidFill>
+              <a:latin typeface="Work Sans Light" pitchFamily="2" charset="77"/>
+              <a:ea typeface="+mn-ea"/>
+              <a:cs typeface="+mn-cs"/>
+            </a:endParaRPr>
+          </a:p>
+          <a:p>
+            <a:pPr lvl="0">
+              <a:buClrTx/>
+              <a:defRPr/>
+            </a:pPr>
+            <a:r>
+              <a:rPr lang="es-ES" sz="2000" kern="1200" dirty="0">
+                <a:solidFill>
+                  <a:prstClr val="black"/>
+                </a:solidFill>
+                <a:latin typeface="Work Sans Light" pitchFamily="2" charset="77"/>
+                <a:ea typeface="+mn-ea"/>
+                <a:cs typeface="+mn-cs"/>
+              </a:rPr>
+              <a:t>Ejemplo: </a:t>
+            </a:r>
+          </a:p>
+          <a:p>
+            <a:pPr lvl="0">
+              <a:buClrTx/>
+              <a:defRPr/>
+            </a:pPr>
+            <a:endParaRPr lang="es-ES" sz="2000" kern="1200" dirty="0">
+              <a:solidFill>
+                <a:prstClr val="black"/>
+              </a:solidFill>
+              <a:latin typeface="Work Sans Light" pitchFamily="2" charset="77"/>
+              <a:ea typeface="+mn-ea"/>
+              <a:cs typeface="+mn-cs"/>
+            </a:endParaRPr>
+          </a:p>
+          <a:p>
+            <a:pPr marL="342900" lvl="0" indent="-342900">
+              <a:buClrTx/>
+              <a:buFont typeface="Wingdings" panose="05000000000000000000" pitchFamily="2" charset="2"/>
+              <a:buChar char="q"/>
+              <a:defRPr/>
+            </a:pPr>
+            <a:r>
+              <a:rPr lang="es-ES" sz="2000" kern="1200" dirty="0">
+                <a:solidFill>
+                  <a:prstClr val="black"/>
+                </a:solidFill>
+                <a:latin typeface="Work Sans Light" pitchFamily="2" charset="77"/>
+                <a:ea typeface="+mn-ea"/>
+                <a:cs typeface="+mn-cs"/>
+              </a:rPr>
+              <a:t>El stock no puede tener menos de 5 productos o vender los últimos 5 productos.</a:t>
+            </a:r>
+          </a:p>
+          <a:p>
+            <a:pPr marL="342900" lvl="0" indent="-342900">
+              <a:buClrTx/>
+              <a:buFont typeface="Wingdings" panose="05000000000000000000" pitchFamily="2" charset="2"/>
+              <a:buChar char="q"/>
+              <a:defRPr/>
+            </a:pPr>
+            <a:r>
+              <a:rPr lang="es-ES" sz="2000" kern="1200" dirty="0">
+                <a:solidFill>
+                  <a:prstClr val="black"/>
+                </a:solidFill>
+                <a:latin typeface="Work Sans Light" pitchFamily="2" charset="77"/>
+                <a:ea typeface="+mn-ea"/>
+                <a:cs typeface="+mn-cs"/>
+              </a:rPr>
+              <a:t>Debe ser mayor de edad para registrarse.</a:t>
+            </a:r>
+          </a:p>
+          <a:p>
+            <a:pPr marL="342900" lvl="0" indent="-342900">
+              <a:buClrTx/>
+              <a:buFont typeface="Wingdings" panose="05000000000000000000" pitchFamily="2" charset="2"/>
+              <a:buChar char="q"/>
+              <a:defRPr/>
+            </a:pPr>
+            <a:r>
+              <a:rPr lang="es-ES" sz="2000" kern="1200" dirty="0">
+                <a:solidFill>
+                  <a:prstClr val="black"/>
+                </a:solidFill>
+                <a:latin typeface="Work Sans Light" pitchFamily="2" charset="77"/>
+                <a:ea typeface="+mn-ea"/>
+                <a:cs typeface="+mn-cs"/>
+              </a:rPr>
+              <a:t>Se realizan los pedidos si el estado de pago es Pagado.</a:t>
+            </a:r>
+          </a:p>
+          <a:p>
+            <a:pPr lvl="0">
+              <a:buClrTx/>
+              <a:defRPr/>
+            </a:pPr>
+            <a:endParaRPr lang="es-ES" sz="2000" kern="1200" dirty="0">
+              <a:solidFill>
+                <a:prstClr val="black"/>
+              </a:solidFill>
+              <a:latin typeface="Work Sans Light" pitchFamily="2" charset="77"/>
+              <a:ea typeface="+mn-ea"/>
+              <a:cs typeface="+mn-cs"/>
+            </a:endParaRPr>
+          </a:p>
+          <a:p>
+            <a:pPr lvl="0">
+              <a:buClrTx/>
+              <a:defRPr/>
+            </a:pPr>
+            <a:r>
+              <a:rPr lang="es-ES" sz="2000" kern="1200" dirty="0">
+                <a:solidFill>
+                  <a:prstClr val="black"/>
+                </a:solidFill>
+                <a:latin typeface="Work Sans Light" pitchFamily="2" charset="77"/>
+                <a:ea typeface="+mn-ea"/>
+                <a:cs typeface="+mn-cs"/>
+              </a:rPr>
+              <a:t>Tiempo: Máximo 5 min. </a:t>
+            </a:r>
+          </a:p>
+        </p:txBody>
+      </p:sp>
+    </p:spTree>
+    <p:extLst>
+      <p:ext uri="{BB962C8B-B14F-4D97-AF65-F5344CB8AC3E}">
+        <p14:creationId xmlns:p14="http://schemas.microsoft.com/office/powerpoint/2010/main" val="870633500"/>
+      </p:ext>
+    </p:extLst>
+  </p:cSld>
+  <p:clrMapOvr>
+    <a:masterClrMapping/>
+  </p:clrMapOvr>
+</p:sld>
+</file>
+
+<file path=ppt/slides/slide15.xml><?xml version="1.0" encoding="utf-8"?>
+<p:sld xmlns:a="http://schemas.openxmlformats.org/drawingml/2006/main" xmlns:r="http://schemas.openxmlformats.org/officeDocument/2006/relationships" xmlns:p="http://schemas.openxmlformats.org/presentationml/2006/main">
+  <p:cSld>
+    <p:spTree>
+      <p:nvGrpSpPr>
+        <p:cNvPr id="1" name="Shape 618"/>
+        <p:cNvGrpSpPr/>
+        <p:nvPr/>
+      </p:nvGrpSpPr>
+      <p:grpSpPr>
+        <a:xfrm>
+          <a:off x="0" y="0"/>
+          <a:ext cx="0" cy="0"/>
+          <a:chOff x="0" y="0"/>
+          <a:chExt cx="0" cy="0"/>
+        </a:xfrm>
+      </p:grpSpPr>
+      <p:pic>
+        <p:nvPicPr>
+          <p:cNvPr id="619" name="Google Shape;619;p55" descr="Imagen que contiene Interfaz de usuario gráfica&#10;&#10;Descripción generada automáticamente"/>
+          <p:cNvPicPr preferRelativeResize="0"/>
+          <p:nvPr/>
+        </p:nvPicPr>
+        <p:blipFill rotWithShape="1">
+          <a:blip r:embed="rId3">
+            <a:alphaModFix/>
+          </a:blip>
+          <a:srcRect/>
+          <a:stretch/>
+        </p:blipFill>
+        <p:spPr>
+          <a:xfrm>
+            <a:off x="0" y="0"/>
+            <a:ext cx="12192000" cy="6858000"/>
+          </a:xfrm>
+          <a:prstGeom prst="rect">
+            <a:avLst/>
+          </a:prstGeom>
+          <a:noFill/>
+          <a:ln>
+            <a:noFill/>
+          </a:ln>
+        </p:spPr>
+      </p:pic>
+    </p:spTree>
+  </p:cSld>
+  <p:clrMapOvr>
+    <a:masterClrMapping/>
+  </p:clrMapOvr>
+</p:sld>
+</file>
+
+<file path=ppt/slides/slide16.xml><?xml version="1.0" encoding="utf-8"?>
+<p:sld xmlns:a="http://schemas.openxmlformats.org/drawingml/2006/main" xmlns:r="http://schemas.openxmlformats.org/officeDocument/2006/relationships" xmlns:p="http://schemas.openxmlformats.org/presentationml/2006/main">
+  <p:cSld>
+    <p:bg>
+      <p:bgPr>
+        <a:blipFill dpi="0" rotWithShape="1">
+          <a:blip r:embed="rId2" cstate="email">
+            <a:lum/>
+            <a:extLst>
+              <a:ext uri="{28A0092B-C50C-407E-A947-70E740481C1C}">
+                <a14:useLocalDpi xmlns:a14="http://schemas.microsoft.com/office/drawing/2010/main"/>
+              </a:ext>
+            </a:extLst>
+          </a:blip>
+          <a:srcRect/>
+          <a:stretch>
+            <a:fillRect/>
+          </a:stretch>
+        </a:blipFill>
+        <a:effectLst/>
+      </p:bgPr>
+    </p:bg>
+    <p:spTree>
+      <p:nvGrpSpPr>
+        <p:cNvPr id="1" name=""/>
+        <p:cNvGrpSpPr/>
+        <p:nvPr/>
+      </p:nvGrpSpPr>
+      <p:grpSpPr>
+        <a:xfrm>
+          <a:off x="0" y="0"/>
+          <a:ext cx="0" cy="0"/>
+          <a:chOff x="0" y="0"/>
+          <a:chExt cx="0" cy="0"/>
+        </a:xfrm>
+      </p:grpSpPr>
+      <p:sp>
+        <p:nvSpPr>
+          <p:cNvPr id="3" name="Título 1">
+            <a:extLst>
+              <a:ext uri="{FF2B5EF4-FFF2-40B4-BE49-F238E27FC236}">
+                <a16:creationId xmlns:a16="http://schemas.microsoft.com/office/drawing/2014/main" id="{62CAF686-2B1F-2A4A-A0F2-CAE3CF59E65B}"/>
+              </a:ext>
+            </a:extLst>
+          </p:cNvPr>
+          <p:cNvSpPr txBox="1">
+            <a:spLocks/>
+          </p:cNvSpPr>
+          <p:nvPr/>
+        </p:nvSpPr>
+        <p:spPr>
+          <a:xfrm>
+            <a:off x="456236" y="416689"/>
+            <a:ext cx="10515600" cy="741563"/>
+          </a:xfrm>
+          <a:prstGeom prst="rect">
+            <a:avLst/>
+          </a:prstGeom>
+        </p:spPr>
+        <p:txBody>
+          <a:bodyPr/>
+          <a:lstStyle>
+            <a:lvl1pPr algn="l" defTabSz="914400" rtl="0" eaLnBrk="1" latinLnBrk="0" hangingPunct="1">
+              <a:lnSpc>
+                <a:spcPct val="90000"/>
+              </a:lnSpc>
+              <a:spcBef>
+                <a:spcPct val="0"/>
+              </a:spcBef>
+              <a:buNone/>
+              <a:defRPr sz="4400" kern="1200">
+                <a:solidFill>
+                  <a:schemeClr val="tx1"/>
+                </a:solidFill>
+                <a:latin typeface="+mj-lt"/>
+                <a:ea typeface="+mj-ea"/>
+                <a:cs typeface="+mj-cs"/>
+              </a:defRPr>
+            </a:lvl1pPr>
+          </a:lstStyle>
+          <a:p>
+            <a:pPr lvl="0">
+              <a:buClrTx/>
+              <a:defRPr/>
+            </a:pPr>
+            <a:r>
+              <a:rPr lang="es-CO" dirty="0">
+                <a:solidFill>
+                  <a:prstClr val="white"/>
+                </a:solidFill>
+                <a:latin typeface="Work Sans Medium" pitchFamily="2" charset="77"/>
+              </a:rPr>
+              <a:t>Preguntas</a:t>
+            </a:r>
+          </a:p>
+          <a:p>
+            <a:pPr lvl="0">
+              <a:buClrTx/>
+              <a:defRPr/>
+            </a:pPr>
+            <a:r>
+              <a:rPr lang="es-CO" sz="2000" dirty="0">
+                <a:solidFill>
+                  <a:prstClr val="white"/>
+                </a:solidFill>
+                <a:latin typeface="Work Sans Medium" pitchFamily="2" charset="77"/>
+              </a:rPr>
+              <a:t>Tiempo: Máximo 5 min.</a:t>
+            </a:r>
+          </a:p>
+          <a:p>
+            <a:pPr marL="0" marR="0" lvl="0" indent="0" algn="l" defTabSz="914400" rtl="0" eaLnBrk="1" fontAlgn="auto" latinLnBrk="0" hangingPunct="1">
+              <a:lnSpc>
+                <a:spcPct val="90000"/>
+              </a:lnSpc>
+              <a:spcBef>
+                <a:spcPct val="0"/>
+              </a:spcBef>
+              <a:spcAft>
+                <a:spcPts val="0"/>
+              </a:spcAft>
+              <a:buClrTx/>
+              <a:buSzTx/>
+              <a:buFontTx/>
+              <a:buNone/>
+              <a:tabLst/>
+              <a:defRPr/>
+            </a:pPr>
+            <a:endParaRPr kumimoji="0" lang="es-CO" sz="4400" b="0" i="0" u="none" strike="noStrike" kern="1200" cap="none" spc="0" normalizeH="0" baseline="0" noProof="0" dirty="0">
+              <a:ln>
+                <a:noFill/>
+              </a:ln>
+              <a:solidFill>
+                <a:prstClr val="white"/>
+              </a:solidFill>
+              <a:effectLst/>
+              <a:uLnTx/>
+              <a:uFillTx/>
+              <a:latin typeface="Work Sans Medium" pitchFamily="2" charset="77"/>
+              <a:ea typeface="+mj-ea"/>
+              <a:cs typeface="+mj-cs"/>
+            </a:endParaRPr>
+          </a:p>
+        </p:txBody>
+      </p:sp>
+    </p:spTree>
+    <p:extLst>
+      <p:ext uri="{BB962C8B-B14F-4D97-AF65-F5344CB8AC3E}">
+        <p14:creationId xmlns:p14="http://schemas.microsoft.com/office/powerpoint/2010/main" val="3898556882"/>
+      </p:ext>
+    </p:extLst>
+  </p:cSld>
+  <p:clrMapOvr>
+    <a:masterClrMapping/>
+  </p:clrMapOvr>
+</p:sld>
+</file>
+
+<file path=ppt/slides/slide2.xml><?xml version="1.0" encoding="utf-8"?>
+<p:sld xmlns:a="http://schemas.openxmlformats.org/drawingml/2006/main" xmlns:r="http://schemas.openxmlformats.org/officeDocument/2006/relationships" xmlns:p="http://schemas.openxmlformats.org/presentationml/2006/main">
+  <p:cSld>
+    <p:spTree>
+      <p:nvGrpSpPr>
+        <p:cNvPr id="1" name="Shape 212"/>
+        <p:cNvGrpSpPr/>
+        <p:nvPr/>
+      </p:nvGrpSpPr>
+      <p:grpSpPr>
+        <a:xfrm>
+          <a:off x="0" y="0"/>
+          <a:ext cx="0" cy="0"/>
+          <a:chOff x="0" y="0"/>
+          <a:chExt cx="0" cy="0"/>
+        </a:xfrm>
+      </p:grpSpPr>
+      <p:sp>
+        <p:nvSpPr>
+          <p:cNvPr id="213" name="Google Shape;213;p2"/>
+          <p:cNvSpPr txBox="1"/>
+          <p:nvPr/>
+        </p:nvSpPr>
+        <p:spPr>
+          <a:xfrm>
+            <a:off x="3785914" y="2228671"/>
+            <a:ext cx="4620176" cy="1200329"/>
+          </a:xfrm>
+          <a:prstGeom prst="rect">
+            <a:avLst/>
+          </a:prstGeom>
+          <a:noFill/>
+          <a:ln>
+            <a:noFill/>
+          </a:ln>
+        </p:spPr>
+        <p:txBody>
+          <a:bodyPr spcFirstLastPara="1" wrap="square" lIns="91425" tIns="45700" rIns="91425" bIns="45700" anchor="t" anchorCtr="0">
+            <a:spAutoFit/>
+          </a:bodyPr>
+          <a:lstStyle/>
+          <a:p>
+            <a:pPr marL="0" marR="0" lvl="0" indent="0" algn="ctr" rtl="0">
+              <a:spcBef>
+                <a:spcPts val="0"/>
+              </a:spcBef>
+              <a:spcAft>
+                <a:spcPts val="0"/>
+              </a:spcAft>
+              <a:buNone/>
+            </a:pPr>
+            <a:r>
+              <a:rPr lang="es-ES" sz="7200">
+                <a:solidFill>
+                  <a:schemeClr val="dk1"/>
+                </a:solidFill>
+                <a:latin typeface="Work Sans Light"/>
+                <a:ea typeface="Work Sans Light"/>
+                <a:cs typeface="Work Sans Light"/>
+                <a:sym typeface="Work Sans Light"/>
+              </a:rPr>
+              <a:t>Contenido</a:t>
+            </a:r>
+            <a:endParaRPr/>
+          </a:p>
+        </p:txBody>
+      </p:sp>
+      <p:cxnSp>
+        <p:nvCxnSpPr>
+          <p:cNvPr id="214" name="Google Shape;214;p2"/>
+          <p:cNvCxnSpPr/>
+          <p:nvPr/>
+        </p:nvCxnSpPr>
+        <p:spPr>
+          <a:xfrm>
+            <a:off x="5227899" y="3321934"/>
+            <a:ext cx="1736203" cy="0"/>
+          </a:xfrm>
+          <a:prstGeom prst="straightConnector1">
+            <a:avLst/>
+          </a:prstGeom>
+          <a:noFill/>
+          <a:ln w="9525" cap="flat" cmpd="sng">
+            <a:solidFill>
+              <a:srgbClr val="38AA00"/>
+            </a:solidFill>
+            <a:prstDash val="solid"/>
+            <a:miter lim="800000"/>
+            <a:headEnd type="none" w="sm" len="sm"/>
+            <a:tailEnd type="none" w="sm" len="sm"/>
+          </a:ln>
+        </p:spPr>
+      </p:cxnSp>
+      <p:sp>
+        <p:nvSpPr>
+          <p:cNvPr id="215" name="Google Shape;215;p2"/>
+          <p:cNvSpPr txBox="1"/>
+          <p:nvPr/>
+        </p:nvSpPr>
+        <p:spPr>
+          <a:xfrm>
+            <a:off x="4168816" y="3463724"/>
+            <a:ext cx="3854368" cy="1569620"/>
+          </a:xfrm>
+          <a:prstGeom prst="rect">
+            <a:avLst/>
+          </a:prstGeom>
+          <a:noFill/>
+          <a:ln>
+            <a:noFill/>
+          </a:ln>
+        </p:spPr>
+        <p:txBody>
+          <a:bodyPr spcFirstLastPara="1" wrap="square" lIns="91425" tIns="45700" rIns="91425" bIns="45700" anchor="t" anchorCtr="0">
+            <a:spAutoFit/>
+          </a:bodyPr>
+          <a:lstStyle/>
+          <a:p>
+            <a:pPr marL="0" marR="0" lvl="0" indent="0" algn="ctr" rtl="0">
+              <a:spcBef>
+                <a:spcPts val="0"/>
+              </a:spcBef>
+              <a:spcAft>
+                <a:spcPts val="0"/>
+              </a:spcAft>
+              <a:buNone/>
+            </a:pPr>
+            <a:r>
+              <a:rPr lang="es-ES" sz="1600" dirty="0">
+                <a:solidFill>
+                  <a:schemeClr val="dk1"/>
+                </a:solidFill>
+                <a:latin typeface="Work Sans Light"/>
+                <a:ea typeface="Work Sans Light"/>
+                <a:cs typeface="Work Sans Light"/>
+                <a:sym typeface="Work Sans Light"/>
+              </a:rPr>
+              <a:t>Objetivo del proyecto</a:t>
+            </a:r>
+          </a:p>
+          <a:p>
+            <a:pPr marL="0" marR="0" lvl="0" indent="0" algn="ctr" rtl="0">
+              <a:spcBef>
+                <a:spcPts val="0"/>
+              </a:spcBef>
+              <a:spcAft>
+                <a:spcPts val="0"/>
+              </a:spcAft>
+              <a:buNone/>
+            </a:pPr>
+            <a:r>
+              <a:rPr lang="es-ES" sz="1600" dirty="0">
+                <a:solidFill>
+                  <a:schemeClr val="dk1"/>
+                </a:solidFill>
+                <a:latin typeface="Work Sans Light"/>
+                <a:ea typeface="Work Sans Light"/>
+                <a:cs typeface="Work Sans Light"/>
+                <a:sym typeface="Work Sans Light"/>
+              </a:rPr>
+              <a:t>Diseño de la base de datos</a:t>
+            </a:r>
+          </a:p>
+          <a:p>
+            <a:pPr marL="0" marR="0" lvl="0" indent="0" algn="ctr" rtl="0">
+              <a:spcBef>
+                <a:spcPts val="0"/>
+              </a:spcBef>
+              <a:spcAft>
+                <a:spcPts val="0"/>
+              </a:spcAft>
+              <a:buNone/>
+            </a:pPr>
+            <a:r>
+              <a:rPr lang="es-ES" sz="1600" dirty="0">
+                <a:solidFill>
+                  <a:schemeClr val="dk1"/>
+                </a:solidFill>
+                <a:latin typeface="Work Sans Light"/>
+                <a:ea typeface="Work Sans Light"/>
+                <a:cs typeface="Work Sans Light"/>
+                <a:sym typeface="Work Sans Light"/>
+              </a:rPr>
+              <a:t>Software utilizado</a:t>
+            </a:r>
+          </a:p>
+          <a:p>
+            <a:pPr marL="0" marR="0" lvl="0" indent="0" algn="ctr" rtl="0">
+              <a:spcBef>
+                <a:spcPts val="0"/>
+              </a:spcBef>
+              <a:spcAft>
+                <a:spcPts val="0"/>
+              </a:spcAft>
+              <a:buNone/>
+            </a:pPr>
+            <a:r>
+              <a:rPr lang="es-ES" sz="1600" dirty="0">
+                <a:solidFill>
+                  <a:schemeClr val="dk1"/>
+                </a:solidFill>
+                <a:latin typeface="Work Sans Light"/>
+                <a:ea typeface="Work Sans Light"/>
+                <a:cs typeface="Work Sans Light"/>
+                <a:sym typeface="Work Sans Light"/>
+              </a:rPr>
+              <a:t>Ordenamiento de carpetas</a:t>
+            </a:r>
+          </a:p>
+          <a:p>
+            <a:pPr marL="0" marR="0" lvl="0" indent="0" algn="ctr" rtl="0">
+              <a:spcBef>
+                <a:spcPts val="0"/>
+              </a:spcBef>
+              <a:spcAft>
+                <a:spcPts val="0"/>
+              </a:spcAft>
+              <a:buNone/>
+            </a:pPr>
+            <a:r>
+              <a:rPr lang="es-ES" sz="1600" dirty="0">
+                <a:solidFill>
+                  <a:schemeClr val="dk1"/>
+                </a:solidFill>
+                <a:latin typeface="Work Sans Light"/>
+                <a:sym typeface="Work Sans Light"/>
+              </a:rPr>
+              <a:t>Funcionalidades</a:t>
+            </a:r>
+          </a:p>
+          <a:p>
+            <a:pPr marL="0" marR="0" lvl="0" indent="0" algn="ctr" rtl="0">
+              <a:spcBef>
+                <a:spcPts val="0"/>
+              </a:spcBef>
+              <a:spcAft>
+                <a:spcPts val="0"/>
+              </a:spcAft>
+              <a:buNone/>
+            </a:pPr>
+            <a:r>
+              <a:rPr lang="es-ES" sz="1600" dirty="0">
+                <a:solidFill>
+                  <a:schemeClr val="dk1"/>
+                </a:solidFill>
+                <a:latin typeface="Work Sans Light"/>
+                <a:sym typeface="Work Sans Light"/>
+              </a:rPr>
+              <a:t>Reglas del negocio (pruebas)</a:t>
+            </a:r>
+            <a:endParaRPr lang="es-ES" sz="1600" dirty="0">
+              <a:solidFill>
+                <a:schemeClr val="dk1"/>
+              </a:solidFill>
+              <a:latin typeface="Work Sans Light"/>
+            </a:endParaRPr>
+          </a:p>
+        </p:txBody>
+      </p:sp>
+    </p:spTree>
+  </p:cSld>
+  <p:clrMapOvr>
+    <a:masterClrMapping/>
+  </p:clrMapOvr>
+</p:sld>
+</file>
+
+<file path=ppt/slides/slide3.xml><?xml version="1.0" encoding="utf-8"?>
+<p:sld xmlns:a="http://schemas.openxmlformats.org/drawingml/2006/main" xmlns:r="http://schemas.openxmlformats.org/officeDocument/2006/relationships" xmlns:p="http://schemas.openxmlformats.org/presentationml/2006/main">
+  <p:cSld>
+    <p:bg>
+      <p:bgPr>
+        <a:blipFill>
+          <a:blip r:embed="rId2" cstate="email">
+            <a:extLst>
+              <a:ext uri="{28A0092B-C50C-407E-A947-70E740481C1C}">
+                <a14:useLocalDpi xmlns:a14="http://schemas.microsoft.com/office/drawing/2010/main"/>
+              </a:ext>
+            </a:extLst>
+          </a:blip>
+          <a:stretch>
+            <a:fillRect/>
+          </a:stretch>
+        </a:blipFill>
+        <a:effectLst/>
+      </p:bgPr>
+    </p:bg>
+    <p:spTree>
+      <p:nvGrpSpPr>
+        <p:cNvPr id="1" name=""/>
+        <p:cNvGrpSpPr/>
+        <p:nvPr/>
+      </p:nvGrpSpPr>
+      <p:grpSpPr>
+        <a:xfrm>
+          <a:off x="0" y="0"/>
+          <a:ext cx="0" cy="0"/>
+          <a:chOff x="0" y="0"/>
+          <a:chExt cx="0" cy="0"/>
+        </a:xfrm>
+      </p:grpSpPr>
+      <p:sp>
+        <p:nvSpPr>
+          <p:cNvPr id="2" name="Título 1">
+            <a:extLst>
+              <a:ext uri="{FF2B5EF4-FFF2-40B4-BE49-F238E27FC236}">
+                <a16:creationId xmlns:a16="http://schemas.microsoft.com/office/drawing/2014/main" id="{BFF67CBC-1536-A090-A5B5-FE205F3AF4AD}"/>
+              </a:ext>
+            </a:extLst>
+          </p:cNvPr>
+          <p:cNvSpPr txBox="1">
+            <a:spLocks/>
+          </p:cNvSpPr>
+          <p:nvPr/>
+        </p:nvSpPr>
+        <p:spPr>
+          <a:xfrm>
+            <a:off x="456236" y="457723"/>
+            <a:ext cx="10611814" cy="676598"/>
+          </a:xfrm>
+          <a:prstGeom prst="rect">
+            <a:avLst/>
+          </a:prstGeom>
+        </p:spPr>
+        <p:txBody>
+          <a:bodyPr/>
+          <a:lstStyle>
+            <a:lvl1pPr algn="l" defTabSz="914400" rtl="0" eaLnBrk="1" latinLnBrk="0" hangingPunct="1">
+              <a:lnSpc>
+                <a:spcPct val="90000"/>
+              </a:lnSpc>
+              <a:spcBef>
+                <a:spcPct val="0"/>
+              </a:spcBef>
+              <a:buNone/>
+              <a:defRPr sz="4400" kern="1200">
+                <a:solidFill>
+                  <a:schemeClr val="tx1"/>
+                </a:solidFill>
+                <a:latin typeface="+mj-lt"/>
+                <a:ea typeface="+mj-ea"/>
+                <a:cs typeface="+mj-cs"/>
+              </a:defRPr>
+            </a:lvl1pPr>
+          </a:lstStyle>
+          <a:p>
+            <a:pPr lvl="0">
+              <a:buClrTx/>
+              <a:defRPr/>
+            </a:pPr>
+            <a:r>
+              <a:rPr lang="es-ES" dirty="0">
+                <a:solidFill>
+                  <a:prstClr val="black">
+                    <a:lumMod val="95000"/>
+                    <a:lumOff val="5000"/>
+                  </a:prstClr>
+                </a:solidFill>
+                <a:latin typeface="Work Sans Medium" pitchFamily="2" charset="77"/>
+              </a:rPr>
+              <a:t>Objetivo general</a:t>
+            </a:r>
+          </a:p>
+        </p:txBody>
+      </p:sp>
+      <p:sp>
+        <p:nvSpPr>
+          <p:cNvPr id="5" name="Rectángulo 4">
+            <a:extLst>
+              <a:ext uri="{FF2B5EF4-FFF2-40B4-BE49-F238E27FC236}">
+                <a16:creationId xmlns:a16="http://schemas.microsoft.com/office/drawing/2014/main" id="{570031A7-F441-46C3-BA86-83ABC8EDD32B}"/>
+              </a:ext>
+            </a:extLst>
+          </p:cNvPr>
+          <p:cNvSpPr/>
+          <p:nvPr/>
+        </p:nvSpPr>
+        <p:spPr>
+          <a:xfrm>
+            <a:off x="456236" y="1518573"/>
+            <a:ext cx="9966036" cy="3820854"/>
+          </a:xfrm>
+          <a:prstGeom prst="rect">
+            <a:avLst/>
+          </a:prstGeom>
+        </p:spPr>
+        <p:txBody>
+          <a:bodyPr wrap="square">
+            <a:spAutoFit/>
+          </a:bodyPr>
+          <a:lstStyle/>
+          <a:p>
+            <a:pPr>
+              <a:lnSpc>
+                <a:spcPct val="107000"/>
+              </a:lnSpc>
+              <a:spcAft>
+                <a:spcPts val="800"/>
+              </a:spcAft>
+            </a:pPr>
+            <a:r>
+              <a:rPr lang="es-CO" dirty="0">
+                <a:latin typeface="Aptos"/>
+                <a:ea typeface="Aptos"/>
+                <a:cs typeface="Times New Roman" panose="02020603050405020304" pitchFamily="18" charset="0"/>
+              </a:rPr>
+              <a:t> </a:t>
+            </a:r>
+            <a:r>
+              <a:rPr lang="es-CO" sz="3600" dirty="0">
+                <a:latin typeface="Work Sans" panose="020B0604020202020204" charset="0"/>
+                <a:ea typeface="Aptos"/>
+                <a:cs typeface="Times New Roman" panose="02020603050405020304" pitchFamily="18" charset="0"/>
+              </a:rPr>
+              <a:t>Construir un sistema de información para la tienda Stunt Raiders, ubicada en la ciudad de </a:t>
+            </a:r>
+          </a:p>
+          <a:p>
+            <a:pPr>
+              <a:lnSpc>
+                <a:spcPct val="107000"/>
+              </a:lnSpc>
+              <a:spcAft>
+                <a:spcPts val="800"/>
+              </a:spcAft>
+            </a:pPr>
+            <a:endParaRPr lang="es-CO" sz="3600" dirty="0">
+              <a:latin typeface="Work Sans" panose="020B0604020202020204" charset="0"/>
+              <a:ea typeface="Aptos"/>
+              <a:cs typeface="Times New Roman" panose="02020603050405020304" pitchFamily="18" charset="0"/>
+            </a:endParaRPr>
+          </a:p>
+          <a:p>
+            <a:pPr marR="41910">
+              <a:lnSpc>
+                <a:spcPct val="107000"/>
+              </a:lnSpc>
+              <a:spcAft>
+                <a:spcPts val="2030"/>
+              </a:spcAft>
+            </a:pPr>
+            <a:r>
+              <a:rPr lang="es-CO" sz="3600" dirty="0">
+                <a:latin typeface="Work Sans" panose="020B0604020202020204" charset="0"/>
+                <a:ea typeface="Aptos"/>
+                <a:cs typeface="Times New Roman" panose="02020603050405020304" pitchFamily="18" charset="0"/>
+              </a:rPr>
+              <a:t>Bogotá, localidad Santafé orientado a la web. </a:t>
+            </a:r>
+          </a:p>
+        </p:txBody>
+      </p:sp>
+    </p:spTree>
+    <p:extLst>
+      <p:ext uri="{BB962C8B-B14F-4D97-AF65-F5344CB8AC3E}">
+        <p14:creationId xmlns:p14="http://schemas.microsoft.com/office/powerpoint/2010/main" val="3611631886"/>
+      </p:ext>
+    </p:extLst>
+  </p:cSld>
+  <p:clrMapOvr>
+    <a:masterClrMapping/>
+  </p:clrMapOvr>
+</p:sld>
+</file>
+
+<file path=ppt/slides/slide4.xml><?xml version="1.0" encoding="utf-8"?>
+<p:sld xmlns:a="http://schemas.openxmlformats.org/drawingml/2006/main" xmlns:r="http://schemas.openxmlformats.org/officeDocument/2006/relationships" xmlns:p="http://schemas.openxmlformats.org/presentationml/2006/main">
+  <p:cSld>
+    <p:bg>
+      <p:bgPr>
+        <a:blipFill dpi="0" rotWithShape="1">
+          <a:blip r:embed="rId2" cstate="email">
+            <a:lum/>
+            <a:extLst>
+              <a:ext uri="{28A0092B-C50C-407E-A947-70E740481C1C}">
+                <a14:useLocalDpi xmlns:a14="http://schemas.microsoft.com/office/drawing/2010/main"/>
+              </a:ext>
+            </a:extLst>
+          </a:blip>
+          <a:srcRect/>
+          <a:stretch>
+            <a:fillRect/>
+          </a:stretch>
+        </a:blipFill>
+        <a:effectLst/>
+      </p:bgPr>
+    </p:bg>
+    <p:spTree>
+      <p:nvGrpSpPr>
+        <p:cNvPr id="1" name=""/>
+        <p:cNvGrpSpPr/>
+        <p:nvPr/>
+      </p:nvGrpSpPr>
+      <p:grpSpPr>
+        <a:xfrm>
+          <a:off x="0" y="0"/>
+          <a:ext cx="0" cy="0"/>
+          <a:chOff x="0" y="0"/>
+          <a:chExt cx="0" cy="0"/>
+        </a:xfrm>
+      </p:grpSpPr>
+      <p:sp>
+        <p:nvSpPr>
+          <p:cNvPr id="3" name="Título 1">
+            <a:extLst>
+              <a:ext uri="{FF2B5EF4-FFF2-40B4-BE49-F238E27FC236}">
+                <a16:creationId xmlns:a16="http://schemas.microsoft.com/office/drawing/2014/main" id="{62CAF686-2B1F-2A4A-A0F2-CAE3CF59E65B}"/>
+              </a:ext>
+            </a:extLst>
+          </p:cNvPr>
+          <p:cNvSpPr txBox="1">
+            <a:spLocks/>
+          </p:cNvSpPr>
+          <p:nvPr/>
+        </p:nvSpPr>
+        <p:spPr>
+          <a:xfrm>
+            <a:off x="456236" y="416689"/>
+            <a:ext cx="7847255" cy="741563"/>
+          </a:xfrm>
+          <a:prstGeom prst="rect">
+            <a:avLst/>
+          </a:prstGeom>
+        </p:spPr>
+        <p:txBody>
+          <a:bodyPr/>
+          <a:lstStyle>
+            <a:lvl1pPr algn="l" defTabSz="914400" rtl="0" eaLnBrk="1" latinLnBrk="0" hangingPunct="1">
+              <a:lnSpc>
+                <a:spcPct val="90000"/>
+              </a:lnSpc>
+              <a:spcBef>
+                <a:spcPct val="0"/>
+              </a:spcBef>
+              <a:buNone/>
+              <a:defRPr sz="4400" kern="1200">
+                <a:solidFill>
+                  <a:schemeClr val="tx1"/>
+                </a:solidFill>
+                <a:latin typeface="+mj-lt"/>
+                <a:ea typeface="+mj-ea"/>
+                <a:cs typeface="+mj-cs"/>
+              </a:defRPr>
+            </a:lvl1pPr>
+          </a:lstStyle>
+          <a:p>
+            <a:pPr lvl="0">
+              <a:buClrTx/>
+              <a:defRPr/>
+            </a:pPr>
+            <a:r>
+              <a:rPr lang="es-CO" dirty="0">
+                <a:solidFill>
+                  <a:prstClr val="white"/>
+                </a:solidFill>
+                <a:latin typeface="Work Sans Medium" pitchFamily="2" charset="77"/>
+              </a:rPr>
+              <a:t>Diseño de la base de datos</a:t>
+            </a:r>
+          </a:p>
+          <a:p>
+            <a:pPr marL="0" marR="0" lvl="0" indent="0" algn="l" defTabSz="914400" rtl="0" eaLnBrk="1" fontAlgn="auto" latinLnBrk="0" hangingPunct="1">
+              <a:lnSpc>
+                <a:spcPct val="90000"/>
+              </a:lnSpc>
+              <a:spcBef>
+                <a:spcPct val="0"/>
+              </a:spcBef>
+              <a:spcAft>
+                <a:spcPts val="0"/>
+              </a:spcAft>
+              <a:buClrTx/>
+              <a:buSzTx/>
+              <a:buFontTx/>
+              <a:buNone/>
+              <a:tabLst/>
+              <a:defRPr/>
+            </a:pPr>
+            <a:endParaRPr kumimoji="0" lang="es-CO" sz="4400" b="0" i="0" u="none" strike="noStrike" kern="1200" cap="none" spc="0" normalizeH="0" baseline="0" noProof="0" dirty="0">
+              <a:ln>
+                <a:noFill/>
+              </a:ln>
+              <a:solidFill>
+                <a:prstClr val="white"/>
+              </a:solidFill>
+              <a:effectLst/>
+              <a:uLnTx/>
+              <a:uFillTx/>
+              <a:latin typeface="Work Sans Medium" pitchFamily="2" charset="77"/>
+              <a:ea typeface="+mj-ea"/>
+              <a:cs typeface="+mj-cs"/>
+            </a:endParaRPr>
+          </a:p>
+        </p:txBody>
+      </p:sp>
+    </p:spTree>
+    <p:extLst>
+      <p:ext uri="{BB962C8B-B14F-4D97-AF65-F5344CB8AC3E}">
+        <p14:creationId xmlns:p14="http://schemas.microsoft.com/office/powerpoint/2010/main" val="4190175706"/>
+      </p:ext>
+    </p:extLst>
+  </p:cSld>
+  <p:clrMapOvr>
+    <a:masterClrMapping/>
+  </p:clrMapOvr>
+</p:sld>
+</file>
+
+<file path=ppt/slides/slide5.xml><?xml version="1.0" encoding="utf-8"?>
+<p:sld xmlns:a="http://schemas.openxmlformats.org/drawingml/2006/main" xmlns:r="http://schemas.openxmlformats.org/officeDocument/2006/relationships" xmlns:p="http://schemas.openxmlformats.org/presentationml/2006/main">
+  <p:cSld>
+    <p:bg>
+      <p:bgPr>
+        <a:blipFill>
+          <a:blip r:embed="rId2" cstate="email">
+            <a:extLst>
+              <a:ext uri="{28A0092B-C50C-407E-A947-70E740481C1C}">
+                <a14:useLocalDpi xmlns:a14="http://schemas.microsoft.com/office/drawing/2010/main"/>
+              </a:ext>
+            </a:extLst>
+          </a:blip>
+          <a:stretch>
+            <a:fillRect/>
+          </a:stretch>
+        </a:blipFill>
+        <a:effectLst/>
+      </p:bgPr>
+    </p:bg>
+    <p:spTree>
+      <p:nvGrpSpPr>
+        <p:cNvPr id="1" name=""/>
+        <p:cNvGrpSpPr/>
+        <p:nvPr/>
+      </p:nvGrpSpPr>
+      <p:grpSpPr>
+        <a:xfrm>
+          <a:off x="0" y="0"/>
+          <a:ext cx="0" cy="0"/>
+          <a:chOff x="0" y="0"/>
+          <a:chExt cx="0" cy="0"/>
+        </a:xfrm>
+      </p:grpSpPr>
+      <p:sp>
+        <p:nvSpPr>
+          <p:cNvPr id="2" name="Título 1">
+            <a:extLst>
+              <a:ext uri="{FF2B5EF4-FFF2-40B4-BE49-F238E27FC236}">
+                <a16:creationId xmlns:a16="http://schemas.microsoft.com/office/drawing/2014/main" id="{BFF67CBC-1536-A090-A5B5-FE205F3AF4AD}"/>
+              </a:ext>
+            </a:extLst>
+          </p:cNvPr>
+          <p:cNvSpPr txBox="1">
+            <a:spLocks/>
+          </p:cNvSpPr>
+          <p:nvPr/>
+        </p:nvSpPr>
+        <p:spPr>
+          <a:xfrm>
+            <a:off x="456236" y="457723"/>
+            <a:ext cx="10611814" cy="676598"/>
+          </a:xfrm>
+          <a:prstGeom prst="rect">
+            <a:avLst/>
+          </a:prstGeom>
+        </p:spPr>
+        <p:txBody>
+          <a:bodyPr/>
+          <a:lstStyle>
+            <a:lvl1pPr algn="l" defTabSz="914400" rtl="0" eaLnBrk="1" latinLnBrk="0" hangingPunct="1">
+              <a:lnSpc>
+                <a:spcPct val="90000"/>
+              </a:lnSpc>
+              <a:spcBef>
+                <a:spcPct val="0"/>
+              </a:spcBef>
+              <a:buNone/>
+              <a:defRPr sz="4400" kern="1200">
+                <a:solidFill>
+                  <a:schemeClr val="tx1"/>
+                </a:solidFill>
+                <a:latin typeface="+mj-lt"/>
+                <a:ea typeface="+mj-ea"/>
+                <a:cs typeface="+mj-cs"/>
+              </a:defRPr>
+            </a:lvl1pPr>
+          </a:lstStyle>
+          <a:p>
+            <a:pPr lvl="0">
+              <a:buClrTx/>
+              <a:defRPr/>
+            </a:pPr>
+            <a:r>
+              <a:rPr lang="es-ES" dirty="0">
+                <a:solidFill>
+                  <a:prstClr val="black">
+                    <a:lumMod val="95000"/>
+                    <a:lumOff val="5000"/>
+                  </a:prstClr>
+                </a:solidFill>
+                <a:latin typeface="Work Sans Medium" pitchFamily="2" charset="77"/>
+              </a:rPr>
+              <a:t>Base de datos</a:t>
+            </a:r>
+          </a:p>
+        </p:txBody>
+      </p:sp>
+      <p:sp>
+        <p:nvSpPr>
+          <p:cNvPr id="4" name="Rectángulo 3">
+            <a:extLst>
+              <a:ext uri="{FF2B5EF4-FFF2-40B4-BE49-F238E27FC236}">
+                <a16:creationId xmlns:a16="http://schemas.microsoft.com/office/drawing/2014/main" id="{62D870C7-B3A5-47C2-BB1B-8FC0B365A743}"/>
+              </a:ext>
+            </a:extLst>
+          </p:cNvPr>
+          <p:cNvSpPr/>
+          <p:nvPr/>
+        </p:nvSpPr>
+        <p:spPr>
+          <a:xfrm>
+            <a:off x="329038" y="5609410"/>
+            <a:ext cx="9762299" cy="707886"/>
+          </a:xfrm>
+          <a:prstGeom prst="rect">
+            <a:avLst/>
+          </a:prstGeom>
+        </p:spPr>
+        <p:txBody>
+          <a:bodyPr wrap="square">
+            <a:spAutoFit/>
+          </a:bodyPr>
+          <a:lstStyle/>
+          <a:p>
+            <a:pPr lvl="0">
+              <a:buClrTx/>
+              <a:defRPr/>
+            </a:pPr>
+            <a:endParaRPr lang="es-ES" sz="2000" kern="1200" dirty="0">
+              <a:solidFill>
+                <a:prstClr val="black"/>
+              </a:solidFill>
+              <a:latin typeface="Work Sans Light" pitchFamily="2" charset="77"/>
+              <a:ea typeface="+mn-ea"/>
+              <a:cs typeface="+mn-cs"/>
+            </a:endParaRPr>
+          </a:p>
+          <a:p>
+            <a:pPr lvl="0">
+              <a:buClrTx/>
+              <a:defRPr/>
+            </a:pPr>
+            <a:r>
+              <a:rPr lang="es-ES" sz="2000" kern="1200" dirty="0">
+                <a:solidFill>
+                  <a:prstClr val="black"/>
+                </a:solidFill>
+                <a:latin typeface="Work Sans Light" pitchFamily="2" charset="77"/>
+                <a:ea typeface="+mn-ea"/>
+                <a:cs typeface="+mn-cs"/>
+              </a:rPr>
+              <a:t>Tiempo: Explicación máximo 2 min.</a:t>
+            </a:r>
+          </a:p>
+        </p:txBody>
+      </p:sp>
+      <p:pic>
+        <p:nvPicPr>
+          <p:cNvPr id="3" name="Imagen 2">
+            <a:extLst>
+              <a:ext uri="{FF2B5EF4-FFF2-40B4-BE49-F238E27FC236}">
+                <a16:creationId xmlns:a16="http://schemas.microsoft.com/office/drawing/2014/main" id="{0D0664F4-5E81-42A6-93D9-2B4C7017BE1B}"/>
+              </a:ext>
+            </a:extLst>
+          </p:cNvPr>
+          <p:cNvPicPr>
+            <a:picLocks noChangeAspect="1"/>
+          </p:cNvPicPr>
+          <p:nvPr/>
+        </p:nvPicPr>
+        <p:blipFill>
+          <a:blip r:embed="rId3"/>
+          <a:stretch>
+            <a:fillRect/>
+          </a:stretch>
+        </p:blipFill>
+        <p:spPr>
+          <a:xfrm>
+            <a:off x="329038" y="1330283"/>
+            <a:ext cx="10239316" cy="4613317"/>
+          </a:xfrm>
+          <a:prstGeom prst="rect">
+            <a:avLst/>
+          </a:prstGeom>
+        </p:spPr>
+      </p:pic>
+    </p:spTree>
+    <p:extLst>
+      <p:ext uri="{BB962C8B-B14F-4D97-AF65-F5344CB8AC3E}">
+        <p14:creationId xmlns:p14="http://schemas.microsoft.com/office/powerpoint/2010/main" val="3121262498"/>
+      </p:ext>
+    </p:extLst>
+  </p:cSld>
+  <p:clrMapOvr>
+    <a:masterClrMapping/>
+  </p:clrMapOvr>
+</p:sld>
+</file>
+
+<file path=ppt/slides/slide6.xml><?xml version="1.0" encoding="utf-8"?>
+<p:sld xmlns:a="http://schemas.openxmlformats.org/drawingml/2006/main" xmlns:r="http://schemas.openxmlformats.org/officeDocument/2006/relationships" xmlns:p="http://schemas.openxmlformats.org/presentationml/2006/main">
+  <p:cSld>
+    <p:bg>
+      <p:bgPr>
+        <a:blipFill dpi="0" rotWithShape="1">
+          <a:blip r:embed="rId2" cstate="email">
+            <a:lum/>
+            <a:extLst>
+              <a:ext uri="{28A0092B-C50C-407E-A947-70E740481C1C}">
+                <a14:useLocalDpi xmlns:a14="http://schemas.microsoft.com/office/drawing/2010/main"/>
+              </a:ext>
+            </a:extLst>
+          </a:blip>
+          <a:srcRect/>
+          <a:stretch>
+            <a:fillRect/>
+          </a:stretch>
+        </a:blipFill>
+        <a:effectLst/>
+      </p:bgPr>
+    </p:bg>
+    <p:spTree>
+      <p:nvGrpSpPr>
+        <p:cNvPr id="1" name=""/>
+        <p:cNvGrpSpPr/>
+        <p:nvPr/>
+      </p:nvGrpSpPr>
+      <p:grpSpPr>
+        <a:xfrm>
+          <a:off x="0" y="0"/>
+          <a:ext cx="0" cy="0"/>
+          <a:chOff x="0" y="0"/>
+          <a:chExt cx="0" cy="0"/>
+        </a:xfrm>
+      </p:grpSpPr>
+      <p:sp>
+        <p:nvSpPr>
+          <p:cNvPr id="3" name="Título 1">
+            <a:extLst>
+              <a:ext uri="{FF2B5EF4-FFF2-40B4-BE49-F238E27FC236}">
+                <a16:creationId xmlns:a16="http://schemas.microsoft.com/office/drawing/2014/main" id="{62CAF686-2B1F-2A4A-A0F2-CAE3CF59E65B}"/>
+              </a:ext>
+            </a:extLst>
+          </p:cNvPr>
+          <p:cNvSpPr txBox="1">
+            <a:spLocks/>
+          </p:cNvSpPr>
+          <p:nvPr/>
+        </p:nvSpPr>
+        <p:spPr>
+          <a:xfrm>
+            <a:off x="456236" y="416689"/>
+            <a:ext cx="10515600" cy="741563"/>
+          </a:xfrm>
+          <a:prstGeom prst="rect">
+            <a:avLst/>
+          </a:prstGeom>
+        </p:spPr>
+        <p:txBody>
+          <a:bodyPr/>
+          <a:lstStyle>
+            <a:lvl1pPr algn="l" defTabSz="914400" rtl="0" eaLnBrk="1" latinLnBrk="0" hangingPunct="1">
+              <a:lnSpc>
+                <a:spcPct val="90000"/>
+              </a:lnSpc>
+              <a:spcBef>
+                <a:spcPct val="0"/>
+              </a:spcBef>
+              <a:buNone/>
+              <a:defRPr sz="4400" kern="1200">
+                <a:solidFill>
+                  <a:schemeClr val="tx1"/>
+                </a:solidFill>
+                <a:latin typeface="+mj-lt"/>
+                <a:ea typeface="+mj-ea"/>
+                <a:cs typeface="+mj-cs"/>
+              </a:defRPr>
+            </a:lvl1pPr>
+          </a:lstStyle>
+          <a:p>
+            <a:pPr lvl="0">
+              <a:buClrTx/>
+              <a:defRPr/>
+            </a:pPr>
+            <a:r>
+              <a:rPr lang="es-CO" dirty="0">
+                <a:solidFill>
+                  <a:prstClr val="white"/>
+                </a:solidFill>
+                <a:latin typeface="Work Sans Medium" pitchFamily="2" charset="77"/>
+              </a:rPr>
+              <a:t>Herramientas o software utilizado</a:t>
+            </a:r>
+          </a:p>
+          <a:p>
+            <a:pPr marL="0" marR="0" lvl="0" indent="0" algn="l" defTabSz="914400" rtl="0" eaLnBrk="1" fontAlgn="auto" latinLnBrk="0" hangingPunct="1">
+              <a:lnSpc>
+                <a:spcPct val="90000"/>
+              </a:lnSpc>
+              <a:spcBef>
+                <a:spcPct val="0"/>
+              </a:spcBef>
+              <a:spcAft>
+                <a:spcPts val="0"/>
+              </a:spcAft>
+              <a:buClrTx/>
+              <a:buSzTx/>
+              <a:buFontTx/>
+              <a:buNone/>
+              <a:tabLst/>
+              <a:defRPr/>
+            </a:pPr>
+            <a:endParaRPr kumimoji="0" lang="es-CO" sz="4400" b="0" i="0" u="none" strike="noStrike" kern="1200" cap="none" spc="0" normalizeH="0" baseline="0" noProof="0" dirty="0">
+              <a:ln>
+                <a:noFill/>
+              </a:ln>
+              <a:solidFill>
+                <a:prstClr val="white"/>
+              </a:solidFill>
+              <a:effectLst/>
+              <a:uLnTx/>
+              <a:uFillTx/>
+              <a:latin typeface="Work Sans Medium" pitchFamily="2" charset="77"/>
+              <a:ea typeface="+mj-ea"/>
+              <a:cs typeface="+mj-cs"/>
+            </a:endParaRPr>
+          </a:p>
+        </p:txBody>
+      </p:sp>
+    </p:spTree>
+    <p:extLst>
+      <p:ext uri="{BB962C8B-B14F-4D97-AF65-F5344CB8AC3E}">
+        <p14:creationId xmlns:p14="http://schemas.microsoft.com/office/powerpoint/2010/main" val="714063256"/>
+      </p:ext>
+    </p:extLst>
+  </p:cSld>
+  <p:clrMapOvr>
+    <a:masterClrMapping/>
+  </p:clrMapOvr>
+</p:sld>
+</file>
+
+<file path=ppt/slides/slide7.xml><?xml version="1.0" encoding="utf-8"?>
+<p:sld xmlns:a="http://schemas.openxmlformats.org/drawingml/2006/main" xmlns:r="http://schemas.openxmlformats.org/officeDocument/2006/relationships" xmlns:p="http://schemas.openxmlformats.org/presentationml/2006/main">
+  <p:cSld>
+    <p:bg>
+      <p:bgPr>
+        <a:blipFill>
+          <a:blip r:embed="rId2" cstate="email">
+            <a:extLst>
+              <a:ext uri="{28A0092B-C50C-407E-A947-70E740481C1C}">
+                <a14:useLocalDpi xmlns:a14="http://schemas.microsoft.com/office/drawing/2010/main"/>
+              </a:ext>
+            </a:extLst>
+          </a:blip>
+          <a:stretch>
+            <a:fillRect/>
+          </a:stretch>
+        </a:blipFill>
+        <a:effectLst/>
+      </p:bgPr>
+    </p:bg>
+    <p:spTree>
+      <p:nvGrpSpPr>
+        <p:cNvPr id="1" name=""/>
+        <p:cNvGrpSpPr/>
+        <p:nvPr/>
+      </p:nvGrpSpPr>
+      <p:grpSpPr>
+        <a:xfrm>
+          <a:off x="0" y="0"/>
+          <a:ext cx="0" cy="0"/>
+          <a:chOff x="0" y="0"/>
+          <a:chExt cx="0" cy="0"/>
+        </a:xfrm>
+      </p:grpSpPr>
+      <p:sp>
+        <p:nvSpPr>
+          <p:cNvPr id="2" name="Título 1">
+            <a:extLst>
+              <a:ext uri="{FF2B5EF4-FFF2-40B4-BE49-F238E27FC236}">
+                <a16:creationId xmlns:a16="http://schemas.microsoft.com/office/drawing/2014/main" id="{BFF67CBC-1536-A090-A5B5-FE205F3AF4AD}"/>
+              </a:ext>
+            </a:extLst>
+          </p:cNvPr>
+          <p:cNvSpPr txBox="1">
+            <a:spLocks/>
+          </p:cNvSpPr>
+          <p:nvPr/>
+        </p:nvSpPr>
+        <p:spPr>
+          <a:xfrm>
+            <a:off x="456236" y="457723"/>
+            <a:ext cx="10611814" cy="676598"/>
+          </a:xfrm>
+          <a:prstGeom prst="rect">
+            <a:avLst/>
+          </a:prstGeom>
+        </p:spPr>
+        <p:txBody>
+          <a:bodyPr/>
+          <a:lstStyle>
+            <a:lvl1pPr algn="l" defTabSz="914400" rtl="0" eaLnBrk="1" latinLnBrk="0" hangingPunct="1">
+              <a:lnSpc>
+                <a:spcPct val="90000"/>
+              </a:lnSpc>
+              <a:spcBef>
+                <a:spcPct val="0"/>
+              </a:spcBef>
+              <a:buNone/>
+              <a:defRPr sz="4400" kern="1200">
+                <a:solidFill>
+                  <a:schemeClr val="tx1"/>
+                </a:solidFill>
+                <a:latin typeface="+mj-lt"/>
+                <a:ea typeface="+mj-ea"/>
+                <a:cs typeface="+mj-cs"/>
+              </a:defRPr>
+            </a:lvl1pPr>
+          </a:lstStyle>
+          <a:p>
+            <a:pPr lvl="0">
+              <a:buClrTx/>
+              <a:defRPr/>
+            </a:pPr>
+            <a:r>
+              <a:rPr lang="es-ES" dirty="0">
+                <a:solidFill>
+                  <a:prstClr val="black">
+                    <a:lumMod val="95000"/>
+                    <a:lumOff val="5000"/>
+                  </a:prstClr>
+                </a:solidFill>
+                <a:latin typeface="Work Sans Medium" pitchFamily="2" charset="77"/>
+              </a:rPr>
+              <a:t>Herramientas o software utilizado</a:t>
+            </a:r>
+          </a:p>
+        </p:txBody>
+      </p:sp>
+      <p:sp>
+        <p:nvSpPr>
+          <p:cNvPr id="4" name="Rectángulo 3">
+            <a:extLst>
+              <a:ext uri="{FF2B5EF4-FFF2-40B4-BE49-F238E27FC236}">
+                <a16:creationId xmlns:a16="http://schemas.microsoft.com/office/drawing/2014/main" id="{62D870C7-B3A5-47C2-BB1B-8FC0B365A743}"/>
+              </a:ext>
+            </a:extLst>
+          </p:cNvPr>
+          <p:cNvSpPr/>
+          <p:nvPr/>
+        </p:nvSpPr>
+        <p:spPr>
+          <a:xfrm>
+            <a:off x="744675" y="1536174"/>
+            <a:ext cx="9762299" cy="4093428"/>
+          </a:xfrm>
+          <a:prstGeom prst="rect">
+            <a:avLst/>
+          </a:prstGeom>
+        </p:spPr>
+        <p:txBody>
+          <a:bodyPr wrap="square">
+            <a:spAutoFit/>
+          </a:bodyPr>
+          <a:lstStyle/>
+          <a:p>
+            <a:pPr lvl="0">
+              <a:buClrTx/>
+              <a:defRPr/>
+            </a:pPr>
+            <a:r>
+              <a:rPr lang="es-ES" sz="2000" kern="1200" dirty="0">
+                <a:solidFill>
+                  <a:prstClr val="black"/>
+                </a:solidFill>
+                <a:latin typeface="Work Sans Light" pitchFamily="2" charset="77"/>
+                <a:ea typeface="+mn-ea"/>
+                <a:cs typeface="+mn-cs"/>
+              </a:rPr>
+              <a:t>Sistema operativo sobre el que opera: Windows 11</a:t>
+            </a:r>
+          </a:p>
+          <a:p>
+            <a:pPr lvl="0">
+              <a:buClrTx/>
+              <a:defRPr/>
+            </a:pPr>
+            <a:r>
+              <a:rPr lang="es-ES" sz="2000" kern="1200" dirty="0">
+                <a:solidFill>
+                  <a:prstClr val="black"/>
+                </a:solidFill>
+                <a:latin typeface="Work Sans Light" pitchFamily="2" charset="77"/>
+                <a:ea typeface="+mn-ea"/>
+                <a:cs typeface="+mn-cs"/>
+              </a:rPr>
+              <a:t>Software Web Server: Infinity free</a:t>
+            </a:r>
+          </a:p>
+          <a:p>
+            <a:pPr lvl="0">
+              <a:buClrTx/>
+              <a:defRPr/>
+            </a:pPr>
+            <a:r>
+              <a:rPr lang="es-ES" sz="2000" kern="1200" dirty="0">
+                <a:solidFill>
+                  <a:prstClr val="black"/>
+                </a:solidFill>
+                <a:latin typeface="Work Sans Light" pitchFamily="2" charset="77"/>
+                <a:ea typeface="+mn-ea"/>
+                <a:cs typeface="+mn-cs"/>
+              </a:rPr>
+              <a:t>Gestor de base de datos relacional: MySQL</a:t>
+            </a:r>
+          </a:p>
+          <a:p>
+            <a:pPr lvl="0">
+              <a:buClrTx/>
+              <a:defRPr/>
+            </a:pPr>
+            <a:r>
+              <a:rPr lang="es-ES" sz="2000" kern="1200" dirty="0">
+                <a:solidFill>
+                  <a:prstClr val="black"/>
+                </a:solidFill>
+                <a:latin typeface="Work Sans Light" pitchFamily="2" charset="77"/>
+                <a:ea typeface="+mn-ea"/>
+                <a:cs typeface="+mn-cs"/>
+              </a:rPr>
+              <a:t>Entorno de desarrollo integrado o Editor de código (definir si es entorno o editor):</a:t>
+            </a:r>
+          </a:p>
+          <a:p>
+            <a:pPr lvl="0">
+              <a:buClrTx/>
+              <a:defRPr/>
+            </a:pPr>
+            <a:r>
+              <a:rPr lang="es-ES" sz="2000" kern="1200" dirty="0">
+                <a:solidFill>
+                  <a:prstClr val="black"/>
+                </a:solidFill>
+                <a:latin typeface="Work Sans Light" pitchFamily="2" charset="77"/>
+                <a:ea typeface="+mn-ea"/>
+                <a:cs typeface="+mn-cs"/>
+              </a:rPr>
+              <a:t>Laravel (si se usaron, definir para que se utiliza ese framework):</a:t>
+            </a:r>
+          </a:p>
+          <a:p>
+            <a:pPr lvl="0">
+              <a:buClrTx/>
+              <a:defRPr/>
+            </a:pPr>
+            <a:r>
+              <a:rPr lang="es-ES" sz="2000" kern="1200" dirty="0">
+                <a:solidFill>
+                  <a:prstClr val="black"/>
+                </a:solidFill>
+                <a:latin typeface="Work Sans Light" pitchFamily="2" charset="77"/>
+              </a:rPr>
+              <a:t>Lenguajes de programación: PHP</a:t>
+            </a:r>
+            <a:endParaRPr lang="es-ES" sz="2000" kern="1200" dirty="0">
+              <a:solidFill>
+                <a:prstClr val="black"/>
+              </a:solidFill>
+              <a:latin typeface="Work Sans Light" pitchFamily="2" charset="77"/>
+              <a:ea typeface="+mn-ea"/>
+              <a:cs typeface="+mn-cs"/>
+            </a:endParaRPr>
+          </a:p>
+          <a:p>
+            <a:pPr lvl="0">
+              <a:buClrTx/>
+              <a:defRPr/>
+            </a:pPr>
+            <a:r>
+              <a:rPr lang="es-ES" sz="2000" kern="1200" dirty="0">
+                <a:solidFill>
+                  <a:prstClr val="black"/>
+                </a:solidFill>
+                <a:latin typeface="Work Sans Light" pitchFamily="2" charset="77"/>
+                <a:ea typeface="+mn-ea"/>
+                <a:cs typeface="+mn-cs"/>
+              </a:rPr>
+              <a:t>Arquitectura: MVC</a:t>
+            </a:r>
+          </a:p>
+          <a:p>
+            <a:pPr lvl="0">
+              <a:buClrTx/>
+              <a:defRPr/>
+            </a:pPr>
+            <a:r>
+              <a:rPr lang="es-ES" sz="2000" kern="1200" dirty="0">
+                <a:solidFill>
+                  <a:prstClr val="black"/>
+                </a:solidFill>
+                <a:latin typeface="Work Sans Light" pitchFamily="2" charset="77"/>
+                <a:ea typeface="+mn-ea"/>
+                <a:cs typeface="+mn-cs"/>
+              </a:rPr>
+              <a:t>Sistema de control de versiones: Git hub – Git desktop</a:t>
+            </a:r>
+          </a:p>
+          <a:p>
+            <a:pPr lvl="0">
+              <a:buClrTx/>
+              <a:defRPr/>
+            </a:pPr>
+            <a:r>
+              <a:rPr lang="es-ES" sz="2000" kern="1200" dirty="0">
+                <a:solidFill>
+                  <a:prstClr val="black"/>
+                </a:solidFill>
+                <a:latin typeface="Work Sans Light" pitchFamily="2" charset="77"/>
+                <a:ea typeface="+mn-ea"/>
+                <a:cs typeface="+mn-cs"/>
+              </a:rPr>
+              <a:t>Metodología de desarrollo: Scrum</a:t>
+            </a:r>
+          </a:p>
+          <a:p>
+            <a:pPr marL="342900" lvl="0" indent="-342900">
+              <a:buClrTx/>
+              <a:buFont typeface="Wingdings" panose="05000000000000000000" pitchFamily="2" charset="2"/>
+              <a:buChar char="q"/>
+              <a:defRPr/>
+            </a:pPr>
+            <a:endParaRPr lang="es-ES" sz="2000" kern="1200" dirty="0">
+              <a:solidFill>
+                <a:prstClr val="black"/>
+              </a:solidFill>
+              <a:latin typeface="Work Sans Light" pitchFamily="2" charset="77"/>
+              <a:ea typeface="+mn-ea"/>
+              <a:cs typeface="+mn-cs"/>
+            </a:endParaRPr>
+          </a:p>
+          <a:p>
+            <a:pPr lvl="0">
+              <a:buClrTx/>
+              <a:defRPr/>
+            </a:pPr>
+            <a:r>
+              <a:rPr lang="es-ES" sz="2000" kern="1200" dirty="0">
+                <a:solidFill>
+                  <a:prstClr val="black"/>
+                </a:solidFill>
+                <a:latin typeface="Work Sans Light" pitchFamily="2" charset="77"/>
+                <a:ea typeface="+mn-ea"/>
+                <a:cs typeface="+mn-cs"/>
+              </a:rPr>
+              <a:t>Tiempo: Máximo 5 min.</a:t>
+            </a:r>
+          </a:p>
+          <a:p>
+            <a:pPr lvl="0">
+              <a:buClrTx/>
+              <a:defRPr/>
+            </a:pPr>
+            <a:endParaRPr lang="es-ES" sz="2000" kern="1200" dirty="0">
+              <a:solidFill>
+                <a:prstClr val="black"/>
+              </a:solidFill>
+              <a:latin typeface="Work Sans Light" pitchFamily="2" charset="77"/>
+              <a:ea typeface="+mn-ea"/>
+              <a:cs typeface="+mn-cs"/>
+            </a:endParaRPr>
+          </a:p>
+        </p:txBody>
+      </p:sp>
+    </p:spTree>
+    <p:extLst>
+      <p:ext uri="{BB962C8B-B14F-4D97-AF65-F5344CB8AC3E}">
+        <p14:creationId xmlns:p14="http://schemas.microsoft.com/office/powerpoint/2010/main" val="3723209274"/>
+      </p:ext>
+    </p:extLst>
+  </p:cSld>
+  <p:clrMapOvr>
+    <a:masterClrMapping/>
+  </p:clrMapOvr>
+</p:sld>
+</file>
+
+<file path=ppt/slides/slide8.xml><?xml version="1.0" encoding="utf-8"?>
+<p:sld xmlns:a="http://schemas.openxmlformats.org/drawingml/2006/main" xmlns:r="http://schemas.openxmlformats.org/officeDocument/2006/relationships" xmlns:p="http://schemas.openxmlformats.org/presentationml/2006/main">
+  <p:cSld>
+    <p:bg>
+      <p:bgPr>
+        <a:blipFill>
+          <a:blip r:embed="rId2" cstate="email">
+            <a:extLst>
+              <a:ext uri="{28A0092B-C50C-407E-A947-70E740481C1C}">
+                <a14:useLocalDpi xmlns:a14="http://schemas.microsoft.com/office/drawing/2010/main"/>
+              </a:ext>
+            </a:extLst>
+          </a:blip>
+          <a:stretch>
+            <a:fillRect/>
+          </a:stretch>
+        </a:blipFill>
+        <a:effectLst/>
+      </p:bgPr>
+    </p:bg>
+    <p:spTree>
+      <p:nvGrpSpPr>
+        <p:cNvPr id="1" name="">
+          <a:extLst>
+            <a:ext uri="{FF2B5EF4-FFF2-40B4-BE49-F238E27FC236}">
+              <a16:creationId xmlns:a16="http://schemas.microsoft.com/office/drawing/2014/main" id="{2D243AC3-A1B2-060F-589B-C07433254DE2}"/>
+            </a:ext>
+          </a:extLst>
+        </p:cNvPr>
+        <p:cNvGrpSpPr/>
+        <p:nvPr/>
+      </p:nvGrpSpPr>
+      <p:grpSpPr>
+        <a:xfrm>
+          <a:off x="0" y="0"/>
+          <a:ext cx="0" cy="0"/>
+          <a:chOff x="0" y="0"/>
+          <a:chExt cx="0" cy="0"/>
+        </a:xfrm>
+      </p:grpSpPr>
+      <p:sp>
+        <p:nvSpPr>
+          <p:cNvPr id="2" name="Título 1">
+            <a:extLst>
+              <a:ext uri="{FF2B5EF4-FFF2-40B4-BE49-F238E27FC236}">
+                <a16:creationId xmlns:a16="http://schemas.microsoft.com/office/drawing/2014/main" id="{4CB32460-BD61-2EAE-3C0D-D312C16A7A20}"/>
+              </a:ext>
+            </a:extLst>
+          </p:cNvPr>
+          <p:cNvSpPr txBox="1">
+            <a:spLocks/>
+          </p:cNvSpPr>
+          <p:nvPr/>
+        </p:nvSpPr>
+        <p:spPr>
+          <a:xfrm>
+            <a:off x="456236" y="457723"/>
+            <a:ext cx="10611814" cy="676598"/>
+          </a:xfrm>
+          <a:prstGeom prst="rect">
+            <a:avLst/>
+          </a:prstGeom>
+        </p:spPr>
+        <p:txBody>
+          <a:bodyPr/>
+          <a:lstStyle>
+            <a:lvl1pPr algn="l" defTabSz="914400" rtl="0" eaLnBrk="1" latinLnBrk="0" hangingPunct="1">
+              <a:lnSpc>
+                <a:spcPct val="90000"/>
+              </a:lnSpc>
+              <a:spcBef>
+                <a:spcPct val="0"/>
+              </a:spcBef>
+              <a:buNone/>
+              <a:defRPr sz="4400" kern="1200">
+                <a:solidFill>
+                  <a:schemeClr val="tx1"/>
+                </a:solidFill>
+                <a:latin typeface="+mj-lt"/>
+                <a:ea typeface="+mj-ea"/>
+                <a:cs typeface="+mj-cs"/>
+              </a:defRPr>
+            </a:lvl1pPr>
+          </a:lstStyle>
+          <a:p>
+            <a:pPr lvl="0">
+              <a:buClrTx/>
+              <a:defRPr/>
+            </a:pPr>
+            <a:r>
+              <a:rPr lang="es-ES" dirty="0">
+                <a:solidFill>
+                  <a:prstClr val="black">
+                    <a:lumMod val="95000"/>
+                    <a:lumOff val="5000"/>
+                  </a:prstClr>
+                </a:solidFill>
+                <a:latin typeface="Work Sans Medium" pitchFamily="2" charset="77"/>
+              </a:rPr>
+              <a:t>Herramientas o software utilizado</a:t>
+            </a:r>
+          </a:p>
+        </p:txBody>
+      </p:sp>
+      <p:pic>
+        <p:nvPicPr>
+          <p:cNvPr id="1026" name="Picture 2" descr="Windows 11 Logo HD PNG | Citypng">
+            <a:extLst>
+              <a:ext uri="{FF2B5EF4-FFF2-40B4-BE49-F238E27FC236}">
+                <a16:creationId xmlns:a16="http://schemas.microsoft.com/office/drawing/2014/main" id="{FA12D1F0-D132-F99A-052B-392DA7D30614}"/>
+              </a:ext>
+            </a:extLst>
+          </p:cNvPr>
+          <p:cNvPicPr>
+            <a:picLocks noChangeAspect="1" noChangeArrowheads="1"/>
+          </p:cNvPicPr>
+          <p:nvPr/>
+        </p:nvPicPr>
+        <p:blipFill>
+          <a:blip r:embed="rId3">
+            <a:extLst>
+              <a:ext uri="{BEBA8EAE-BF5A-486C-A8C5-ECC9F3942E4B}">
+                <a14:imgProps xmlns:a14="http://schemas.microsoft.com/office/drawing/2010/main">
+                  <a14:imgLayer r:embed="rId4">
+                    <a14:imgEffect>
+                      <a14:backgroundRemoval t="10000" b="90000" l="10000" r="90000">
+                        <a14:foregroundMark x1="14667" y1="43556" x2="14667" y2="43556"/>
+                        <a14:foregroundMark x1="33778" y1="50222" x2="33778" y2="50222"/>
+                        <a14:foregroundMark x1="52000" y1="49333" x2="52000" y2="49333"/>
+                        <a14:foregroundMark x1="41778" y1="50222" x2="41778" y2="50222"/>
+                        <a14:foregroundMark x1="46222" y1="50222" x2="46222" y2="50222"/>
+                        <a14:foregroundMark x1="65333" y1="51556" x2="65333" y2="51556"/>
+                        <a14:foregroundMark x1="82222" y1="51556" x2="82222" y2="51556"/>
+                        <a14:foregroundMark x1="75556" y1="51556" x2="75556" y2="51556"/>
+                        <a14:foregroundMark x1="87111" y1="48000" x2="87111" y2="48000"/>
+                      </a14:backgroundRemoval>
+                    </a14:imgEffect>
+                  </a14:imgLayer>
+                </a14:imgProps>
+              </a:ext>
+              <a:ext uri="{28A0092B-C50C-407E-A947-70E740481C1C}">
+                <a14:useLocalDpi xmlns:a14="http://schemas.microsoft.com/office/drawing/2010/main" val="0"/>
+              </a:ext>
+            </a:extLst>
+          </a:blip>
+          <a:srcRect/>
+          <a:stretch>
+            <a:fillRect/>
+          </a:stretch>
+        </p:blipFill>
+        <p:spPr bwMode="auto">
+          <a:xfrm>
+            <a:off x="580292" y="1535723"/>
+            <a:ext cx="2356339" cy="2021499"/>
+          </a:xfrm>
+          <a:prstGeom prst="rect">
+            <a:avLst/>
+          </a:prstGeom>
+          <a:noFill/>
+          <a:extLst>
+            <a:ext uri="{909E8E84-426E-40DD-AFC4-6F175D3DCCD1}">
+              <a14:hiddenFill xmlns:a14="http://schemas.microsoft.com/office/drawing/2010/main">
+                <a:solidFill>
+                  <a:srgbClr val="FFFFFF"/>
+                </a:solidFill>
+              </a14:hiddenFill>
+            </a:ext>
+          </a:extLst>
+        </p:spPr>
+      </p:pic>
+      <p:pic>
+        <p:nvPicPr>
+          <p:cNvPr id="1028" name="Picture 4" descr="Server-Side scripting with XAMPP – Club TechKnowHow!">
+            <a:extLst>
+              <a:ext uri="{FF2B5EF4-FFF2-40B4-BE49-F238E27FC236}">
+                <a16:creationId xmlns:a16="http://schemas.microsoft.com/office/drawing/2014/main" id="{72D4A9FA-F4E3-D60A-D7E4-9DC773C835A5}"/>
+              </a:ext>
+            </a:extLst>
+          </p:cNvPr>
+          <p:cNvPicPr>
+            <a:picLocks noChangeAspect="1" noChangeArrowheads="1"/>
+          </p:cNvPicPr>
+          <p:nvPr/>
+        </p:nvPicPr>
+        <p:blipFill>
+          <a:blip r:embed="rId5">
+            <a:extLst>
+              <a:ext uri="{28A0092B-C50C-407E-A947-70E740481C1C}">
+                <a14:useLocalDpi xmlns:a14="http://schemas.microsoft.com/office/drawing/2010/main" val="0"/>
+              </a:ext>
+            </a:extLst>
+          </a:blip>
+          <a:srcRect/>
+          <a:stretch>
+            <a:fillRect/>
+          </a:stretch>
+        </p:blipFill>
+        <p:spPr bwMode="auto">
+          <a:xfrm>
+            <a:off x="3470397" y="1823672"/>
+            <a:ext cx="2789726" cy="1733550"/>
+          </a:xfrm>
+          <a:prstGeom prst="rect">
+            <a:avLst/>
+          </a:prstGeom>
+          <a:noFill/>
+          <a:extLst>
+            <a:ext uri="{909E8E84-426E-40DD-AFC4-6F175D3DCCD1}">
+              <a14:hiddenFill xmlns:a14="http://schemas.microsoft.com/office/drawing/2010/main">
+                <a:solidFill>
+                  <a:srgbClr val="FFFFFF"/>
+                </a:solidFill>
+              </a14:hiddenFill>
+            </a:ext>
+          </a:extLst>
+        </p:spPr>
+      </p:pic>
+      <p:pic>
+        <p:nvPicPr>
+          <p:cNvPr id="1030" name="Picture 6" descr="GitHub - desktop/desktop: Focus on what matters instead of fighting with Git .">
+            <a:extLst>
+              <a:ext uri="{FF2B5EF4-FFF2-40B4-BE49-F238E27FC236}">
+                <a16:creationId xmlns:a16="http://schemas.microsoft.com/office/drawing/2014/main" id="{EDD10A97-D386-23B7-C7D9-4DA41EB75D87}"/>
+              </a:ext>
+            </a:extLst>
+          </p:cNvPr>
+          <p:cNvPicPr>
+            <a:picLocks noChangeAspect="1" noChangeArrowheads="1"/>
+          </p:cNvPicPr>
+          <p:nvPr/>
+        </p:nvPicPr>
+        <p:blipFill>
+          <a:blip r:embed="rId6">
+            <a:extLst>
+              <a:ext uri="{28A0092B-C50C-407E-A947-70E740481C1C}">
+                <a14:useLocalDpi xmlns:a14="http://schemas.microsoft.com/office/drawing/2010/main" val="0"/>
+              </a:ext>
+            </a:extLst>
+          </a:blip>
+          <a:srcRect/>
+          <a:stretch>
+            <a:fillRect/>
+          </a:stretch>
+        </p:blipFill>
+        <p:spPr bwMode="auto">
+          <a:xfrm>
+            <a:off x="6976696" y="1667609"/>
+            <a:ext cx="4091354" cy="1889614"/>
+          </a:xfrm>
+          <a:prstGeom prst="rect">
+            <a:avLst/>
+          </a:prstGeom>
+          <a:noFill/>
+          <a:extLst>
+            <a:ext uri="{909E8E84-426E-40DD-AFC4-6F175D3DCCD1}">
+              <a14:hiddenFill xmlns:a14="http://schemas.microsoft.com/office/drawing/2010/main">
+                <a:solidFill>
+                  <a:srgbClr val="FFFFFF"/>
+                </a:solidFill>
+              </a14:hiddenFill>
+            </a:ext>
+          </a:extLst>
+        </p:spPr>
+      </p:pic>
+      <p:pic>
+        <p:nvPicPr>
+          <p:cNvPr id="1032" name="Picture 8" descr="Cómo funcionan las metodologías ágiles y qué beneficios ...">
+            <a:extLst>
+              <a:ext uri="{FF2B5EF4-FFF2-40B4-BE49-F238E27FC236}">
+                <a16:creationId xmlns:a16="http://schemas.microsoft.com/office/drawing/2014/main" id="{A8DF01EA-3DC3-A3F6-90E9-4E318AFD252E}"/>
+              </a:ext>
+            </a:extLst>
+          </p:cNvPr>
+          <p:cNvPicPr>
+            <a:picLocks noChangeAspect="1" noChangeArrowheads="1"/>
+          </p:cNvPicPr>
+          <p:nvPr/>
+        </p:nvPicPr>
+        <p:blipFill>
+          <a:blip r:embed="rId7">
+            <a:extLst>
+              <a:ext uri="{28A0092B-C50C-407E-A947-70E740481C1C}">
+                <a14:useLocalDpi xmlns:a14="http://schemas.microsoft.com/office/drawing/2010/main" val="0"/>
+              </a:ext>
+            </a:extLst>
+          </a:blip>
+          <a:srcRect/>
+          <a:stretch>
+            <a:fillRect/>
+          </a:stretch>
+        </p:blipFill>
+        <p:spPr bwMode="auto">
+          <a:xfrm>
+            <a:off x="4618893" y="4246573"/>
+            <a:ext cx="1932110" cy="1970424"/>
+          </a:xfrm>
+          <a:prstGeom prst="rect">
+            <a:avLst/>
+          </a:prstGeom>
+          <a:noFill/>
+          <a:extLst>
+            <a:ext uri="{909E8E84-426E-40DD-AFC4-6F175D3DCCD1}">
+              <a14:hiddenFill xmlns:a14="http://schemas.microsoft.com/office/drawing/2010/main">
+                <a:solidFill>
+                  <a:srgbClr val="FFFFFF"/>
+                </a:solidFill>
+              </a14:hiddenFill>
+            </a:ext>
+          </a:extLst>
+        </p:spPr>
+      </p:pic>
+    </p:spTree>
+    <p:extLst>
+      <p:ext uri="{BB962C8B-B14F-4D97-AF65-F5344CB8AC3E}">
+        <p14:creationId xmlns:p14="http://schemas.microsoft.com/office/powerpoint/2010/main" val="2427648246"/>
+      </p:ext>
+    </p:extLst>
+  </p:cSld>
+  <p:clrMapOvr>
+    <a:masterClrMapping/>
+  </p:clrMapOvr>
+</p:sld>
+</file>
+
+<file path=ppt/slides/slide9.xml><?xml version="1.0" encoding="utf-8"?>
+<p:sld xmlns:a="http://schemas.openxmlformats.org/drawingml/2006/main" xmlns:r="http://schemas.openxmlformats.org/officeDocument/2006/relationships" xmlns:p="http://schemas.openxmlformats.org/presentationml/2006/main">
+  <p:cSld>
+    <p:bg>
+      <p:bgPr>
+        <a:blipFill dpi="0" rotWithShape="1">
+          <a:blip r:embed="rId2" cstate="email">
+            <a:lum/>
+            <a:extLst>
+              <a:ext uri="{28A0092B-C50C-407E-A947-70E740481C1C}">
+                <a14:useLocalDpi xmlns:a14="http://schemas.microsoft.com/office/drawing/2010/main"/>
+              </a:ext>
+            </a:extLst>
+          </a:blip>
+          <a:srcRect/>
+          <a:stretch>
+            <a:fillRect/>
+          </a:stretch>
+        </a:blipFill>
+        <a:effectLst/>
+      </p:bgPr>
+    </p:bg>
+    <p:spTree>
+      <p:nvGrpSpPr>
+        <p:cNvPr id="1" name=""/>
+        <p:cNvGrpSpPr/>
+        <p:nvPr/>
+      </p:nvGrpSpPr>
+      <p:grpSpPr>
+        <a:xfrm>
+          <a:off x="0" y="0"/>
+          <a:ext cx="0" cy="0"/>
+          <a:chOff x="0" y="0"/>
+          <a:chExt cx="0" cy="0"/>
+        </a:xfrm>
+      </p:grpSpPr>
+      <p:sp>
+        <p:nvSpPr>
+          <p:cNvPr id="3" name="Título 1">
+            <a:extLst>
+              <a:ext uri="{FF2B5EF4-FFF2-40B4-BE49-F238E27FC236}">
+                <a16:creationId xmlns:a16="http://schemas.microsoft.com/office/drawing/2014/main" id="{62CAF686-2B1F-2A4A-A0F2-CAE3CF59E65B}"/>
+              </a:ext>
+            </a:extLst>
+          </p:cNvPr>
+          <p:cNvSpPr txBox="1">
+            <a:spLocks/>
+          </p:cNvSpPr>
+          <p:nvPr/>
+        </p:nvSpPr>
+        <p:spPr>
+          <a:xfrm>
+            <a:off x="456236" y="416689"/>
+            <a:ext cx="10515600" cy="741563"/>
+          </a:xfrm>
+          <a:prstGeom prst="rect">
+            <a:avLst/>
+          </a:prstGeom>
+        </p:spPr>
+        <p:txBody>
+          <a:bodyPr/>
+          <a:lstStyle>
+            <a:lvl1pPr algn="l" defTabSz="914400" rtl="0" eaLnBrk="1" latinLnBrk="0" hangingPunct="1">
+              <a:lnSpc>
+                <a:spcPct val="90000"/>
+              </a:lnSpc>
+              <a:spcBef>
+                <a:spcPct val="0"/>
+              </a:spcBef>
+              <a:buNone/>
+              <a:defRPr sz="4400" kern="1200">
+                <a:solidFill>
+                  <a:schemeClr val="tx1"/>
+                </a:solidFill>
+                <a:latin typeface="+mj-lt"/>
+                <a:ea typeface="+mj-ea"/>
+                <a:cs typeface="+mj-cs"/>
+              </a:defRPr>
+            </a:lvl1pPr>
+          </a:lstStyle>
+          <a:p>
+            <a:pPr marL="0" marR="0" lvl="0" indent="0" algn="l" defTabSz="914400" rtl="0" eaLnBrk="1" fontAlgn="auto" latinLnBrk="0" hangingPunct="1">
+              <a:lnSpc>
+                <a:spcPct val="90000"/>
+              </a:lnSpc>
+              <a:spcBef>
+                <a:spcPct val="0"/>
+              </a:spcBef>
+              <a:spcAft>
+                <a:spcPts val="0"/>
+              </a:spcAft>
+              <a:buClrTx/>
+              <a:buSzTx/>
+              <a:buFont typeface="Arial"/>
+              <a:buNone/>
+              <a:tabLst/>
+              <a:defRPr/>
+            </a:pPr>
+            <a:r>
+              <a:rPr kumimoji="0" lang="es-CO" sz="4400" b="0" i="0" u="none" strike="noStrike" kern="1200" cap="none" spc="0" normalizeH="0" baseline="0" noProof="0" dirty="0">
+                <a:ln>
+                  <a:noFill/>
+                </a:ln>
+                <a:solidFill>
+                  <a:prstClr val="white"/>
+                </a:solidFill>
+                <a:effectLst/>
+                <a:uLnTx/>
+                <a:uFillTx/>
+                <a:latin typeface="Work Sans Medium" pitchFamily="2" charset="77"/>
+                <a:ea typeface="+mj-ea"/>
+                <a:cs typeface="+mj-cs"/>
+                <a:sym typeface="Arial"/>
+              </a:rPr>
+              <a:t>Ordenamiento de carpetas</a:t>
+            </a:r>
+          </a:p>
+          <a:p>
+            <a:pPr marL="0" marR="0" lvl="0" indent="0" algn="l" defTabSz="914400" rtl="0" eaLnBrk="1" fontAlgn="auto" latinLnBrk="0" hangingPunct="1">
+              <a:lnSpc>
+                <a:spcPct val="90000"/>
+              </a:lnSpc>
+              <a:spcBef>
+                <a:spcPct val="0"/>
+              </a:spcBef>
+              <a:spcAft>
+                <a:spcPts val="0"/>
+              </a:spcAft>
+              <a:buClrTx/>
+              <a:buSzTx/>
+              <a:buFont typeface="Arial"/>
+              <a:buNone/>
+              <a:tabLst/>
+              <a:defRPr/>
+            </a:pPr>
+            <a:r>
+              <a:rPr lang="es-CO" sz="2000" dirty="0">
+                <a:solidFill>
+                  <a:prstClr val="white"/>
+                </a:solidFill>
+                <a:latin typeface="Work Sans Medium" pitchFamily="2" charset="77"/>
+              </a:rPr>
+              <a:t>Patrón de diseño</a:t>
+            </a:r>
+          </a:p>
+          <a:p>
+            <a:pPr marL="0" marR="0" lvl="0" indent="0" algn="l" defTabSz="914400" rtl="0" eaLnBrk="1" fontAlgn="auto" latinLnBrk="0" hangingPunct="1">
+              <a:lnSpc>
+                <a:spcPct val="90000"/>
+              </a:lnSpc>
+              <a:spcBef>
+                <a:spcPct val="0"/>
+              </a:spcBef>
+              <a:spcAft>
+                <a:spcPts val="0"/>
+              </a:spcAft>
+              <a:buClrTx/>
+              <a:buSzTx/>
+              <a:buFont typeface="Arial"/>
+              <a:buNone/>
+              <a:tabLst/>
+              <a:defRPr/>
+            </a:pPr>
+            <a:r>
+              <a:rPr lang="es-CO" sz="2000" dirty="0">
+                <a:solidFill>
+                  <a:prstClr val="white"/>
+                </a:solidFill>
+                <a:latin typeface="Work Sans Medium" pitchFamily="2" charset="77"/>
+              </a:rPr>
+              <a:t>Paradigma de programación</a:t>
+            </a:r>
+            <a:endParaRPr kumimoji="0" lang="es-CO" sz="2000" b="0" i="0" u="none" strike="noStrike" kern="1200" cap="none" spc="0" normalizeH="0" baseline="0" noProof="0" dirty="0">
+              <a:ln>
+                <a:noFill/>
+              </a:ln>
+              <a:solidFill>
+                <a:prstClr val="white"/>
+              </a:solidFill>
+              <a:effectLst/>
+              <a:uLnTx/>
+              <a:uFillTx/>
+              <a:latin typeface="Work Sans Medium" pitchFamily="2" charset="77"/>
+              <a:sym typeface="Arial"/>
+            </a:endParaRPr>
+          </a:p>
+          <a:p>
+            <a:pPr marL="0" marR="0" lvl="0" indent="0" algn="l" defTabSz="914400" rtl="0" eaLnBrk="1" fontAlgn="auto" latinLnBrk="0" hangingPunct="1">
+              <a:lnSpc>
+                <a:spcPct val="90000"/>
+              </a:lnSpc>
+              <a:spcBef>
+                <a:spcPct val="0"/>
+              </a:spcBef>
+              <a:spcAft>
+                <a:spcPts val="0"/>
+              </a:spcAft>
+              <a:buClrTx/>
+              <a:buSzTx/>
+              <a:buFont typeface="Arial"/>
+              <a:buNone/>
+              <a:tabLst/>
+              <a:defRPr/>
+            </a:pPr>
+            <a:endParaRPr kumimoji="0" lang="es-CO" sz="4400" b="0" i="0" u="none" strike="noStrike" kern="1200" cap="none" spc="0" normalizeH="0" baseline="0" noProof="0" dirty="0">
+              <a:ln>
+                <a:noFill/>
+              </a:ln>
+              <a:solidFill>
+                <a:prstClr val="white"/>
+              </a:solidFill>
+              <a:effectLst/>
+              <a:uLnTx/>
+              <a:uFillTx/>
+              <a:latin typeface="Work Sans Medium" pitchFamily="2" charset="77"/>
+              <a:ea typeface="+mj-ea"/>
+              <a:cs typeface="+mj-cs"/>
+              <a:sym typeface="Arial"/>
+            </a:endParaRPr>
+          </a:p>
+          <a:p>
+            <a:pPr marL="0" marR="0" lvl="0" indent="0" algn="l" defTabSz="914400" rtl="0" eaLnBrk="1" fontAlgn="auto" latinLnBrk="0" hangingPunct="1">
+              <a:lnSpc>
+                <a:spcPct val="90000"/>
+              </a:lnSpc>
+              <a:spcBef>
+                <a:spcPct val="0"/>
+              </a:spcBef>
+              <a:spcAft>
+                <a:spcPts val="0"/>
+              </a:spcAft>
+              <a:buClrTx/>
+              <a:buSzTx/>
+              <a:buFontTx/>
+              <a:buNone/>
+              <a:tabLst/>
+              <a:defRPr/>
+            </a:pPr>
+            <a:endParaRPr kumimoji="0" lang="es-CO" sz="4400" b="0" i="0" u="none" strike="noStrike" kern="1200" cap="none" spc="0" normalizeH="0" baseline="0" noProof="0" dirty="0">
+              <a:ln>
+                <a:noFill/>
+              </a:ln>
+              <a:solidFill>
+                <a:prstClr val="white"/>
+              </a:solidFill>
+              <a:effectLst/>
+              <a:uLnTx/>
+              <a:uFillTx/>
+              <a:latin typeface="Work Sans Medium" pitchFamily="2" charset="77"/>
+              <a:ea typeface="+mj-ea"/>
+              <a:cs typeface="+mj-cs"/>
+              <a:sym typeface="Arial"/>
+            </a:endParaRPr>
+          </a:p>
+        </p:txBody>
+      </p:sp>
+    </p:spTree>
+    <p:extLst>
+      <p:ext uri="{BB962C8B-B14F-4D97-AF65-F5344CB8AC3E}">
+        <p14:creationId xmlns:p14="http://schemas.microsoft.com/office/powerpoint/2010/main" val="1229578794"/>
       </p:ext>
     </p:extLst>
   </p:cSld>

--- a/manuales/Manual de presentacion de proyecto.pptx
+++ b/manuales/Manual de presentacion de proyecto.pptx
@@ -31,25 +31,37 @@
   <p:notesSz cx="6858000" cy="9144000"/>
   <p:embeddedFontLst>
     <p:embeddedFont>
-      <p:font typeface="Work Sans" panose="020F0502020204030204" pitchFamily="2" charset="0"/>
+      <p:font typeface="Calibri" panose="020F0502020204030204" pitchFamily="34" charset="0"/>
       <p:regular r:id="rId21"/>
       <p:bold r:id="rId22"/>
       <p:italic r:id="rId23"/>
       <p:boldItalic r:id="rId24"/>
     </p:embeddedFont>
     <p:embeddedFont>
-      <p:font typeface="Work Sans Light" panose="020F0502020204030204" pitchFamily="2" charset="0"/>
+      <p:font typeface="Calibri Light" panose="020F0302020204030204" pitchFamily="34" charset="0"/>
       <p:regular r:id="rId25"/>
-      <p:bold r:id="rId26"/>
-      <p:italic r:id="rId27"/>
-      <p:boldItalic r:id="rId28"/>
+      <p:italic r:id="rId26"/>
     </p:embeddedFont>
     <p:embeddedFont>
-      <p:font typeface="Work Sans Medium" panose="020F0502020204030204" pitchFamily="2" charset="0"/>
-      <p:regular r:id="rId29"/>
-      <p:bold r:id="rId30"/>
-      <p:italic r:id="rId31"/>
-      <p:boldItalic r:id="rId32"/>
+      <p:font typeface="Work Sans" panose="020B0604020202020204" charset="0"/>
+      <p:regular r:id="rId27"/>
+      <p:bold r:id="rId28"/>
+      <p:italic r:id="rId29"/>
+      <p:boldItalic r:id="rId30"/>
+    </p:embeddedFont>
+    <p:embeddedFont>
+      <p:font typeface="Work Sans Light" panose="020B0604020202020204" charset="0"/>
+      <p:regular r:id="rId31"/>
+      <p:bold r:id="rId32"/>
+      <p:italic r:id="rId33"/>
+      <p:boldItalic r:id="rId34"/>
+    </p:embeddedFont>
+    <p:embeddedFont>
+      <p:font typeface="Work Sans Medium" panose="020B0604020202020204" charset="0"/>
+      <p:regular r:id="rId35"/>
+      <p:bold r:id="rId36"/>
+      <p:italic r:id="rId37"/>
+      <p:boldItalic r:id="rId38"/>
     </p:embeddedFont>
   </p:embeddedFontLst>
   <p:defaultTextStyle>
@@ -286,7 +298,7 @@
       <p15:sldGuideLst xmlns:p15="http://schemas.microsoft.com/office/powerpoint/2012/main"/>
     </p:ext>
     <p:ext uri="GoogleSlidesCustomDataVersion2">
-      <go:slidesCustomData xmlns="" xmlns:mc="http://schemas.openxmlformats.org/markup-compatibility/2006" xmlns:mv="urn:schemas-microsoft-com:mac:vml" xmlns:c="http://schemas.openxmlformats.org/drawingml/2006/chart" xmlns:dgm="http://schemas.openxmlformats.org/drawingml/2006/diagram" xmlns:o="urn:schemas-microsoft-com:office:office" xmlns:v="urn:schemas-microsoft-com:vml" xmlns:pvml="urn:schemas-microsoft-com:office:powerpoint" xmlns:com="http://schemas.openxmlformats.org/drawingml/2006/compatibility" xmlns:p14="http://schemas.microsoft.com/office/powerpoint/2010/main" xmlns:p15="http://schemas.microsoft.com/office/powerpoint/2012/main" xmlns:ahyp="http://schemas.microsoft.com/office/drawing/2018/hyperlinkcolor" xmlns:go="http://customooxmlschemas.google.com/" r:id="rId158" roundtripDataSignature="AMtx7mh9cBwuomw2KhP3+gywVhm2hcJ6IQ=="/>
+      <go:slidesCustomData xmlns:go="http://customooxmlschemas.google.com/" xmlns:ahyp="http://schemas.microsoft.com/office/drawing/2018/hyperlinkcolor" xmlns:p15="http://schemas.microsoft.com/office/powerpoint/2012/main" xmlns:p14="http://schemas.microsoft.com/office/powerpoint/2010/main" xmlns:com="http://schemas.openxmlformats.org/drawingml/2006/compatibility" xmlns:pvml="urn:schemas-microsoft-com:office:powerpoint" xmlns:v="urn:schemas-microsoft-com:vml" xmlns:o="urn:schemas-microsoft-com:office:office" xmlns:dgm="http://schemas.openxmlformats.org/drawingml/2006/diagram" xmlns:c="http://schemas.openxmlformats.org/drawingml/2006/chart" xmlns:mv="urn:schemas-microsoft-com:mac:vml" xmlns:mc="http://schemas.openxmlformats.org/markup-compatibility/2006" xmlns="" r:id="rId158" roundtripDataSignature="AMtx7mh9cBwuomw2KhP3+gywVhm2hcJ6IQ=="/>
     </p:ext>
   </p:extLst>
 </p:presentation>
@@ -5039,7 +5051,7 @@
           <a:p>
             <a:fld id="{BD986248-06F7-A441-A47A-264EBD310E11}" type="datetimeFigureOut">
               <a:rPr lang="es-CO" smtClean="0"/>
-              <a:t>9/09/2025</a:t>
+              <a:t>10/09/2025</a:t>
             </a:fld>
             <a:endParaRPr lang="es-CO"/>
           </a:p>
@@ -5239,7 +5251,7 @@
           <a:p>
             <a:fld id="{BD986248-06F7-A441-A47A-264EBD310E11}" type="datetimeFigureOut">
               <a:rPr lang="es-CO" smtClean="0"/>
-              <a:t>9/09/2025</a:t>
+              <a:t>10/09/2025</a:t>
             </a:fld>
             <a:endParaRPr lang="es-CO"/>
           </a:p>
@@ -5515,7 +5527,7 @@
           <a:p>
             <a:fld id="{BD986248-06F7-A441-A47A-264EBD310E11}" type="datetimeFigureOut">
               <a:rPr lang="es-CO" smtClean="0"/>
-              <a:t>9/09/2025</a:t>
+              <a:t>10/09/2025</a:t>
             </a:fld>
             <a:endParaRPr lang="es-CO"/>
           </a:p>
@@ -5783,7 +5795,7 @@
           <a:p>
             <a:fld id="{BD986248-06F7-A441-A47A-264EBD310E11}" type="datetimeFigureOut">
               <a:rPr lang="es-CO" smtClean="0"/>
-              <a:t>9/09/2025</a:t>
+              <a:t>10/09/2025</a:t>
             </a:fld>
             <a:endParaRPr lang="es-CO"/>
           </a:p>
@@ -6198,7 +6210,7 @@
           <a:p>
             <a:fld id="{BD986248-06F7-A441-A47A-264EBD310E11}" type="datetimeFigureOut">
               <a:rPr lang="es-CO" smtClean="0"/>
-              <a:t>9/09/2025</a:t>
+              <a:t>10/09/2025</a:t>
             </a:fld>
             <a:endParaRPr lang="es-CO"/>
           </a:p>
@@ -6340,7 +6352,7 @@
           <a:p>
             <a:fld id="{BD986248-06F7-A441-A47A-264EBD310E11}" type="datetimeFigureOut">
               <a:rPr lang="es-CO" smtClean="0"/>
-              <a:t>9/09/2025</a:t>
+              <a:t>10/09/2025</a:t>
             </a:fld>
             <a:endParaRPr lang="es-CO"/>
           </a:p>
@@ -6532,7 +6544,7 @@
           <a:p>
             <a:fld id="{BD986248-06F7-A441-A47A-264EBD310E11}" type="datetimeFigureOut">
               <a:rPr lang="es-CO" smtClean="0"/>
-              <a:t>9/09/2025</a:t>
+              <a:t>10/09/2025</a:t>
             </a:fld>
             <a:endParaRPr lang="es-CO"/>
           </a:p>
@@ -6845,7 +6857,7 @@
           <a:p>
             <a:fld id="{BD986248-06F7-A441-A47A-264EBD310E11}" type="datetimeFigureOut">
               <a:rPr lang="es-CO" smtClean="0"/>
-              <a:t>9/09/2025</a:t>
+              <a:t>10/09/2025</a:t>
             </a:fld>
             <a:endParaRPr lang="es-CO"/>
           </a:p>
@@ -7134,7 +7146,7 @@
           <a:p>
             <a:fld id="{BD986248-06F7-A441-A47A-264EBD310E11}" type="datetimeFigureOut">
               <a:rPr lang="es-CO" smtClean="0"/>
-              <a:t>9/09/2025</a:t>
+              <a:t>10/09/2025</a:t>
             </a:fld>
             <a:endParaRPr lang="es-CO"/>
           </a:p>
@@ -7334,7 +7346,7 @@
           <a:p>
             <a:fld id="{BD986248-06F7-A441-A47A-264EBD310E11}" type="datetimeFigureOut">
               <a:rPr lang="es-CO" smtClean="0"/>
-              <a:t>9/09/2025</a:t>
+              <a:t>10/09/2025</a:t>
             </a:fld>
             <a:endParaRPr lang="es-CO"/>
           </a:p>
@@ -7610,7 +7622,7 @@
           <a:p>
             <a:fld id="{BD986248-06F7-A441-A47A-264EBD310E11}" type="datetimeFigureOut">
               <a:rPr lang="es-CO" smtClean="0"/>
-              <a:t>9/09/2025</a:t>
+              <a:t>10/09/2025</a:t>
             </a:fld>
             <a:endParaRPr lang="es-CO"/>
           </a:p>
@@ -7873,7 +7885,7 @@
           <a:p>
             <a:fld id="{BD986248-06F7-A441-A47A-264EBD310E11}" type="datetimeFigureOut">
               <a:rPr lang="es-CO" smtClean="0"/>
-              <a:t>9/09/2025</a:t>
+              <a:t>10/09/2025</a:t>
             </a:fld>
             <a:endParaRPr lang="es-CO"/>
           </a:p>
@@ -26937,7 +26949,7 @@
           <a:p>
             <a:fld id="{BD986248-06F7-A441-A47A-264EBD310E11}" type="datetimeFigureOut">
               <a:rPr lang="es-CO" smtClean="0"/>
-              <a:t>9/09/2025</a:t>
+              <a:t>10/09/2025</a:t>
             </a:fld>
             <a:endParaRPr lang="es-CO"/>
           </a:p>
@@ -29849,7 +29861,7 @@
                 </a:solidFill>
                 <a:latin typeface="Work Sans Medium" pitchFamily="2" charset="77"/>
               </a:rPr>
-              <a:t>MVC</a:t>
+              <a:t>Laravel</a:t>
             </a:r>
           </a:p>
         </p:txBody>
